--- a/docs/diagrams/Diagrams.pptx
+++ b/docs/diagrams/Diagrams.pptx
@@ -6,17 +6,19 @@
     <p:sldMasterId id="2147483671" r:id="rId2"/>
   </p:sldMasterIdLst>
   <p:notesMasterIdLst>
-    <p:notesMasterId r:id="rId11"/>
+    <p:notesMasterId r:id="rId13"/>
   </p:notesMasterIdLst>
   <p:sldIdLst>
     <p:sldId id="256" r:id="rId3"/>
     <p:sldId id="257" r:id="rId4"/>
     <p:sldId id="258" r:id="rId5"/>
-    <p:sldId id="259" r:id="rId6"/>
-    <p:sldId id="260" r:id="rId7"/>
-    <p:sldId id="261" r:id="rId8"/>
-    <p:sldId id="262" r:id="rId9"/>
-    <p:sldId id="263" r:id="rId10"/>
+    <p:sldId id="264" r:id="rId6"/>
+    <p:sldId id="265" r:id="rId7"/>
+    <p:sldId id="259" r:id="rId8"/>
+    <p:sldId id="260" r:id="rId9"/>
+    <p:sldId id="261" r:id="rId10"/>
+    <p:sldId id="262" r:id="rId11"/>
+    <p:sldId id="263" r:id="rId12"/>
   </p:sldIdLst>
   <p:sldSz cx="9144000" cy="5143500" type="screen16x9"/>
   <p:notesSz cx="6858000" cy="9144000"/>
@@ -222,6 +224,11 @@
       </a:defRPr>
     </a:lvl9pPr>
   </p:defaultTextStyle>
+  <p:extLst>
+    <p:ext uri="{EFAFB233-063F-42B5-8137-9DF3F51BA10A}">
+      <p15:sldGuideLst xmlns:p15="http://schemas.microsoft.com/office/powerpoint/2012/main"/>
+    </p:ext>
+  </p:extLst>
 </p:presentation>
 </file>
 
@@ -385,6 +392,11 @@
         </p:txBody>
       </p:sp>
     </p:spTree>
+    <p:extLst>
+      <p:ext uri="{BB962C8B-B14F-4D97-AF65-F5344CB8AC3E}">
+        <p14:creationId xmlns:p14="http://schemas.microsoft.com/office/powerpoint/2010/main" val="324582998"/>
+      </p:ext>
+    </p:extLst>
   </p:cSld>
   <p:clrMap bg1="lt1" tx1="dk1" bg2="dk2" tx2="lt2" accent1="accent1" accent2="accent2" accent3="accent3" accent4="accent4" accent5="accent5" accent6="accent6" hlink="hlink" folHlink="folHlink"/>
   <p:notesStyle>
@@ -580,6 +592,121 @@
         </p:spPr>
       </p:sp>
     </p:spTree>
+    <p:extLst>
+      <p:ext uri="{BB962C8B-B14F-4D97-AF65-F5344CB8AC3E}">
+        <p14:creationId xmlns:p14="http://schemas.microsoft.com/office/powerpoint/2010/main" val="865304666"/>
+      </p:ext>
+    </p:extLst>
+  </p:cSld>
+  <p:clrMapOvr>
+    <a:masterClrMapping/>
+  </p:clrMapOvr>
+</p:notes>
+</file>
+
+<file path=ppt/notesSlides/notesSlide10.xml><?xml version="1.0" encoding="utf-8"?>
+<p:notes xmlns:a="http://schemas.openxmlformats.org/drawingml/2006/main" xmlns:r="http://schemas.openxmlformats.org/officeDocument/2006/relationships" xmlns:p="http://schemas.openxmlformats.org/presentationml/2006/main" showMasterSp="0" showMasterPhAnim="0">
+  <p:cSld>
+    <p:spTree>
+      <p:nvGrpSpPr>
+        <p:cNvPr id="1" name="Shape 386"/>
+        <p:cNvGrpSpPr/>
+        <p:nvPr/>
+      </p:nvGrpSpPr>
+      <p:grpSpPr>
+        <a:xfrm>
+          <a:off x="0" y="0"/>
+          <a:ext cx="0" cy="0"/>
+          <a:chOff x="0" y="0"/>
+          <a:chExt cx="0" cy="0"/>
+        </a:xfrm>
+      </p:grpSpPr>
+      <p:sp>
+        <p:nvSpPr>
+          <p:cNvPr id="387" name="Shape 387"/>
+          <p:cNvSpPr txBox="1">
+            <a:spLocks noGrp="1"/>
+          </p:cNvSpPr>
+          <p:nvPr>
+            <p:ph type="body" idx="1"/>
+          </p:nvPr>
+        </p:nvSpPr>
+        <p:spPr>
+          <a:xfrm>
+            <a:off x="685800" y="4343400"/>
+            <a:ext cx="5486399" cy="4114800"/>
+          </a:xfrm>
+          <a:prstGeom prst="rect">
+            <a:avLst/>
+          </a:prstGeom>
+          <a:noFill/>
+          <a:ln>
+            <a:noFill/>
+          </a:ln>
+        </p:spPr>
+        <p:txBody>
+          <a:bodyPr lIns="91425" tIns="91425" rIns="91425" bIns="91425" anchor="ctr" anchorCtr="0">
+            <a:noAutofit/>
+          </a:bodyPr>
+          <a:lstStyle/>
+          <a:p>
+            <a:pPr lvl="0">
+              <a:spcBef>
+                <a:spcPts val="0"/>
+              </a:spcBef>
+              <a:buNone/>
+            </a:pPr>
+            <a:endParaRPr/>
+          </a:p>
+        </p:txBody>
+      </p:sp>
+      <p:sp>
+        <p:nvSpPr>
+          <p:cNvPr id="388" name="Shape 388"/>
+          <p:cNvSpPr>
+            <a:spLocks noGrp="1" noRot="1" noChangeAspect="1"/>
+          </p:cNvSpPr>
+          <p:nvPr>
+            <p:ph type="sldImg" idx="2"/>
+          </p:nvPr>
+        </p:nvSpPr>
+        <p:spPr>
+          <a:xfrm>
+            <a:off x="380999" y="685800"/>
+            <a:ext cx="6096000" cy="3429000"/>
+          </a:xfrm>
+          <a:custGeom>
+            <a:avLst/>
+            <a:gdLst/>
+            <a:ahLst/>
+            <a:cxnLst/>
+            <a:rect l="0" t="0" r="0" b="0"/>
+            <a:pathLst>
+              <a:path w="120000" h="120000" extrusionOk="0">
+                <a:moveTo>
+                  <a:pt x="0" y="0"/>
+                </a:moveTo>
+                <a:lnTo>
+                  <a:pt x="120000" y="0"/>
+                </a:lnTo>
+                <a:lnTo>
+                  <a:pt x="120000" y="120000"/>
+                </a:lnTo>
+                <a:lnTo>
+                  <a:pt x="0" y="120000"/>
+                </a:lnTo>
+                <a:close/>
+              </a:path>
+            </a:pathLst>
+          </a:custGeom>
+        </p:spPr>
+      </p:sp>
+    </p:spTree>
+    <p:extLst>
+      <p:ext uri="{BB962C8B-B14F-4D97-AF65-F5344CB8AC3E}">
+        <p14:creationId xmlns:p14="http://schemas.microsoft.com/office/powerpoint/2010/main" val="2587972222"/>
+      </p:ext>
+    </p:extLst>
   </p:cSld>
   <p:clrMapOvr>
     <a:masterClrMapping/>
@@ -685,6 +812,11 @@
         </p:spPr>
       </p:sp>
     </p:spTree>
+    <p:extLst>
+      <p:ext uri="{BB962C8B-B14F-4D97-AF65-F5344CB8AC3E}">
+        <p14:creationId xmlns:p14="http://schemas.microsoft.com/office/powerpoint/2010/main" val="1081758477"/>
+      </p:ext>
+    </p:extLst>
   </p:cSld>
   <p:clrMapOvr>
     <a:masterClrMapping/>
@@ -790,6 +922,11 @@
         </p:spPr>
       </p:sp>
     </p:spTree>
+    <p:extLst>
+      <p:ext uri="{BB962C8B-B14F-4D97-AF65-F5344CB8AC3E}">
+        <p14:creationId xmlns:p14="http://schemas.microsoft.com/office/powerpoint/2010/main" val="2685437896"/>
+      </p:ext>
+    </p:extLst>
   </p:cSld>
   <p:clrMapOvr>
     <a:masterClrMapping/>
@@ -798,6 +935,226 @@
 </file>
 
 <file path=ppt/notesSlides/notesSlide4.xml><?xml version="1.0" encoding="utf-8"?>
+<p:notes xmlns:a="http://schemas.openxmlformats.org/drawingml/2006/main" xmlns:r="http://schemas.openxmlformats.org/officeDocument/2006/relationships" xmlns:p="http://schemas.openxmlformats.org/presentationml/2006/main" showMasterSp="0" showMasterPhAnim="0">
+  <p:cSld>
+    <p:spTree>
+      <p:nvGrpSpPr>
+        <p:cNvPr id="1" name="Shape 163"/>
+        <p:cNvGrpSpPr/>
+        <p:nvPr/>
+      </p:nvGrpSpPr>
+      <p:grpSpPr>
+        <a:xfrm>
+          <a:off x="0" y="0"/>
+          <a:ext cx="0" cy="0"/>
+          <a:chOff x="0" y="0"/>
+          <a:chExt cx="0" cy="0"/>
+        </a:xfrm>
+      </p:grpSpPr>
+      <p:sp>
+        <p:nvSpPr>
+          <p:cNvPr id="164" name="Shape 164"/>
+          <p:cNvSpPr txBox="1">
+            <a:spLocks noGrp="1"/>
+          </p:cNvSpPr>
+          <p:nvPr>
+            <p:ph type="body" idx="1"/>
+          </p:nvPr>
+        </p:nvSpPr>
+        <p:spPr>
+          <a:xfrm>
+            <a:off x="685800" y="4343400"/>
+            <a:ext cx="5486399" cy="4114800"/>
+          </a:xfrm>
+          <a:prstGeom prst="rect">
+            <a:avLst/>
+          </a:prstGeom>
+          <a:noFill/>
+          <a:ln>
+            <a:noFill/>
+          </a:ln>
+        </p:spPr>
+        <p:txBody>
+          <a:bodyPr lIns="91425" tIns="91425" rIns="91425" bIns="91425" anchor="ctr" anchorCtr="0">
+            <a:noAutofit/>
+          </a:bodyPr>
+          <a:lstStyle/>
+          <a:p>
+            <a:pPr lvl="0">
+              <a:spcBef>
+                <a:spcPts val="0"/>
+              </a:spcBef>
+              <a:buNone/>
+            </a:pPr>
+            <a:endParaRPr/>
+          </a:p>
+        </p:txBody>
+      </p:sp>
+      <p:sp>
+        <p:nvSpPr>
+          <p:cNvPr id="165" name="Shape 165"/>
+          <p:cNvSpPr>
+            <a:spLocks noGrp="1" noRot="1" noChangeAspect="1"/>
+          </p:cNvSpPr>
+          <p:nvPr>
+            <p:ph type="sldImg" idx="2"/>
+          </p:nvPr>
+        </p:nvSpPr>
+        <p:spPr>
+          <a:xfrm>
+            <a:off x="381000" y="685800"/>
+            <a:ext cx="6096000" cy="3429000"/>
+          </a:xfrm>
+          <a:custGeom>
+            <a:avLst/>
+            <a:gdLst/>
+            <a:ahLst/>
+            <a:cxnLst/>
+            <a:rect l="0" t="0" r="0" b="0"/>
+            <a:pathLst>
+              <a:path w="120000" h="120000" extrusionOk="0">
+                <a:moveTo>
+                  <a:pt x="0" y="0"/>
+                </a:moveTo>
+                <a:lnTo>
+                  <a:pt x="120000" y="0"/>
+                </a:lnTo>
+                <a:lnTo>
+                  <a:pt x="120000" y="120000"/>
+                </a:lnTo>
+                <a:lnTo>
+                  <a:pt x="0" y="120000"/>
+                </a:lnTo>
+                <a:close/>
+              </a:path>
+            </a:pathLst>
+          </a:custGeom>
+        </p:spPr>
+      </p:sp>
+    </p:spTree>
+    <p:extLst>
+      <p:ext uri="{BB962C8B-B14F-4D97-AF65-F5344CB8AC3E}">
+        <p14:creationId xmlns:p14="http://schemas.microsoft.com/office/powerpoint/2010/main" val="442506808"/>
+      </p:ext>
+    </p:extLst>
+  </p:cSld>
+  <p:clrMapOvr>
+    <a:masterClrMapping/>
+  </p:clrMapOvr>
+</p:notes>
+</file>
+
+<file path=ppt/notesSlides/notesSlide5.xml><?xml version="1.0" encoding="utf-8"?>
+<p:notes xmlns:a="http://schemas.openxmlformats.org/drawingml/2006/main" xmlns:r="http://schemas.openxmlformats.org/officeDocument/2006/relationships" xmlns:p="http://schemas.openxmlformats.org/presentationml/2006/main" showMasterSp="0" showMasterPhAnim="0">
+  <p:cSld>
+    <p:spTree>
+      <p:nvGrpSpPr>
+        <p:cNvPr id="1" name="Shape 163"/>
+        <p:cNvGrpSpPr/>
+        <p:nvPr/>
+      </p:nvGrpSpPr>
+      <p:grpSpPr>
+        <a:xfrm>
+          <a:off x="0" y="0"/>
+          <a:ext cx="0" cy="0"/>
+          <a:chOff x="0" y="0"/>
+          <a:chExt cx="0" cy="0"/>
+        </a:xfrm>
+      </p:grpSpPr>
+      <p:sp>
+        <p:nvSpPr>
+          <p:cNvPr id="164" name="Shape 164"/>
+          <p:cNvSpPr txBox="1">
+            <a:spLocks noGrp="1"/>
+          </p:cNvSpPr>
+          <p:nvPr>
+            <p:ph type="body" idx="1"/>
+          </p:nvPr>
+        </p:nvSpPr>
+        <p:spPr>
+          <a:xfrm>
+            <a:off x="685800" y="4343400"/>
+            <a:ext cx="5486399" cy="4114800"/>
+          </a:xfrm>
+          <a:prstGeom prst="rect">
+            <a:avLst/>
+          </a:prstGeom>
+          <a:noFill/>
+          <a:ln>
+            <a:noFill/>
+          </a:ln>
+        </p:spPr>
+        <p:txBody>
+          <a:bodyPr lIns="91425" tIns="91425" rIns="91425" bIns="91425" anchor="ctr" anchorCtr="0">
+            <a:noAutofit/>
+          </a:bodyPr>
+          <a:lstStyle/>
+          <a:p>
+            <a:pPr lvl="0">
+              <a:spcBef>
+                <a:spcPts val="0"/>
+              </a:spcBef>
+              <a:buNone/>
+            </a:pPr>
+            <a:endParaRPr/>
+          </a:p>
+        </p:txBody>
+      </p:sp>
+      <p:sp>
+        <p:nvSpPr>
+          <p:cNvPr id="165" name="Shape 165"/>
+          <p:cNvSpPr>
+            <a:spLocks noGrp="1" noRot="1" noChangeAspect="1"/>
+          </p:cNvSpPr>
+          <p:nvPr>
+            <p:ph type="sldImg" idx="2"/>
+          </p:nvPr>
+        </p:nvSpPr>
+        <p:spPr>
+          <a:xfrm>
+            <a:off x="381000" y="685800"/>
+            <a:ext cx="6096000" cy="3429000"/>
+          </a:xfrm>
+          <a:custGeom>
+            <a:avLst/>
+            <a:gdLst/>
+            <a:ahLst/>
+            <a:cxnLst/>
+            <a:rect l="0" t="0" r="0" b="0"/>
+            <a:pathLst>
+              <a:path w="120000" h="120000" extrusionOk="0">
+                <a:moveTo>
+                  <a:pt x="0" y="0"/>
+                </a:moveTo>
+                <a:lnTo>
+                  <a:pt x="120000" y="0"/>
+                </a:lnTo>
+                <a:lnTo>
+                  <a:pt x="120000" y="120000"/>
+                </a:lnTo>
+                <a:lnTo>
+                  <a:pt x="0" y="120000"/>
+                </a:lnTo>
+                <a:close/>
+              </a:path>
+            </a:pathLst>
+          </a:custGeom>
+        </p:spPr>
+      </p:sp>
+    </p:spTree>
+    <p:extLst>
+      <p:ext uri="{BB962C8B-B14F-4D97-AF65-F5344CB8AC3E}">
+        <p14:creationId xmlns:p14="http://schemas.microsoft.com/office/powerpoint/2010/main" val="4083147829"/>
+      </p:ext>
+    </p:extLst>
+  </p:cSld>
+  <p:clrMapOvr>
+    <a:masterClrMapping/>
+  </p:clrMapOvr>
+</p:notes>
+</file>
+
+<file path=ppt/notesSlides/notesSlide6.xml><?xml version="1.0" encoding="utf-8"?>
 <p:notes xmlns:a="http://schemas.openxmlformats.org/drawingml/2006/main" xmlns:r="http://schemas.openxmlformats.org/officeDocument/2006/relationships" xmlns:p="http://schemas.openxmlformats.org/presentationml/2006/main" showMasterSp="0" showMasterPhAnim="0">
   <p:cSld>
     <p:spTree>
@@ -895,6 +1252,11 @@
         </p:spPr>
       </p:sp>
     </p:spTree>
+    <p:extLst>
+      <p:ext uri="{BB962C8B-B14F-4D97-AF65-F5344CB8AC3E}">
+        <p14:creationId xmlns:p14="http://schemas.microsoft.com/office/powerpoint/2010/main" val="1839660530"/>
+      </p:ext>
+    </p:extLst>
   </p:cSld>
   <p:clrMapOvr>
     <a:masterClrMapping/>
@@ -902,7 +1264,7 @@
 </p:notes>
 </file>
 
-<file path=ppt/notesSlides/notesSlide5.xml><?xml version="1.0" encoding="utf-8"?>
+<file path=ppt/notesSlides/notesSlide7.xml><?xml version="1.0" encoding="utf-8"?>
 <p:notes xmlns:a="http://schemas.openxmlformats.org/drawingml/2006/main" xmlns:r="http://schemas.openxmlformats.org/officeDocument/2006/relationships" xmlns:p="http://schemas.openxmlformats.org/presentationml/2006/main" showMasterSp="0" showMasterPhAnim="0">
   <p:cSld>
     <p:spTree>
@@ -1000,6 +1362,11 @@
         </p:spPr>
       </p:sp>
     </p:spTree>
+    <p:extLst>
+      <p:ext uri="{BB962C8B-B14F-4D97-AF65-F5344CB8AC3E}">
+        <p14:creationId xmlns:p14="http://schemas.microsoft.com/office/powerpoint/2010/main" val="1682072553"/>
+      </p:ext>
+    </p:extLst>
   </p:cSld>
   <p:clrMapOvr>
     <a:masterClrMapping/>
@@ -1007,7 +1374,7 @@
 </p:notes>
 </file>
 
-<file path=ppt/notesSlides/notesSlide6.xml><?xml version="1.0" encoding="utf-8"?>
+<file path=ppt/notesSlides/notesSlide8.xml><?xml version="1.0" encoding="utf-8"?>
 <p:notes xmlns:a="http://schemas.openxmlformats.org/drawingml/2006/main" xmlns:r="http://schemas.openxmlformats.org/officeDocument/2006/relationships" xmlns:p="http://schemas.openxmlformats.org/presentationml/2006/main" showMasterSp="0" showMasterPhAnim="0">
   <p:cSld>
     <p:spTree>
@@ -1105,6 +1472,11 @@
         </p:spPr>
       </p:sp>
     </p:spTree>
+    <p:extLst>
+      <p:ext uri="{BB962C8B-B14F-4D97-AF65-F5344CB8AC3E}">
+        <p14:creationId xmlns:p14="http://schemas.microsoft.com/office/powerpoint/2010/main" val="963411102"/>
+      </p:ext>
+    </p:extLst>
   </p:cSld>
   <p:clrMapOvr>
     <a:masterClrMapping/>
@@ -1112,7 +1484,7 @@
 </p:notes>
 </file>
 
-<file path=ppt/notesSlides/notesSlide7.xml><?xml version="1.0" encoding="utf-8"?>
+<file path=ppt/notesSlides/notesSlide9.xml><?xml version="1.0" encoding="utf-8"?>
 <p:notes xmlns:a="http://schemas.openxmlformats.org/drawingml/2006/main" xmlns:r="http://schemas.openxmlformats.org/officeDocument/2006/relationships" xmlns:p="http://schemas.openxmlformats.org/presentationml/2006/main" showMasterSp="0" showMasterPhAnim="0">
   <p:cSld>
     <p:spTree>
@@ -1210,111 +1582,11 @@
         </p:spPr>
       </p:sp>
     </p:spTree>
-  </p:cSld>
-  <p:clrMapOvr>
-    <a:masterClrMapping/>
-  </p:clrMapOvr>
-</p:notes>
-</file>
-
-<file path=ppt/notesSlides/notesSlide8.xml><?xml version="1.0" encoding="utf-8"?>
-<p:notes xmlns:a="http://schemas.openxmlformats.org/drawingml/2006/main" xmlns:r="http://schemas.openxmlformats.org/officeDocument/2006/relationships" xmlns:p="http://schemas.openxmlformats.org/presentationml/2006/main" showMasterSp="0" showMasterPhAnim="0">
-  <p:cSld>
-    <p:spTree>
-      <p:nvGrpSpPr>
-        <p:cNvPr id="1" name="Shape 386"/>
-        <p:cNvGrpSpPr/>
-        <p:nvPr/>
-      </p:nvGrpSpPr>
-      <p:grpSpPr>
-        <a:xfrm>
-          <a:off x="0" y="0"/>
-          <a:ext cx="0" cy="0"/>
-          <a:chOff x="0" y="0"/>
-          <a:chExt cx="0" cy="0"/>
-        </a:xfrm>
-      </p:grpSpPr>
-      <p:sp>
-        <p:nvSpPr>
-          <p:cNvPr id="387" name="Shape 387"/>
-          <p:cNvSpPr txBox="1">
-            <a:spLocks noGrp="1"/>
-          </p:cNvSpPr>
-          <p:nvPr>
-            <p:ph type="body" idx="1"/>
-          </p:nvPr>
-        </p:nvSpPr>
-        <p:spPr>
-          <a:xfrm>
-            <a:off x="685800" y="4343400"/>
-            <a:ext cx="5486399" cy="4114800"/>
-          </a:xfrm>
-          <a:prstGeom prst="rect">
-            <a:avLst/>
-          </a:prstGeom>
-          <a:noFill/>
-          <a:ln>
-            <a:noFill/>
-          </a:ln>
-        </p:spPr>
-        <p:txBody>
-          <a:bodyPr lIns="91425" tIns="91425" rIns="91425" bIns="91425" anchor="ctr" anchorCtr="0">
-            <a:noAutofit/>
-          </a:bodyPr>
-          <a:lstStyle/>
-          <a:p>
-            <a:pPr lvl="0">
-              <a:spcBef>
-                <a:spcPts val="0"/>
-              </a:spcBef>
-              <a:buNone/>
-            </a:pPr>
-            <a:endParaRPr/>
-          </a:p>
-        </p:txBody>
-      </p:sp>
-      <p:sp>
-        <p:nvSpPr>
-          <p:cNvPr id="388" name="Shape 388"/>
-          <p:cNvSpPr>
-            <a:spLocks noGrp="1" noRot="1" noChangeAspect="1"/>
-          </p:cNvSpPr>
-          <p:nvPr>
-            <p:ph type="sldImg" idx="2"/>
-          </p:nvPr>
-        </p:nvSpPr>
-        <p:spPr>
-          <a:xfrm>
-            <a:off x="380999" y="685800"/>
-            <a:ext cx="6096000" cy="3429000"/>
-          </a:xfrm>
-          <a:custGeom>
-            <a:avLst/>
-            <a:gdLst/>
-            <a:ahLst/>
-            <a:cxnLst/>
-            <a:rect l="0" t="0" r="0" b="0"/>
-            <a:pathLst>
-              <a:path w="120000" h="120000" extrusionOk="0">
-                <a:moveTo>
-                  <a:pt x="0" y="0"/>
-                </a:moveTo>
-                <a:lnTo>
-                  <a:pt x="120000" y="0"/>
-                </a:lnTo>
-                <a:lnTo>
-                  <a:pt x="120000" y="120000"/>
-                </a:lnTo>
-                <a:lnTo>
-                  <a:pt x="0" y="120000"/>
-                </a:lnTo>
-                <a:close/>
-              </a:path>
-            </a:pathLst>
-          </a:custGeom>
-        </p:spPr>
-      </p:sp>
-    </p:spTree>
+    <p:extLst>
+      <p:ext uri="{BB962C8B-B14F-4D97-AF65-F5344CB8AC3E}">
+        <p14:creationId xmlns:p14="http://schemas.microsoft.com/office/powerpoint/2010/main" val="1198434175"/>
+      </p:ext>
+    </p:extLst>
   </p:cSld>
   <p:clrMapOvr>
     <a:masterClrMapping/>
@@ -14768,6 +15040,357 @@
 </p:sld>
 </file>
 
+<file path=ppt/slides/slide10.xml><?xml version="1.0" encoding="utf-8"?>
+<p:sld xmlns:a="http://schemas.openxmlformats.org/drawingml/2006/main" xmlns:r="http://schemas.openxmlformats.org/officeDocument/2006/relationships" xmlns:p="http://schemas.openxmlformats.org/presentationml/2006/main">
+  <p:cSld>
+    <p:spTree>
+      <p:nvGrpSpPr>
+        <p:cNvPr id="1" name="Shape 389"/>
+        <p:cNvGrpSpPr/>
+        <p:nvPr/>
+      </p:nvGrpSpPr>
+      <p:grpSpPr>
+        <a:xfrm>
+          <a:off x="0" y="0"/>
+          <a:ext cx="0" cy="0"/>
+          <a:chOff x="0" y="0"/>
+          <a:chExt cx="0" cy="0"/>
+        </a:xfrm>
+      </p:grpSpPr>
+      <p:sp>
+        <p:nvSpPr>
+          <p:cNvPr id="390" name="Shape 390"/>
+          <p:cNvSpPr/>
+          <p:nvPr/>
+        </p:nvSpPr>
+        <p:spPr>
+          <a:xfrm>
+            <a:off x="990600" y="514350"/>
+            <a:ext cx="7315200" cy="4114799"/>
+          </a:xfrm>
+          <a:prstGeom prst="rect">
+            <a:avLst/>
+          </a:prstGeom>
+          <a:solidFill>
+            <a:schemeClr val="accent1"/>
+          </a:solidFill>
+          <a:ln w="25400" cap="flat" cmpd="sng">
+            <a:solidFill>
+              <a:srgbClr val="395E89"/>
+            </a:solidFill>
+            <a:prstDash val="solid"/>
+            <a:round/>
+            <a:headEnd type="none" w="med" len="med"/>
+            <a:tailEnd type="none" w="med" len="med"/>
+          </a:ln>
+        </p:spPr>
+        <p:txBody>
+          <a:bodyPr lIns="91425" tIns="45700" rIns="91425" bIns="45700" anchor="ctr" anchorCtr="0">
+            <a:noAutofit/>
+          </a:bodyPr>
+          <a:lstStyle/>
+          <a:p>
+            <a:pPr marL="0" marR="0" lvl="0" indent="0" algn="ctr" rtl="0">
+              <a:spcBef>
+                <a:spcPts val="0"/>
+              </a:spcBef>
+              <a:buNone/>
+            </a:pPr>
+            <a:endParaRPr sz="1800">
+              <a:solidFill>
+                <a:schemeClr val="lt1"/>
+              </a:solidFill>
+              <a:latin typeface="Calibri"/>
+              <a:ea typeface="Calibri"/>
+              <a:cs typeface="Calibri"/>
+              <a:sym typeface="Calibri"/>
+            </a:endParaRPr>
+          </a:p>
+        </p:txBody>
+      </p:sp>
+      <p:sp>
+        <p:nvSpPr>
+          <p:cNvPr id="391" name="Shape 391"/>
+          <p:cNvSpPr/>
+          <p:nvPr/>
+        </p:nvSpPr>
+        <p:spPr>
+          <a:xfrm>
+            <a:off x="1066800" y="971549"/>
+            <a:ext cx="2362200" cy="2358894"/>
+          </a:xfrm>
+          <a:prstGeom prst="rect">
+            <a:avLst/>
+          </a:prstGeom>
+          <a:solidFill>
+            <a:schemeClr val="accent2"/>
+          </a:solidFill>
+          <a:ln w="25400" cap="flat" cmpd="sng">
+            <a:solidFill>
+              <a:srgbClr val="8C3A38"/>
+            </a:solidFill>
+            <a:prstDash val="solid"/>
+            <a:round/>
+            <a:headEnd type="none" w="med" len="med"/>
+            <a:tailEnd type="none" w="med" len="med"/>
+          </a:ln>
+        </p:spPr>
+        <p:txBody>
+          <a:bodyPr lIns="91425" tIns="45700" rIns="91425" bIns="45700" anchor="ctr" anchorCtr="0">
+            <a:noAutofit/>
+          </a:bodyPr>
+          <a:lstStyle/>
+          <a:p>
+            <a:pPr marL="0" marR="0" lvl="0" indent="0" algn="ctr" rtl="0">
+              <a:spcBef>
+                <a:spcPts val="0"/>
+              </a:spcBef>
+              <a:buSzPct val="25000"/>
+              <a:buNone/>
+            </a:pPr>
+            <a:r>
+              <a:rPr lang="en-GB" sz="3200">
+                <a:solidFill>
+                  <a:schemeClr val="lt1"/>
+                </a:solidFill>
+                <a:latin typeface="Calibri"/>
+                <a:ea typeface="Calibri"/>
+                <a:cs typeface="Calibri"/>
+                <a:sym typeface="Calibri"/>
+              </a:rPr>
+              <a:t>Task Display</a:t>
+            </a:r>
+          </a:p>
+        </p:txBody>
+      </p:sp>
+      <p:sp>
+        <p:nvSpPr>
+          <p:cNvPr id="392" name="Shape 392"/>
+          <p:cNvSpPr/>
+          <p:nvPr/>
+        </p:nvSpPr>
+        <p:spPr>
+          <a:xfrm>
+            <a:off x="1066800" y="4041905"/>
+            <a:ext cx="2362200" cy="514349"/>
+          </a:xfrm>
+          <a:prstGeom prst="rect">
+            <a:avLst/>
+          </a:prstGeom>
+          <a:solidFill>
+            <a:schemeClr val="dk2"/>
+          </a:solidFill>
+          <a:ln w="25400" cap="flat" cmpd="sng">
+            <a:solidFill>
+              <a:srgbClr val="718840"/>
+            </a:solidFill>
+            <a:prstDash val="solid"/>
+            <a:round/>
+            <a:headEnd type="none" w="med" len="med"/>
+            <a:tailEnd type="none" w="med" len="med"/>
+          </a:ln>
+        </p:spPr>
+        <p:txBody>
+          <a:bodyPr lIns="91425" tIns="45700" rIns="91425" bIns="45700" anchor="ctr" anchorCtr="0">
+            <a:noAutofit/>
+          </a:bodyPr>
+          <a:lstStyle/>
+          <a:p>
+            <a:pPr marL="0" marR="0" lvl="0" indent="0" algn="ctr" rtl="0">
+              <a:spcBef>
+                <a:spcPts val="0"/>
+              </a:spcBef>
+              <a:buSzPct val="25000"/>
+              <a:buNone/>
+            </a:pPr>
+            <a:r>
+              <a:rPr lang="en-GB" sz="2400">
+                <a:solidFill>
+                  <a:schemeClr val="lt1"/>
+                </a:solidFill>
+                <a:latin typeface="Calibri"/>
+                <a:ea typeface="Calibri"/>
+                <a:cs typeface="Calibri"/>
+                <a:sym typeface="Calibri"/>
+              </a:rPr>
+              <a:t># Task Completed</a:t>
+            </a:r>
+          </a:p>
+        </p:txBody>
+      </p:sp>
+      <p:sp>
+        <p:nvSpPr>
+          <p:cNvPr id="393" name="Shape 393"/>
+          <p:cNvSpPr/>
+          <p:nvPr/>
+        </p:nvSpPr>
+        <p:spPr>
+          <a:xfrm>
+            <a:off x="1066800" y="571500"/>
+            <a:ext cx="7162799" cy="342900"/>
+          </a:xfrm>
+          <a:prstGeom prst="rect">
+            <a:avLst/>
+          </a:prstGeom>
+          <a:solidFill>
+            <a:schemeClr val="accent4"/>
+          </a:solidFill>
+          <a:ln w="25400" cap="flat" cmpd="sng">
+            <a:solidFill>
+              <a:srgbClr val="5D4876"/>
+            </a:solidFill>
+            <a:prstDash val="solid"/>
+            <a:round/>
+            <a:headEnd type="none" w="med" len="med"/>
+            <a:tailEnd type="none" w="med" len="med"/>
+          </a:ln>
+        </p:spPr>
+        <p:txBody>
+          <a:bodyPr lIns="91425" tIns="45700" rIns="91425" bIns="45700" anchor="ctr" anchorCtr="0">
+            <a:noAutofit/>
+          </a:bodyPr>
+          <a:lstStyle/>
+          <a:p>
+            <a:pPr marL="0" marR="0" lvl="0" indent="0" algn="ctr" rtl="0">
+              <a:spcBef>
+                <a:spcPts val="0"/>
+              </a:spcBef>
+              <a:buSzPct val="25000"/>
+              <a:buNone/>
+            </a:pPr>
+            <a:r>
+              <a:rPr lang="en-GB" sz="3200">
+                <a:solidFill>
+                  <a:schemeClr val="lt1"/>
+                </a:solidFill>
+                <a:latin typeface="Calibri"/>
+                <a:ea typeface="Calibri"/>
+                <a:cs typeface="Calibri"/>
+                <a:sym typeface="Calibri"/>
+              </a:rPr>
+              <a:t>CLI</a:t>
+            </a:r>
+          </a:p>
+        </p:txBody>
+      </p:sp>
+      <p:sp>
+        <p:nvSpPr>
+          <p:cNvPr id="394" name="Shape 394"/>
+          <p:cNvSpPr/>
+          <p:nvPr/>
+        </p:nvSpPr>
+        <p:spPr>
+          <a:xfrm>
+            <a:off x="3581400" y="971550"/>
+            <a:ext cx="4648199" cy="3600450"/>
+          </a:xfrm>
+          <a:prstGeom prst="rect">
+            <a:avLst/>
+          </a:prstGeom>
+          <a:solidFill>
+            <a:schemeClr val="accent5"/>
+          </a:solidFill>
+          <a:ln w="25400" cap="flat" cmpd="sng">
+            <a:solidFill>
+              <a:srgbClr val="367D90"/>
+            </a:solidFill>
+            <a:prstDash val="solid"/>
+            <a:round/>
+            <a:headEnd type="none" w="med" len="med"/>
+            <a:tailEnd type="none" w="med" len="med"/>
+          </a:ln>
+        </p:spPr>
+        <p:txBody>
+          <a:bodyPr lIns="91425" tIns="45700" rIns="91425" bIns="45700" anchor="ctr" anchorCtr="0">
+            <a:noAutofit/>
+          </a:bodyPr>
+          <a:lstStyle/>
+          <a:p>
+            <a:pPr marL="0" marR="0" lvl="0" indent="0" algn="ctr" rtl="0">
+              <a:spcBef>
+                <a:spcPts val="0"/>
+              </a:spcBef>
+              <a:buSzPct val="25000"/>
+              <a:buNone/>
+            </a:pPr>
+            <a:r>
+              <a:rPr lang="en-GB" sz="3200">
+                <a:solidFill>
+                  <a:schemeClr val="lt1"/>
+                </a:solidFill>
+                <a:latin typeface="Calibri"/>
+                <a:ea typeface="Calibri"/>
+                <a:cs typeface="Calibri"/>
+                <a:sym typeface="Calibri"/>
+              </a:rPr>
+              <a:t>Display</a:t>
+            </a:r>
+          </a:p>
+        </p:txBody>
+      </p:sp>
+      <p:sp>
+        <p:nvSpPr>
+          <p:cNvPr id="395" name="Shape 395"/>
+          <p:cNvSpPr/>
+          <p:nvPr/>
+        </p:nvSpPr>
+        <p:spPr>
+          <a:xfrm>
+            <a:off x="1066800" y="3429000"/>
+            <a:ext cx="2362200" cy="514349"/>
+          </a:xfrm>
+          <a:prstGeom prst="rect">
+            <a:avLst/>
+          </a:prstGeom>
+          <a:solidFill>
+            <a:schemeClr val="dk2"/>
+          </a:solidFill>
+          <a:ln w="25400" cap="flat" cmpd="sng">
+            <a:solidFill>
+              <a:srgbClr val="718840"/>
+            </a:solidFill>
+            <a:prstDash val="solid"/>
+            <a:round/>
+            <a:headEnd type="none" w="med" len="med"/>
+            <a:tailEnd type="none" w="med" len="med"/>
+          </a:ln>
+        </p:spPr>
+        <p:txBody>
+          <a:bodyPr lIns="91425" tIns="45700" rIns="91425" bIns="45700" anchor="ctr" anchorCtr="0">
+            <a:noAutofit/>
+          </a:bodyPr>
+          <a:lstStyle/>
+          <a:p>
+            <a:pPr marL="0" marR="0" lvl="0" indent="0" algn="ctr" rtl="0">
+              <a:spcBef>
+                <a:spcPts val="0"/>
+              </a:spcBef>
+              <a:buSzPct val="25000"/>
+              <a:buNone/>
+            </a:pPr>
+            <a:r>
+              <a:rPr lang="en-GB" sz="2400">
+                <a:solidFill>
+                  <a:schemeClr val="lt1"/>
+                </a:solidFill>
+                <a:latin typeface="Calibri"/>
+                <a:ea typeface="Calibri"/>
+                <a:cs typeface="Calibri"/>
+                <a:sym typeface="Calibri"/>
+              </a:rPr>
+              <a:t># Task Left</a:t>
+            </a:r>
+          </a:p>
+        </p:txBody>
+      </p:sp>
+    </p:spTree>
+  </p:cSld>
+  <p:clrMapOvr>
+    <a:masterClrMapping/>
+  </p:clrMapOvr>
+</p:sld>
+</file>
+
 <file path=ppt/slides/slide2.xml><?xml version="1.0" encoding="utf-8"?>
 <p:sld xmlns:a="http://schemas.openxmlformats.org/drawingml/2006/main" xmlns:r="http://schemas.openxmlformats.org/officeDocument/2006/relationships" xmlns:p="http://schemas.openxmlformats.org/presentationml/2006/main">
   <p:cSld>
@@ -17063,7 +17686,7 @@
               <a:buNone/>
             </a:pPr>
             <a:r>
-              <a:rPr lang="en-GB" sz="1600">
+              <a:rPr lang="en-GB" sz="1600" dirty="0">
                 <a:solidFill>
                   <a:schemeClr val="lt1"/>
                 </a:solidFill>
@@ -17502,7 +18125,7 @@
               <a:buNone/>
             </a:pPr>
             <a:r>
-              <a:rPr lang="en-GB" sz="1600">
+              <a:rPr lang="en-GB" sz="1600" dirty="0">
                 <a:solidFill>
                   <a:schemeClr val="lt1"/>
                 </a:solidFill>
@@ -18474,6 +19097,4453 @@
   <p:cSld>
     <p:spTree>
       <p:nvGrpSpPr>
+        <p:cNvPr id="1" name="Shape 166"/>
+        <p:cNvGrpSpPr/>
+        <p:nvPr/>
+      </p:nvGrpSpPr>
+      <p:grpSpPr>
+        <a:xfrm>
+          <a:off x="0" y="0"/>
+          <a:ext cx="0" cy="0"/>
+          <a:chOff x="0" y="0"/>
+          <a:chExt cx="0" cy="0"/>
+        </a:xfrm>
+      </p:grpSpPr>
+      <p:sp>
+        <p:nvSpPr>
+          <p:cNvPr id="167" name="Shape 167"/>
+          <p:cNvSpPr/>
+          <p:nvPr/>
+        </p:nvSpPr>
+        <p:spPr>
+          <a:xfrm>
+            <a:off x="1111859" y="455944"/>
+            <a:ext cx="1093634" cy="260070"/>
+          </a:xfrm>
+          <a:prstGeom prst="rect">
+            <a:avLst/>
+          </a:prstGeom>
+          <a:solidFill>
+            <a:srgbClr val="00B050"/>
+          </a:solidFill>
+          <a:ln w="19050" cap="flat" cmpd="sng">
+            <a:solidFill>
+              <a:srgbClr val="00B050"/>
+            </a:solidFill>
+            <a:prstDash val="solid"/>
+            <a:round/>
+            <a:headEnd type="none" w="med" len="med"/>
+            <a:tailEnd type="none" w="med" len="med"/>
+          </a:ln>
+        </p:spPr>
+        <p:txBody>
+          <a:bodyPr lIns="91425" tIns="45700" rIns="91425" bIns="45700" anchor="ctr" anchorCtr="0">
+            <a:noAutofit/>
+          </a:bodyPr>
+          <a:lstStyle/>
+          <a:p>
+            <a:pPr marL="0" marR="0" lvl="0" indent="0" algn="ctr" rtl="0">
+              <a:spcBef>
+                <a:spcPts val="0"/>
+              </a:spcBef>
+              <a:buSzPct val="25000"/>
+              <a:buNone/>
+            </a:pPr>
+            <a:r>
+              <a:rPr lang="en-GB" sz="1600" b="0" i="0" u="none" strike="noStrike" cap="none">
+                <a:solidFill>
+                  <a:schemeClr val="lt1"/>
+                </a:solidFill>
+                <a:latin typeface="Calibri"/>
+                <a:ea typeface="Calibri"/>
+                <a:cs typeface="Calibri"/>
+                <a:sym typeface="Calibri"/>
+              </a:rPr>
+              <a:t>:UI</a:t>
+            </a:r>
+          </a:p>
+        </p:txBody>
+      </p:sp>
+      <p:cxnSp>
+        <p:nvCxnSpPr>
+          <p:cNvPr id="168" name="Shape 168"/>
+          <p:cNvCxnSpPr/>
+          <p:nvPr/>
+        </p:nvCxnSpPr>
+        <p:spPr>
+          <a:xfrm>
+            <a:off x="1658676" y="728697"/>
+            <a:ext cx="0" cy="1292294"/>
+          </a:xfrm>
+          <a:prstGeom prst="straightConnector1">
+            <a:avLst/>
+          </a:prstGeom>
+          <a:gradFill>
+            <a:gsLst>
+              <a:gs pos="0">
+                <a:srgbClr val="9FC3FF"/>
+              </a:gs>
+              <a:gs pos="35000">
+                <a:srgbClr val="BDD5FF"/>
+              </a:gs>
+              <a:gs pos="100000">
+                <a:srgbClr val="E4EEFF"/>
+              </a:gs>
+            </a:gsLst>
+            <a:lin ang="16200000" scaled="0"/>
+          </a:gradFill>
+          <a:ln w="19050" cap="flat" cmpd="sng">
+            <a:solidFill>
+              <a:srgbClr val="00B050"/>
+            </a:solidFill>
+            <a:prstDash val="dash"/>
+            <a:round/>
+            <a:headEnd type="none" w="med" len="med"/>
+            <a:tailEnd type="none" w="med" len="med"/>
+          </a:ln>
+        </p:spPr>
+      </p:cxnSp>
+      <p:sp>
+        <p:nvSpPr>
+          <p:cNvPr id="169" name="Shape 169"/>
+          <p:cNvSpPr/>
+          <p:nvPr/>
+        </p:nvSpPr>
+        <p:spPr>
+          <a:xfrm>
+            <a:off x="1586669" y="991718"/>
+            <a:ext cx="152399" cy="764932"/>
+          </a:xfrm>
+          <a:prstGeom prst="rect">
+            <a:avLst/>
+          </a:prstGeom>
+          <a:solidFill>
+            <a:srgbClr val="00B050"/>
+          </a:solidFill>
+          <a:ln w="9525" cap="flat" cmpd="sng">
+            <a:solidFill>
+              <a:srgbClr val="00B050"/>
+            </a:solidFill>
+            <a:prstDash val="solid"/>
+            <a:round/>
+            <a:headEnd type="none" w="med" len="med"/>
+            <a:tailEnd type="none" w="med" len="med"/>
+          </a:ln>
+        </p:spPr>
+        <p:txBody>
+          <a:bodyPr lIns="91425" tIns="45700" rIns="91425" bIns="45700" anchor="ctr" anchorCtr="0">
+            <a:noAutofit/>
+          </a:bodyPr>
+          <a:lstStyle/>
+          <a:p>
+            <a:pPr marL="0" marR="0" lvl="0" indent="0" algn="ctr" rtl="0">
+              <a:spcBef>
+                <a:spcPts val="0"/>
+              </a:spcBef>
+              <a:buNone/>
+            </a:pPr>
+            <a:endParaRPr sz="1400" b="0" i="0" u="none" strike="noStrike" cap="none">
+              <a:solidFill>
+                <a:schemeClr val="dk1"/>
+              </a:solidFill>
+              <a:latin typeface="Calibri"/>
+              <a:ea typeface="Calibri"/>
+              <a:cs typeface="Calibri"/>
+              <a:sym typeface="Calibri"/>
+            </a:endParaRPr>
+          </a:p>
+        </p:txBody>
+      </p:sp>
+      <p:grpSp>
+        <p:nvGrpSpPr>
+          <p:cNvPr id="170" name="Shape 170"/>
+          <p:cNvGrpSpPr/>
+          <p:nvPr/>
+        </p:nvGrpSpPr>
+        <p:grpSpPr>
+          <a:xfrm>
+            <a:off x="152400" y="400050"/>
+            <a:ext cx="324035" cy="430057"/>
+            <a:chOff x="3239900" y="4149080"/>
+            <a:chExt cx="648071" cy="1146819"/>
+          </a:xfrm>
+        </p:grpSpPr>
+        <p:sp>
+          <p:nvSpPr>
+            <p:cNvPr id="171" name="Shape 171"/>
+            <p:cNvSpPr/>
+            <p:nvPr/>
+          </p:nvSpPr>
+          <p:spPr>
+            <a:xfrm>
+              <a:off x="3419871" y="4149080"/>
+              <a:ext cx="288032" cy="288032"/>
+            </a:xfrm>
+            <a:prstGeom prst="flowChartConnector">
+              <a:avLst/>
+            </a:prstGeom>
+            <a:solidFill>
+              <a:srgbClr val="D8D8D8"/>
+            </a:solidFill>
+            <a:ln w="28575" cap="flat" cmpd="sng">
+              <a:solidFill>
+                <a:schemeClr val="dk1"/>
+              </a:solidFill>
+              <a:prstDash val="solid"/>
+              <a:round/>
+              <a:headEnd type="none" w="med" len="med"/>
+              <a:tailEnd type="none" w="med" len="med"/>
+            </a:ln>
+          </p:spPr>
+          <p:txBody>
+            <a:bodyPr lIns="91425" tIns="45700" rIns="91425" bIns="45700" anchor="ctr" anchorCtr="0">
+              <a:noAutofit/>
+            </a:bodyPr>
+            <a:lstStyle/>
+            <a:p>
+              <a:pPr marL="0" marR="0" lvl="0" indent="0" algn="ctr" rtl="0">
+                <a:spcBef>
+                  <a:spcPts val="0"/>
+                </a:spcBef>
+                <a:buNone/>
+              </a:pPr>
+              <a:endParaRPr sz="1800" b="0" i="0" u="none" strike="noStrike" cap="none">
+                <a:solidFill>
+                  <a:schemeClr val="dk1"/>
+                </a:solidFill>
+                <a:latin typeface="Calibri"/>
+                <a:ea typeface="Calibri"/>
+                <a:cs typeface="Calibri"/>
+                <a:sym typeface="Calibri"/>
+              </a:endParaRPr>
+            </a:p>
+          </p:txBody>
+        </p:sp>
+        <p:cxnSp>
+          <p:nvCxnSpPr>
+            <p:cNvPr id="172" name="Shape 172"/>
+            <p:cNvCxnSpPr>
+              <a:stCxn id="171" idx="4"/>
+            </p:cNvCxnSpPr>
+            <p:nvPr/>
+          </p:nvCxnSpPr>
+          <p:spPr>
+            <a:xfrm>
+              <a:off x="3563887" y="4437112"/>
+              <a:ext cx="0" cy="504000"/>
+            </a:xfrm>
+            <a:prstGeom prst="straightConnector1">
+              <a:avLst/>
+            </a:prstGeom>
+            <a:gradFill>
+              <a:gsLst>
+                <a:gs pos="0">
+                  <a:srgbClr val="C8B2E9"/>
+                </a:gs>
+                <a:gs pos="35000">
+                  <a:srgbClr val="D6CAED"/>
+                </a:gs>
+                <a:gs pos="100000">
+                  <a:srgbClr val="EFE8FA"/>
+                </a:gs>
+              </a:gsLst>
+              <a:lin ang="16200000" scaled="0"/>
+            </a:gradFill>
+            <a:ln w="28575" cap="flat" cmpd="sng">
+              <a:solidFill>
+                <a:schemeClr val="dk1"/>
+              </a:solidFill>
+              <a:prstDash val="solid"/>
+              <a:round/>
+              <a:headEnd type="none" w="med" len="med"/>
+              <a:tailEnd type="none" w="med" len="med"/>
+            </a:ln>
+          </p:spPr>
+        </p:cxnSp>
+        <p:sp>
+          <p:nvSpPr>
+            <p:cNvPr id="173" name="Shape 173"/>
+            <p:cNvSpPr/>
+            <p:nvPr/>
+          </p:nvSpPr>
+          <p:spPr>
+            <a:xfrm>
+              <a:off x="3324225" y="4933950"/>
+              <a:ext cx="479425" cy="361950"/>
+            </a:xfrm>
+            <a:custGeom>
+              <a:avLst/>
+              <a:gdLst/>
+              <a:ahLst/>
+              <a:cxnLst/>
+              <a:rect l="0" t="0" r="0" b="0"/>
+              <a:pathLst>
+                <a:path w="120000" h="120000" extrusionOk="0">
+                  <a:moveTo>
+                    <a:pt x="0" y="117894"/>
+                  </a:moveTo>
+                  <a:lnTo>
+                    <a:pt x="60397" y="0"/>
+                  </a:lnTo>
+                  <a:lnTo>
+                    <a:pt x="120000" y="120000"/>
+                  </a:lnTo>
+                </a:path>
+              </a:pathLst>
+            </a:custGeom>
+            <a:noFill/>
+            <a:ln w="28575" cap="flat" cmpd="sng">
+              <a:solidFill>
+                <a:schemeClr val="dk1"/>
+              </a:solidFill>
+              <a:prstDash val="solid"/>
+              <a:round/>
+              <a:headEnd type="none" w="med" len="med"/>
+              <a:tailEnd type="none" w="med" len="med"/>
+            </a:ln>
+          </p:spPr>
+          <p:txBody>
+            <a:bodyPr lIns="91425" tIns="45700" rIns="91425" bIns="45700" anchor="ctr" anchorCtr="0">
+              <a:noAutofit/>
+            </a:bodyPr>
+            <a:lstStyle/>
+            <a:p>
+              <a:pPr marL="0" marR="0" lvl="0" indent="0" algn="ctr" rtl="0">
+                <a:spcBef>
+                  <a:spcPts val="0"/>
+                </a:spcBef>
+                <a:buNone/>
+              </a:pPr>
+              <a:endParaRPr sz="1800" b="0" i="0" u="none" strike="noStrike" cap="none">
+                <a:solidFill>
+                  <a:schemeClr val="dk1"/>
+                </a:solidFill>
+                <a:latin typeface="Calibri"/>
+                <a:ea typeface="Calibri"/>
+                <a:cs typeface="Calibri"/>
+                <a:sym typeface="Calibri"/>
+              </a:endParaRPr>
+            </a:p>
+          </p:txBody>
+        </p:sp>
+        <p:cxnSp>
+          <p:nvCxnSpPr>
+            <p:cNvPr id="174" name="Shape 174"/>
+            <p:cNvCxnSpPr/>
+            <p:nvPr/>
+          </p:nvCxnSpPr>
+          <p:spPr>
+            <a:xfrm>
+              <a:off x="3239900" y="4509119"/>
+              <a:ext cx="648071" cy="0"/>
+            </a:xfrm>
+            <a:prstGeom prst="straightConnector1">
+              <a:avLst/>
+            </a:prstGeom>
+            <a:gradFill>
+              <a:gsLst>
+                <a:gs pos="0">
+                  <a:srgbClr val="C8B2E9"/>
+                </a:gs>
+                <a:gs pos="35000">
+                  <a:srgbClr val="D6CAED"/>
+                </a:gs>
+                <a:gs pos="100000">
+                  <a:srgbClr val="EFE8FA"/>
+                </a:gs>
+              </a:gsLst>
+              <a:lin ang="16200000" scaled="0"/>
+            </a:gradFill>
+            <a:ln w="28575" cap="flat" cmpd="sng">
+              <a:solidFill>
+                <a:schemeClr val="dk1"/>
+              </a:solidFill>
+              <a:prstDash val="solid"/>
+              <a:round/>
+              <a:headEnd type="none" w="med" len="med"/>
+              <a:tailEnd type="none" w="med" len="med"/>
+            </a:ln>
+          </p:spPr>
+        </p:cxnSp>
+      </p:grpSp>
+      <p:sp>
+        <p:nvSpPr>
+          <p:cNvPr id="175" name="Shape 175"/>
+          <p:cNvSpPr/>
+          <p:nvPr/>
+        </p:nvSpPr>
+        <p:spPr>
+          <a:xfrm>
+            <a:off x="3335582" y="458709"/>
+            <a:ext cx="1093634" cy="260070"/>
+          </a:xfrm>
+          <a:prstGeom prst="rect">
+            <a:avLst/>
+          </a:prstGeom>
+          <a:solidFill>
+            <a:srgbClr val="0070C0"/>
+          </a:solidFill>
+          <a:ln w="19050" cap="flat" cmpd="sng">
+            <a:solidFill>
+              <a:srgbClr val="0070C0"/>
+            </a:solidFill>
+            <a:prstDash val="solid"/>
+            <a:round/>
+            <a:headEnd type="none" w="med" len="med"/>
+            <a:tailEnd type="none" w="med" len="med"/>
+          </a:ln>
+        </p:spPr>
+        <p:txBody>
+          <a:bodyPr lIns="91425" tIns="45700" rIns="91425" bIns="45700" anchor="ctr" anchorCtr="0">
+            <a:noAutofit/>
+          </a:bodyPr>
+          <a:lstStyle/>
+          <a:p>
+            <a:pPr marL="0" marR="0" lvl="0" indent="0" algn="ctr" rtl="0">
+              <a:spcBef>
+                <a:spcPts val="0"/>
+              </a:spcBef>
+              <a:buSzPct val="25000"/>
+              <a:buNone/>
+            </a:pPr>
+            <a:r>
+              <a:rPr lang="en-GB" sz="1600" b="0" i="0" u="none" strike="noStrike" cap="none">
+                <a:solidFill>
+                  <a:schemeClr val="lt1"/>
+                </a:solidFill>
+                <a:latin typeface="Calibri"/>
+                <a:ea typeface="Calibri"/>
+                <a:cs typeface="Calibri"/>
+                <a:sym typeface="Calibri"/>
+              </a:rPr>
+              <a:t>:Logic</a:t>
+            </a:r>
+          </a:p>
+        </p:txBody>
+      </p:sp>
+      <p:cxnSp>
+        <p:nvCxnSpPr>
+          <p:cNvPr id="176" name="Shape 176"/>
+          <p:cNvCxnSpPr/>
+          <p:nvPr/>
+        </p:nvCxnSpPr>
+        <p:spPr>
+          <a:xfrm>
+            <a:off x="3882400" y="731462"/>
+            <a:ext cx="0" cy="1292294"/>
+          </a:xfrm>
+          <a:prstGeom prst="straightConnector1">
+            <a:avLst/>
+          </a:prstGeom>
+          <a:gradFill>
+            <a:gsLst>
+              <a:gs pos="0">
+                <a:srgbClr val="9FC3FF"/>
+              </a:gs>
+              <a:gs pos="35000">
+                <a:srgbClr val="BDD5FF"/>
+              </a:gs>
+              <a:gs pos="100000">
+                <a:srgbClr val="E4EEFF"/>
+              </a:gs>
+            </a:gsLst>
+            <a:lin ang="16200000" scaled="0"/>
+          </a:gradFill>
+          <a:ln w="19050" cap="flat" cmpd="sng">
+            <a:solidFill>
+              <a:srgbClr val="0070C0"/>
+            </a:solidFill>
+            <a:prstDash val="dash"/>
+            <a:round/>
+            <a:headEnd type="none" w="med" len="med"/>
+            <a:tailEnd type="none" w="med" len="med"/>
+          </a:ln>
+        </p:spPr>
+      </p:cxnSp>
+      <p:sp>
+        <p:nvSpPr>
+          <p:cNvPr id="177" name="Shape 177"/>
+          <p:cNvSpPr/>
+          <p:nvPr/>
+        </p:nvSpPr>
+        <p:spPr>
+          <a:xfrm>
+            <a:off x="3810392" y="1075107"/>
+            <a:ext cx="144016" cy="624393"/>
+          </a:xfrm>
+          <a:prstGeom prst="rect">
+            <a:avLst/>
+          </a:prstGeom>
+          <a:solidFill>
+            <a:srgbClr val="0070C0"/>
+          </a:solidFill>
+          <a:ln w="9525" cap="flat" cmpd="sng">
+            <a:solidFill>
+              <a:srgbClr val="0070C0"/>
+            </a:solidFill>
+            <a:prstDash val="solid"/>
+            <a:round/>
+            <a:headEnd type="none" w="med" len="med"/>
+            <a:tailEnd type="none" w="med" len="med"/>
+          </a:ln>
+        </p:spPr>
+        <p:txBody>
+          <a:bodyPr lIns="91425" tIns="45700" rIns="91425" bIns="45700" anchor="ctr" anchorCtr="0">
+            <a:noAutofit/>
+          </a:bodyPr>
+          <a:lstStyle/>
+          <a:p>
+            <a:pPr marL="0" marR="0" lvl="0" indent="0" algn="ctr" rtl="0">
+              <a:spcBef>
+                <a:spcPts val="0"/>
+              </a:spcBef>
+              <a:buNone/>
+            </a:pPr>
+            <a:endParaRPr sz="1400" b="0" i="0" u="none" strike="noStrike" cap="none">
+              <a:solidFill>
+                <a:schemeClr val="dk1"/>
+              </a:solidFill>
+              <a:latin typeface="Calibri"/>
+              <a:ea typeface="Calibri"/>
+              <a:cs typeface="Calibri"/>
+              <a:sym typeface="Calibri"/>
+            </a:endParaRPr>
+          </a:p>
+        </p:txBody>
+      </p:sp>
+      <p:cxnSp>
+        <p:nvCxnSpPr>
+          <p:cNvPr id="181" name="Shape 181"/>
+          <p:cNvCxnSpPr/>
+          <p:nvPr/>
+        </p:nvCxnSpPr>
+        <p:spPr>
+          <a:xfrm>
+            <a:off x="466818" y="994484"/>
+            <a:ext cx="1119850" cy="0"/>
+          </a:xfrm>
+          <a:prstGeom prst="straightConnector1">
+            <a:avLst/>
+          </a:prstGeom>
+          <a:noFill/>
+          <a:ln w="19050" cap="flat" cmpd="sng">
+            <a:solidFill>
+              <a:schemeClr val="dk1"/>
+            </a:solidFill>
+            <a:prstDash val="solid"/>
+            <a:round/>
+            <a:headEnd type="none" w="med" len="med"/>
+            <a:tailEnd type="stealth" w="lg" len="lg"/>
+          </a:ln>
+        </p:spPr>
+      </p:cxnSp>
+      <p:sp>
+        <p:nvSpPr>
+          <p:cNvPr id="182" name="Shape 182"/>
+          <p:cNvSpPr txBox="1"/>
+          <p:nvPr/>
+        </p:nvSpPr>
+        <p:spPr>
+          <a:xfrm>
+            <a:off x="466818" y="1009409"/>
+            <a:ext cx="860170" cy="161582"/>
+          </a:xfrm>
+          <a:prstGeom prst="rect">
+            <a:avLst/>
+          </a:prstGeom>
+          <a:noFill/>
+          <a:ln>
+            <a:noFill/>
+          </a:ln>
+        </p:spPr>
+        <p:txBody>
+          <a:bodyPr lIns="0" tIns="0" rIns="0" bIns="0" anchor="t" anchorCtr="0">
+            <a:noAutofit/>
+          </a:bodyPr>
+          <a:lstStyle/>
+          <a:p>
+            <a:pPr marL="0" marR="0" lvl="0" indent="0" algn="l" rtl="0">
+              <a:spcBef>
+                <a:spcPts val="0"/>
+              </a:spcBef>
+              <a:buSzPct val="25000"/>
+              <a:buNone/>
+            </a:pPr>
+            <a:r>
+              <a:rPr lang="en-GB" sz="1400" b="0" i="0" u="none" strike="noStrike" cap="none" dirty="0" smtClean="0">
+                <a:solidFill>
+                  <a:schemeClr val="dk1"/>
+                </a:solidFill>
+                <a:latin typeface="Calibri"/>
+                <a:ea typeface="Calibri"/>
+                <a:cs typeface="Calibri"/>
+                <a:sym typeface="Calibri"/>
+              </a:rPr>
+              <a:t>exit</a:t>
+            </a:r>
+            <a:endParaRPr lang="en-GB" sz="1400" b="0" i="0" u="none" strike="noStrike" cap="none" dirty="0">
+              <a:solidFill>
+                <a:schemeClr val="dk1"/>
+              </a:solidFill>
+              <a:latin typeface="Calibri"/>
+              <a:ea typeface="Calibri"/>
+              <a:cs typeface="Calibri"/>
+              <a:sym typeface="Calibri"/>
+            </a:endParaRPr>
+          </a:p>
+        </p:txBody>
+      </p:sp>
+      <p:cxnSp>
+        <p:nvCxnSpPr>
+          <p:cNvPr id="183" name="Shape 183"/>
+          <p:cNvCxnSpPr/>
+          <p:nvPr/>
+        </p:nvCxnSpPr>
+        <p:spPr>
+          <a:xfrm>
+            <a:off x="1739068" y="1075108"/>
+            <a:ext cx="2071323" cy="0"/>
+          </a:xfrm>
+          <a:prstGeom prst="straightConnector1">
+            <a:avLst/>
+          </a:prstGeom>
+          <a:noFill/>
+          <a:ln w="19050" cap="flat" cmpd="sng">
+            <a:solidFill>
+              <a:srgbClr val="00B050"/>
+            </a:solidFill>
+            <a:prstDash val="solid"/>
+            <a:round/>
+            <a:headEnd type="none" w="med" len="med"/>
+            <a:tailEnd type="stealth" w="lg" len="lg"/>
+          </a:ln>
+        </p:spPr>
+      </p:cxnSp>
+      <p:sp>
+        <p:nvSpPr>
+          <p:cNvPr id="184" name="Shape 184"/>
+          <p:cNvSpPr txBox="1"/>
+          <p:nvPr/>
+        </p:nvSpPr>
+        <p:spPr>
+          <a:xfrm>
+            <a:off x="2166172" y="1090034"/>
+            <a:ext cx="1424846" cy="161582"/>
+          </a:xfrm>
+          <a:prstGeom prst="rect">
+            <a:avLst/>
+          </a:prstGeom>
+          <a:noFill/>
+          <a:ln>
+            <a:noFill/>
+          </a:ln>
+        </p:spPr>
+        <p:txBody>
+          <a:bodyPr lIns="0" tIns="0" rIns="0" bIns="0" anchor="t" anchorCtr="0">
+            <a:noAutofit/>
+          </a:bodyPr>
+          <a:lstStyle/>
+          <a:p>
+            <a:pPr marL="0" marR="0" lvl="0" indent="0" algn="l" rtl="0">
+              <a:spcBef>
+                <a:spcPts val="0"/>
+              </a:spcBef>
+              <a:buSzPct val="25000"/>
+              <a:buNone/>
+            </a:pPr>
+            <a:r>
+              <a:rPr lang="en-GB" sz="1400" dirty="0">
+                <a:solidFill>
+                  <a:srgbClr val="0070C0"/>
+                </a:solidFill>
+                <a:latin typeface="Calibri"/>
+                <a:ea typeface="Calibri"/>
+                <a:cs typeface="Calibri"/>
+                <a:sym typeface="Calibri"/>
+              </a:rPr>
+              <a:t>execute</a:t>
+            </a:r>
+            <a:r>
+              <a:rPr lang="en-GB" sz="1400" dirty="0" smtClean="0">
+                <a:solidFill>
+                  <a:srgbClr val="0070C0"/>
+                </a:solidFill>
+                <a:latin typeface="Calibri"/>
+                <a:ea typeface="Calibri"/>
+                <a:cs typeface="Calibri"/>
+                <a:sym typeface="Calibri"/>
+              </a:rPr>
+              <a:t>(“exit”)</a:t>
+            </a:r>
+            <a:endParaRPr lang="en-GB" sz="1400" dirty="0">
+              <a:solidFill>
+                <a:srgbClr val="0070C0"/>
+              </a:solidFill>
+              <a:latin typeface="Calibri"/>
+              <a:ea typeface="Calibri"/>
+              <a:cs typeface="Calibri"/>
+              <a:sym typeface="Calibri"/>
+            </a:endParaRPr>
+          </a:p>
+        </p:txBody>
+      </p:sp>
+      <p:cxnSp>
+        <p:nvCxnSpPr>
+          <p:cNvPr id="185" name="Shape 185"/>
+          <p:cNvCxnSpPr/>
+          <p:nvPr/>
+        </p:nvCxnSpPr>
+        <p:spPr>
+          <a:xfrm>
+            <a:off x="3927687" y="1262032"/>
+            <a:ext cx="2617985" cy="17019"/>
+          </a:xfrm>
+          <a:prstGeom prst="straightConnector1">
+            <a:avLst/>
+          </a:prstGeom>
+          <a:noFill/>
+          <a:ln w="19050" cap="flat" cmpd="sng">
+            <a:solidFill>
+              <a:srgbClr val="0070C0"/>
+            </a:solidFill>
+            <a:prstDash val="solid"/>
+            <a:round/>
+            <a:headEnd type="none" w="med" len="med"/>
+            <a:tailEnd type="stealth" w="lg" len="lg"/>
+          </a:ln>
+        </p:spPr>
+      </p:cxnSp>
+      <p:sp>
+        <p:nvSpPr>
+          <p:cNvPr id="187" name="Shape 187"/>
+          <p:cNvSpPr txBox="1"/>
+          <p:nvPr/>
+        </p:nvSpPr>
+        <p:spPr>
+          <a:xfrm>
+            <a:off x="4076144" y="1080208"/>
+            <a:ext cx="2438399" cy="161582"/>
+          </a:xfrm>
+          <a:prstGeom prst="rect">
+            <a:avLst/>
+          </a:prstGeom>
+          <a:noFill/>
+          <a:ln>
+            <a:noFill/>
+          </a:ln>
+        </p:spPr>
+        <p:txBody>
+          <a:bodyPr lIns="0" tIns="0" rIns="0" bIns="0" anchor="t" anchorCtr="0">
+            <a:noAutofit/>
+          </a:bodyPr>
+          <a:lstStyle/>
+          <a:p>
+            <a:pPr marL="0" marR="0" lvl="0" indent="0" algn="l" rtl="0">
+              <a:spcBef>
+                <a:spcPts val="0"/>
+              </a:spcBef>
+              <a:buSzPct val="25000"/>
+              <a:buNone/>
+            </a:pPr>
+            <a:r>
+              <a:rPr lang="en-GB" sz="1400" dirty="0" smtClean="0">
+                <a:solidFill>
+                  <a:srgbClr val="31859B"/>
+                </a:solidFill>
+                <a:latin typeface="Calibri"/>
+                <a:ea typeface="Calibri"/>
+                <a:cs typeface="Calibri"/>
+                <a:sym typeface="Calibri"/>
+              </a:rPr>
+              <a:t>post(</a:t>
+            </a:r>
+            <a:r>
+              <a:rPr lang="en-GB" dirty="0" err="1" smtClean="0">
+                <a:solidFill>
+                  <a:srgbClr val="31859B"/>
+                </a:solidFill>
+                <a:latin typeface="Calibri"/>
+                <a:ea typeface="Calibri"/>
+                <a:cs typeface="Calibri"/>
+                <a:sym typeface="Calibri"/>
+              </a:rPr>
+              <a:t>ExitAppRequestEvent</a:t>
+            </a:r>
+            <a:r>
+              <a:rPr lang="en-GB" sz="1400" dirty="0" smtClean="0">
+                <a:solidFill>
+                  <a:srgbClr val="31859B"/>
+                </a:solidFill>
+                <a:latin typeface="Calibri"/>
+                <a:ea typeface="Calibri"/>
+                <a:cs typeface="Calibri"/>
+                <a:sym typeface="Calibri"/>
+              </a:rPr>
+              <a:t>)</a:t>
+            </a:r>
+            <a:endParaRPr lang="en-GB" sz="1400" dirty="0">
+              <a:solidFill>
+                <a:srgbClr val="31859B"/>
+              </a:solidFill>
+              <a:latin typeface="Calibri"/>
+              <a:ea typeface="Calibri"/>
+              <a:cs typeface="Calibri"/>
+              <a:sym typeface="Calibri"/>
+            </a:endParaRPr>
+          </a:p>
+        </p:txBody>
+      </p:sp>
+      <p:cxnSp>
+        <p:nvCxnSpPr>
+          <p:cNvPr id="189" name="Shape 189"/>
+          <p:cNvCxnSpPr/>
+          <p:nvPr/>
+        </p:nvCxnSpPr>
+        <p:spPr>
+          <a:xfrm>
+            <a:off x="1739068" y="1699501"/>
+            <a:ext cx="2058117" cy="0"/>
+          </a:xfrm>
+          <a:prstGeom prst="straightConnector1">
+            <a:avLst/>
+          </a:prstGeom>
+          <a:noFill/>
+          <a:ln w="19050" cap="flat" cmpd="sng">
+            <a:solidFill>
+              <a:srgbClr val="0070C0"/>
+            </a:solidFill>
+            <a:prstDash val="dash"/>
+            <a:round/>
+            <a:headEnd type="stealth" w="lg" len="lg"/>
+            <a:tailEnd type="none" w="med" len="med"/>
+          </a:ln>
+        </p:spPr>
+      </p:cxnSp>
+      <p:cxnSp>
+        <p:nvCxnSpPr>
+          <p:cNvPr id="190" name="Shape 190"/>
+          <p:cNvCxnSpPr/>
+          <p:nvPr/>
+        </p:nvCxnSpPr>
+        <p:spPr>
+          <a:xfrm>
+            <a:off x="390617" y="1756651"/>
+            <a:ext cx="1196051" cy="0"/>
+          </a:xfrm>
+          <a:prstGeom prst="straightConnector1">
+            <a:avLst/>
+          </a:prstGeom>
+          <a:noFill/>
+          <a:ln w="19050" cap="flat" cmpd="sng">
+            <a:solidFill>
+              <a:srgbClr val="00B050"/>
+            </a:solidFill>
+            <a:prstDash val="dash"/>
+            <a:round/>
+            <a:headEnd type="stealth" w="lg" len="lg"/>
+            <a:tailEnd type="none" w="med" len="med"/>
+          </a:ln>
+        </p:spPr>
+      </p:cxnSp>
+      <p:sp>
+        <p:nvSpPr>
+          <p:cNvPr id="191" name="Shape 191"/>
+          <p:cNvSpPr/>
+          <p:nvPr/>
+        </p:nvSpPr>
+        <p:spPr>
+          <a:xfrm>
+            <a:off x="5635271" y="478078"/>
+            <a:ext cx="1371599" cy="260070"/>
+          </a:xfrm>
+          <a:prstGeom prst="rect">
+            <a:avLst/>
+          </a:prstGeom>
+          <a:solidFill>
+            <a:srgbClr val="31859B"/>
+          </a:solidFill>
+          <a:ln w="19050" cap="flat" cmpd="sng">
+            <a:solidFill>
+              <a:srgbClr val="31859B"/>
+            </a:solidFill>
+            <a:prstDash val="solid"/>
+            <a:round/>
+            <a:headEnd type="none" w="med" len="med"/>
+            <a:tailEnd type="none" w="med" len="med"/>
+          </a:ln>
+        </p:spPr>
+        <p:txBody>
+          <a:bodyPr lIns="91425" tIns="45700" rIns="91425" bIns="45700" anchor="ctr" anchorCtr="0">
+            <a:noAutofit/>
+          </a:bodyPr>
+          <a:lstStyle/>
+          <a:p>
+            <a:pPr marL="0" marR="0" lvl="0" indent="0" algn="ctr" rtl="0">
+              <a:spcBef>
+                <a:spcPts val="0"/>
+              </a:spcBef>
+              <a:buSzPct val="25000"/>
+              <a:buNone/>
+            </a:pPr>
+            <a:r>
+              <a:rPr lang="en-GB" sz="1600" dirty="0">
+                <a:solidFill>
+                  <a:schemeClr val="lt1"/>
+                </a:solidFill>
+                <a:latin typeface="Calibri"/>
+                <a:ea typeface="Calibri"/>
+                <a:cs typeface="Calibri"/>
+                <a:sym typeface="Calibri"/>
+              </a:rPr>
+              <a:t>:EventsCenter</a:t>
+            </a:r>
+          </a:p>
+        </p:txBody>
+      </p:sp>
+      <p:cxnSp>
+        <p:nvCxnSpPr>
+          <p:cNvPr id="192" name="Shape 192"/>
+          <p:cNvCxnSpPr/>
+          <p:nvPr/>
+        </p:nvCxnSpPr>
+        <p:spPr>
+          <a:xfrm>
+            <a:off x="6573398" y="759021"/>
+            <a:ext cx="0" cy="1292294"/>
+          </a:xfrm>
+          <a:prstGeom prst="straightConnector1">
+            <a:avLst/>
+          </a:prstGeom>
+          <a:gradFill>
+            <a:gsLst>
+              <a:gs pos="0">
+                <a:srgbClr val="9FC3FF"/>
+              </a:gs>
+              <a:gs pos="35000">
+                <a:srgbClr val="BDD5FF"/>
+              </a:gs>
+              <a:gs pos="100000">
+                <a:srgbClr val="E4EEFF"/>
+              </a:gs>
+            </a:gsLst>
+            <a:lin ang="16200000" scaled="0"/>
+          </a:gradFill>
+          <a:ln w="19050" cap="flat" cmpd="sng">
+            <a:solidFill>
+              <a:srgbClr val="31859B"/>
+            </a:solidFill>
+            <a:prstDash val="dash"/>
+            <a:round/>
+            <a:headEnd type="none" w="med" len="med"/>
+            <a:tailEnd type="none" w="med" len="med"/>
+          </a:ln>
+        </p:spPr>
+      </p:cxnSp>
+      <p:sp>
+        <p:nvSpPr>
+          <p:cNvPr id="193" name="Shape 193"/>
+          <p:cNvSpPr/>
+          <p:nvPr/>
+        </p:nvSpPr>
+        <p:spPr>
+          <a:xfrm>
+            <a:off x="6518950" y="1235678"/>
+            <a:ext cx="148458" cy="217654"/>
+          </a:xfrm>
+          <a:prstGeom prst="rect">
+            <a:avLst/>
+          </a:prstGeom>
+          <a:solidFill>
+            <a:srgbClr val="31859B"/>
+          </a:solidFill>
+          <a:ln w="9525" cap="flat" cmpd="sng">
+            <a:solidFill>
+              <a:srgbClr val="31859B"/>
+            </a:solidFill>
+            <a:prstDash val="solid"/>
+            <a:round/>
+            <a:headEnd type="none" w="med" len="med"/>
+            <a:tailEnd type="none" w="med" len="med"/>
+          </a:ln>
+        </p:spPr>
+        <p:txBody>
+          <a:bodyPr lIns="91425" tIns="45700" rIns="91425" bIns="45700" anchor="ctr" anchorCtr="0">
+            <a:noAutofit/>
+          </a:bodyPr>
+          <a:lstStyle/>
+          <a:p>
+            <a:pPr marL="0" marR="0" lvl="0" indent="0" algn="ctr" rtl="0">
+              <a:spcBef>
+                <a:spcPts val="0"/>
+              </a:spcBef>
+              <a:buNone/>
+            </a:pPr>
+            <a:endParaRPr sz="1400">
+              <a:solidFill>
+                <a:schemeClr val="dk1"/>
+              </a:solidFill>
+              <a:latin typeface="Calibri"/>
+              <a:ea typeface="Calibri"/>
+              <a:cs typeface="Calibri"/>
+              <a:sym typeface="Calibri"/>
+            </a:endParaRPr>
+          </a:p>
+        </p:txBody>
+      </p:sp>
+      <p:cxnSp>
+        <p:nvCxnSpPr>
+          <p:cNvPr id="195" name="Shape 195"/>
+          <p:cNvCxnSpPr/>
+          <p:nvPr/>
+        </p:nvCxnSpPr>
+        <p:spPr>
+          <a:xfrm>
+            <a:off x="3951442" y="1387303"/>
+            <a:ext cx="2549946" cy="0"/>
+          </a:xfrm>
+          <a:prstGeom prst="straightConnector1">
+            <a:avLst/>
+          </a:prstGeom>
+          <a:noFill/>
+          <a:ln w="19050" cap="flat" cmpd="sng">
+            <a:solidFill>
+              <a:srgbClr val="31859B"/>
+            </a:solidFill>
+            <a:prstDash val="dash"/>
+            <a:round/>
+            <a:headEnd type="stealth" w="lg" len="lg"/>
+            <a:tailEnd type="none" w="med" len="med"/>
+          </a:ln>
+        </p:spPr>
+      </p:cxnSp>
+      <p:sp>
+        <p:nvSpPr>
+          <p:cNvPr id="196" name="Shape 196"/>
+          <p:cNvSpPr/>
+          <p:nvPr/>
+        </p:nvSpPr>
+        <p:spPr>
+          <a:xfrm>
+            <a:off x="5669430" y="3091952"/>
+            <a:ext cx="1093634" cy="260070"/>
+          </a:xfrm>
+          <a:prstGeom prst="rect">
+            <a:avLst/>
+          </a:prstGeom>
+          <a:solidFill>
+            <a:srgbClr val="E36C09"/>
+          </a:solidFill>
+          <a:ln w="19050" cap="flat" cmpd="sng">
+            <a:solidFill>
+              <a:srgbClr val="E36C09"/>
+            </a:solidFill>
+            <a:prstDash val="solid"/>
+            <a:round/>
+            <a:headEnd type="none" w="med" len="med"/>
+            <a:tailEnd type="none" w="med" len="med"/>
+          </a:ln>
+        </p:spPr>
+        <p:txBody>
+          <a:bodyPr lIns="91425" tIns="45700" rIns="91425" bIns="45700" anchor="ctr" anchorCtr="0">
+            <a:noAutofit/>
+          </a:bodyPr>
+          <a:lstStyle/>
+          <a:p>
+            <a:pPr marL="0" marR="0" lvl="0" indent="0" algn="ctr" rtl="0">
+              <a:spcBef>
+                <a:spcPts val="0"/>
+              </a:spcBef>
+              <a:buSzPct val="25000"/>
+              <a:buNone/>
+            </a:pPr>
+            <a:r>
+              <a:rPr lang="en-GB" sz="1600">
+                <a:solidFill>
+                  <a:schemeClr val="lt1"/>
+                </a:solidFill>
+                <a:latin typeface="Calibri"/>
+                <a:ea typeface="Calibri"/>
+                <a:cs typeface="Calibri"/>
+                <a:sym typeface="Calibri"/>
+              </a:rPr>
+              <a:t>:Storage</a:t>
+            </a:r>
+          </a:p>
+        </p:txBody>
+      </p:sp>
+      <p:cxnSp>
+        <p:nvCxnSpPr>
+          <p:cNvPr id="197" name="Shape 197"/>
+          <p:cNvCxnSpPr/>
+          <p:nvPr/>
+        </p:nvCxnSpPr>
+        <p:spPr>
+          <a:xfrm>
+            <a:off x="6216247" y="3364705"/>
+            <a:ext cx="0" cy="1292294"/>
+          </a:xfrm>
+          <a:prstGeom prst="straightConnector1">
+            <a:avLst/>
+          </a:prstGeom>
+          <a:gradFill>
+            <a:gsLst>
+              <a:gs pos="0">
+                <a:srgbClr val="9FC3FF"/>
+              </a:gs>
+              <a:gs pos="35000">
+                <a:srgbClr val="BDD5FF"/>
+              </a:gs>
+              <a:gs pos="100000">
+                <a:srgbClr val="E4EEFF"/>
+              </a:gs>
+            </a:gsLst>
+            <a:lin ang="16200000" scaled="0"/>
+          </a:gradFill>
+          <a:ln w="19050" cap="flat" cmpd="sng">
+            <a:solidFill>
+              <a:srgbClr val="E36C09"/>
+            </a:solidFill>
+            <a:prstDash val="dash"/>
+            <a:round/>
+            <a:headEnd type="none" w="med" len="med"/>
+            <a:tailEnd type="none" w="med" len="med"/>
+          </a:ln>
+        </p:spPr>
+      </p:cxnSp>
+      <p:sp>
+        <p:nvSpPr>
+          <p:cNvPr id="198" name="Shape 198"/>
+          <p:cNvSpPr/>
+          <p:nvPr/>
+        </p:nvSpPr>
+        <p:spPr>
+          <a:xfrm>
+            <a:off x="6144238" y="3884957"/>
+            <a:ext cx="124478" cy="215556"/>
+          </a:xfrm>
+          <a:prstGeom prst="rect">
+            <a:avLst/>
+          </a:prstGeom>
+          <a:solidFill>
+            <a:srgbClr val="E36C09"/>
+          </a:solidFill>
+          <a:ln w="9525" cap="flat" cmpd="sng">
+            <a:solidFill>
+              <a:srgbClr val="E36C09"/>
+            </a:solidFill>
+            <a:prstDash val="solid"/>
+            <a:round/>
+            <a:headEnd type="none" w="med" len="med"/>
+            <a:tailEnd type="none" w="med" len="med"/>
+          </a:ln>
+        </p:spPr>
+        <p:txBody>
+          <a:bodyPr lIns="91425" tIns="45700" rIns="91425" bIns="45700" anchor="ctr" anchorCtr="0">
+            <a:noAutofit/>
+          </a:bodyPr>
+          <a:lstStyle/>
+          <a:p>
+            <a:pPr marL="0" marR="0" lvl="0" indent="0" algn="ctr" rtl="0">
+              <a:spcBef>
+                <a:spcPts val="0"/>
+              </a:spcBef>
+              <a:buNone/>
+            </a:pPr>
+            <a:endParaRPr sz="1400">
+              <a:solidFill>
+                <a:schemeClr val="dk1"/>
+              </a:solidFill>
+              <a:latin typeface="Calibri"/>
+              <a:ea typeface="Calibri"/>
+              <a:cs typeface="Calibri"/>
+              <a:sym typeface="Calibri"/>
+            </a:endParaRPr>
+          </a:p>
+        </p:txBody>
+      </p:sp>
+      <p:sp>
+        <p:nvSpPr>
+          <p:cNvPr id="199" name="Shape 199"/>
+          <p:cNvSpPr txBox="1"/>
+          <p:nvPr/>
+        </p:nvSpPr>
+        <p:spPr>
+          <a:xfrm>
+            <a:off x="269000" y="3640553"/>
+            <a:ext cx="2716634" cy="161582"/>
+          </a:xfrm>
+          <a:prstGeom prst="rect">
+            <a:avLst/>
+          </a:prstGeom>
+          <a:noFill/>
+          <a:ln>
+            <a:noFill/>
+          </a:ln>
+        </p:spPr>
+        <p:txBody>
+          <a:bodyPr lIns="0" tIns="0" rIns="0" bIns="0" anchor="t" anchorCtr="0">
+            <a:noAutofit/>
+          </a:bodyPr>
+          <a:lstStyle/>
+          <a:p>
+            <a:pPr lvl="0">
+              <a:buSzPct val="25000"/>
+            </a:pPr>
+            <a:r>
+              <a:rPr lang="en-GB" dirty="0">
+                <a:solidFill>
+                  <a:srgbClr val="31859B"/>
+                </a:solidFill>
+                <a:latin typeface="Calibri"/>
+                <a:ea typeface="Calibri"/>
+                <a:cs typeface="Calibri"/>
+                <a:sym typeface="Calibri"/>
+              </a:rPr>
+              <a:t>post(</a:t>
+            </a:r>
+            <a:r>
+              <a:rPr lang="en-GB" dirty="0" err="1">
+                <a:solidFill>
+                  <a:srgbClr val="31859B"/>
+                </a:solidFill>
+                <a:latin typeface="Calibri"/>
+                <a:ea typeface="Calibri"/>
+                <a:cs typeface="Calibri"/>
+                <a:sym typeface="Calibri"/>
+              </a:rPr>
+              <a:t>ExitAppRequestEvent</a:t>
+            </a:r>
+            <a:r>
+              <a:rPr lang="en-GB" sz="1400" dirty="0" smtClean="0">
+                <a:solidFill>
+                  <a:srgbClr val="31859B"/>
+                </a:solidFill>
+                <a:latin typeface="Calibri"/>
+                <a:ea typeface="Calibri"/>
+                <a:cs typeface="Calibri"/>
+                <a:sym typeface="Calibri"/>
+              </a:rPr>
+              <a:t>)</a:t>
+            </a:r>
+            <a:endParaRPr lang="en-GB" sz="1400" dirty="0">
+              <a:solidFill>
+                <a:srgbClr val="31859B"/>
+              </a:solidFill>
+              <a:latin typeface="Calibri"/>
+              <a:ea typeface="Calibri"/>
+              <a:cs typeface="Calibri"/>
+              <a:sym typeface="Calibri"/>
+            </a:endParaRPr>
+          </a:p>
+        </p:txBody>
+      </p:sp>
+      <p:sp>
+        <p:nvSpPr>
+          <p:cNvPr id="201" name="Shape 201"/>
+          <p:cNvSpPr/>
+          <p:nvPr/>
+        </p:nvSpPr>
+        <p:spPr>
+          <a:xfrm>
+            <a:off x="2090398" y="3104635"/>
+            <a:ext cx="1371599" cy="260070"/>
+          </a:xfrm>
+          <a:prstGeom prst="rect">
+            <a:avLst/>
+          </a:prstGeom>
+          <a:solidFill>
+            <a:srgbClr val="31859B"/>
+          </a:solidFill>
+          <a:ln w="19050" cap="flat" cmpd="sng">
+            <a:solidFill>
+              <a:srgbClr val="31859B"/>
+            </a:solidFill>
+            <a:prstDash val="solid"/>
+            <a:round/>
+            <a:headEnd type="none" w="med" len="med"/>
+            <a:tailEnd type="none" w="med" len="med"/>
+          </a:ln>
+        </p:spPr>
+        <p:txBody>
+          <a:bodyPr lIns="91425" tIns="45700" rIns="91425" bIns="45700" anchor="ctr" anchorCtr="0">
+            <a:noAutofit/>
+          </a:bodyPr>
+          <a:lstStyle/>
+          <a:p>
+            <a:pPr marL="0" marR="0" lvl="0" indent="0" algn="ctr" rtl="0">
+              <a:spcBef>
+                <a:spcPts val="0"/>
+              </a:spcBef>
+              <a:buSzPct val="25000"/>
+              <a:buNone/>
+            </a:pPr>
+            <a:r>
+              <a:rPr lang="en-GB" sz="1600" dirty="0">
+                <a:solidFill>
+                  <a:schemeClr val="lt1"/>
+                </a:solidFill>
+                <a:latin typeface="Calibri"/>
+                <a:ea typeface="Calibri"/>
+                <a:cs typeface="Calibri"/>
+                <a:sym typeface="Calibri"/>
+              </a:rPr>
+              <a:t>:EventsCenter</a:t>
+            </a:r>
+          </a:p>
+        </p:txBody>
+      </p:sp>
+      <p:cxnSp>
+        <p:nvCxnSpPr>
+          <p:cNvPr id="202" name="Shape 202"/>
+          <p:cNvCxnSpPr/>
+          <p:nvPr/>
+        </p:nvCxnSpPr>
+        <p:spPr>
+          <a:xfrm>
+            <a:off x="2755982" y="3369426"/>
+            <a:ext cx="0" cy="1292294"/>
+          </a:xfrm>
+          <a:prstGeom prst="straightConnector1">
+            <a:avLst/>
+          </a:prstGeom>
+          <a:gradFill>
+            <a:gsLst>
+              <a:gs pos="0">
+                <a:srgbClr val="9FC3FF"/>
+              </a:gs>
+              <a:gs pos="35000">
+                <a:srgbClr val="BDD5FF"/>
+              </a:gs>
+              <a:gs pos="100000">
+                <a:srgbClr val="E4EEFF"/>
+              </a:gs>
+            </a:gsLst>
+            <a:lin ang="16200000" scaled="0"/>
+          </a:gradFill>
+          <a:ln w="19050" cap="flat" cmpd="sng">
+            <a:solidFill>
+              <a:srgbClr val="31859B"/>
+            </a:solidFill>
+            <a:prstDash val="dash"/>
+            <a:round/>
+            <a:headEnd type="none" w="med" len="med"/>
+            <a:tailEnd type="none" w="med" len="med"/>
+          </a:ln>
+        </p:spPr>
+      </p:cxnSp>
+      <p:sp>
+        <p:nvSpPr>
+          <p:cNvPr id="203" name="Shape 203"/>
+          <p:cNvSpPr/>
+          <p:nvPr/>
+        </p:nvSpPr>
+        <p:spPr>
+          <a:xfrm>
+            <a:off x="2683975" y="3686625"/>
+            <a:ext cx="142006" cy="777567"/>
+          </a:xfrm>
+          <a:prstGeom prst="rect">
+            <a:avLst/>
+          </a:prstGeom>
+          <a:solidFill>
+            <a:srgbClr val="31859B"/>
+          </a:solidFill>
+          <a:ln w="9525" cap="flat" cmpd="sng">
+            <a:solidFill>
+              <a:srgbClr val="31859B"/>
+            </a:solidFill>
+            <a:prstDash val="solid"/>
+            <a:round/>
+            <a:headEnd type="none" w="med" len="med"/>
+            <a:tailEnd type="none" w="med" len="med"/>
+          </a:ln>
+        </p:spPr>
+        <p:txBody>
+          <a:bodyPr lIns="91425" tIns="45700" rIns="91425" bIns="45700" anchor="ctr" anchorCtr="0">
+            <a:noAutofit/>
+          </a:bodyPr>
+          <a:lstStyle/>
+          <a:p>
+            <a:pPr marL="0" marR="0" lvl="0" indent="0" algn="ctr" rtl="0">
+              <a:spcBef>
+                <a:spcPts val="0"/>
+              </a:spcBef>
+              <a:buNone/>
+            </a:pPr>
+            <a:endParaRPr sz="1400">
+              <a:solidFill>
+                <a:schemeClr val="dk1"/>
+              </a:solidFill>
+              <a:latin typeface="Calibri"/>
+              <a:ea typeface="Calibri"/>
+              <a:cs typeface="Calibri"/>
+              <a:sym typeface="Calibri"/>
+            </a:endParaRPr>
+          </a:p>
+        </p:txBody>
+      </p:sp>
+      <p:cxnSp>
+        <p:nvCxnSpPr>
+          <p:cNvPr id="206" name="Shape 206"/>
+          <p:cNvCxnSpPr/>
+          <p:nvPr/>
+        </p:nvCxnSpPr>
+        <p:spPr>
+          <a:xfrm>
+            <a:off x="2825980" y="3888971"/>
+            <a:ext cx="3318258" cy="0"/>
+          </a:xfrm>
+          <a:prstGeom prst="straightConnector1">
+            <a:avLst/>
+          </a:prstGeom>
+          <a:noFill/>
+          <a:ln w="19050" cap="flat" cmpd="sng">
+            <a:solidFill>
+              <a:srgbClr val="31859B"/>
+            </a:solidFill>
+            <a:prstDash val="solid"/>
+            <a:round/>
+            <a:headEnd type="none" w="med" len="med"/>
+            <a:tailEnd type="stealth" w="lg" len="lg"/>
+          </a:ln>
+        </p:spPr>
+      </p:cxnSp>
+      <p:sp>
+        <p:nvSpPr>
+          <p:cNvPr id="207" name="Shape 207"/>
+          <p:cNvSpPr txBox="1"/>
+          <p:nvPr/>
+        </p:nvSpPr>
+        <p:spPr>
+          <a:xfrm>
+            <a:off x="3335582" y="3682644"/>
+            <a:ext cx="2659869" cy="161582"/>
+          </a:xfrm>
+          <a:prstGeom prst="rect">
+            <a:avLst/>
+          </a:prstGeom>
+          <a:noFill/>
+          <a:ln>
+            <a:noFill/>
+          </a:ln>
+        </p:spPr>
+        <p:txBody>
+          <a:bodyPr lIns="0" tIns="0" rIns="0" bIns="0" anchor="t" anchorCtr="0">
+            <a:noAutofit/>
+          </a:bodyPr>
+          <a:lstStyle/>
+          <a:p>
+            <a:pPr marL="0" marR="0" lvl="0" indent="0" algn="l" rtl="0">
+              <a:spcBef>
+                <a:spcPts val="0"/>
+              </a:spcBef>
+              <a:buSzPct val="25000"/>
+              <a:buNone/>
+            </a:pPr>
+            <a:r>
+              <a:rPr lang="en-GB" sz="1400">
+                <a:solidFill>
+                  <a:srgbClr val="E36C09"/>
+                </a:solidFill>
+                <a:latin typeface="Calibri"/>
+                <a:ea typeface="Calibri"/>
+                <a:cs typeface="Calibri"/>
+                <a:sym typeface="Calibri"/>
+              </a:rPr>
+              <a:t>handle</a:t>
+            </a:r>
+            <a:r>
+              <a:rPr lang="en-GB">
+                <a:solidFill>
+                  <a:srgbClr val="E36C09"/>
+                </a:solidFill>
+                <a:latin typeface="Calibri"/>
+                <a:ea typeface="Calibri"/>
+                <a:cs typeface="Calibri"/>
+                <a:sym typeface="Calibri"/>
+              </a:rPr>
+              <a:t>TaskList</a:t>
+            </a:r>
+            <a:r>
+              <a:rPr lang="en-GB" sz="1400">
+                <a:solidFill>
+                  <a:srgbClr val="E36C09"/>
+                </a:solidFill>
+                <a:latin typeface="Calibri"/>
+                <a:ea typeface="Calibri"/>
+                <a:cs typeface="Calibri"/>
+                <a:sym typeface="Calibri"/>
+              </a:rPr>
+              <a:t>ChangedEvent()</a:t>
+            </a:r>
+          </a:p>
+        </p:txBody>
+      </p:sp>
+      <p:cxnSp>
+        <p:nvCxnSpPr>
+          <p:cNvPr id="208" name="Shape 208"/>
+          <p:cNvCxnSpPr/>
+          <p:nvPr/>
+        </p:nvCxnSpPr>
+        <p:spPr>
+          <a:xfrm flipH="1">
+            <a:off x="314393" y="824753"/>
+            <a:ext cx="23" cy="1199003"/>
+          </a:xfrm>
+          <a:prstGeom prst="straightConnector1">
+            <a:avLst/>
+          </a:prstGeom>
+          <a:gradFill>
+            <a:gsLst>
+              <a:gs pos="0">
+                <a:srgbClr val="9FC3FF"/>
+              </a:gs>
+              <a:gs pos="35000">
+                <a:srgbClr val="BDD5FF"/>
+              </a:gs>
+              <a:gs pos="100000">
+                <a:srgbClr val="E4EEFF"/>
+              </a:gs>
+            </a:gsLst>
+            <a:lin ang="16200000" scaled="0"/>
+          </a:gradFill>
+          <a:ln w="19050" cap="flat" cmpd="sng">
+            <a:solidFill>
+              <a:schemeClr val="dk1"/>
+            </a:solidFill>
+            <a:prstDash val="dash"/>
+            <a:round/>
+            <a:headEnd type="none" w="med" len="med"/>
+            <a:tailEnd type="none" w="med" len="med"/>
+          </a:ln>
+        </p:spPr>
+      </p:cxnSp>
+      <p:grpSp>
+        <p:nvGrpSpPr>
+          <p:cNvPr id="219" name="Shape 219"/>
+          <p:cNvGrpSpPr/>
+          <p:nvPr/>
+        </p:nvGrpSpPr>
+        <p:grpSpPr>
+          <a:xfrm flipH="1">
+            <a:off x="6236093" y="3853810"/>
+            <a:ext cx="234622" cy="233701"/>
+            <a:chOff x="1010860" y="5570502"/>
+            <a:chExt cx="234622" cy="311601"/>
+          </a:xfrm>
+        </p:grpSpPr>
+        <p:sp>
+          <p:nvSpPr>
+            <p:cNvPr id="220" name="Shape 220"/>
+            <p:cNvSpPr/>
+            <p:nvPr/>
+          </p:nvSpPr>
+          <p:spPr>
+            <a:xfrm rot="-8199002">
+              <a:off x="1028134" y="5612032"/>
+              <a:ext cx="167451" cy="116879"/>
+            </a:xfrm>
+            <a:custGeom>
+              <a:avLst/>
+              <a:gdLst/>
+              <a:ahLst/>
+              <a:cxnLst/>
+              <a:rect l="0" t="0" r="0" b="0"/>
+              <a:pathLst>
+                <a:path w="120000" h="120000" extrusionOk="0">
+                  <a:moveTo>
+                    <a:pt x="0" y="23038"/>
+                  </a:moveTo>
+                  <a:cubicBezTo>
+                    <a:pt x="31821" y="7955"/>
+                    <a:pt x="63642" y="-7126"/>
+                    <a:pt x="83225" y="3646"/>
+                  </a:cubicBezTo>
+                  <a:cubicBezTo>
+                    <a:pt x="102807" y="14420"/>
+                    <a:pt x="128101" y="68287"/>
+                    <a:pt x="117494" y="87679"/>
+                  </a:cubicBezTo>
+                  <a:cubicBezTo>
+                    <a:pt x="106887" y="107071"/>
+                    <a:pt x="63234" y="113535"/>
+                    <a:pt x="19582" y="120000"/>
+                  </a:cubicBezTo>
+                </a:path>
+              </a:pathLst>
+            </a:custGeom>
+            <a:noFill/>
+            <a:ln w="19050" cap="flat" cmpd="sng">
+              <a:solidFill>
+                <a:srgbClr val="E36C09"/>
+              </a:solidFill>
+              <a:prstDash val="solid"/>
+              <a:round/>
+              <a:headEnd type="none" w="med" len="med"/>
+              <a:tailEnd type="none" w="med" len="med"/>
+            </a:ln>
+          </p:spPr>
+          <p:txBody>
+            <a:bodyPr lIns="91425" tIns="45700" rIns="91425" bIns="45700" anchor="ctr" anchorCtr="0">
+              <a:noAutofit/>
+            </a:bodyPr>
+            <a:lstStyle/>
+            <a:p>
+              <a:pPr marL="0" marR="0" lvl="0" indent="0" algn="ctr" rtl="0">
+                <a:spcBef>
+                  <a:spcPts val="0"/>
+                </a:spcBef>
+                <a:buNone/>
+              </a:pPr>
+              <a:endParaRPr sz="1800">
+                <a:solidFill>
+                  <a:schemeClr val="dk1"/>
+                </a:solidFill>
+                <a:latin typeface="Calibri"/>
+                <a:ea typeface="Calibri"/>
+                <a:cs typeface="Calibri"/>
+                <a:sym typeface="Calibri"/>
+              </a:endParaRPr>
+            </a:p>
+          </p:txBody>
+        </p:sp>
+        <p:sp>
+          <p:nvSpPr>
+            <p:cNvPr id="221" name="Shape 221"/>
+            <p:cNvSpPr/>
+            <p:nvPr/>
+          </p:nvSpPr>
+          <p:spPr>
+            <a:xfrm>
+              <a:off x="1147403" y="5712512"/>
+              <a:ext cx="98080" cy="169591"/>
+            </a:xfrm>
+            <a:prstGeom prst="rect">
+              <a:avLst/>
+            </a:prstGeom>
+            <a:solidFill>
+              <a:srgbClr val="E36C09"/>
+            </a:solidFill>
+            <a:ln w="9525" cap="flat" cmpd="sng">
+              <a:solidFill>
+                <a:schemeClr val="lt1"/>
+              </a:solidFill>
+              <a:prstDash val="solid"/>
+              <a:round/>
+              <a:headEnd type="none" w="med" len="med"/>
+              <a:tailEnd type="none" w="med" len="med"/>
+            </a:ln>
+          </p:spPr>
+          <p:txBody>
+            <a:bodyPr lIns="91425" tIns="45700" rIns="91425" bIns="45700" anchor="ctr" anchorCtr="0">
+              <a:noAutofit/>
+            </a:bodyPr>
+            <a:lstStyle/>
+            <a:p>
+              <a:pPr marL="0" marR="0" lvl="0" indent="0" algn="ctr" rtl="0">
+                <a:spcBef>
+                  <a:spcPts val="0"/>
+                </a:spcBef>
+                <a:buNone/>
+              </a:pPr>
+              <a:endParaRPr sz="1400">
+                <a:solidFill>
+                  <a:schemeClr val="dk1"/>
+                </a:solidFill>
+                <a:latin typeface="Calibri"/>
+                <a:ea typeface="Calibri"/>
+                <a:cs typeface="Calibri"/>
+                <a:sym typeface="Calibri"/>
+              </a:endParaRPr>
+            </a:p>
+          </p:txBody>
+        </p:sp>
+      </p:grpSp>
+      <p:sp>
+        <p:nvSpPr>
+          <p:cNvPr id="222" name="Shape 222"/>
+          <p:cNvSpPr txBox="1"/>
+          <p:nvPr/>
+        </p:nvSpPr>
+        <p:spPr>
+          <a:xfrm>
+            <a:off x="6523205" y="3768955"/>
+            <a:ext cx="539046" cy="323165"/>
+          </a:xfrm>
+          <a:prstGeom prst="rect">
+            <a:avLst/>
+          </a:prstGeom>
+          <a:noFill/>
+          <a:ln>
+            <a:noFill/>
+          </a:ln>
+        </p:spPr>
+        <p:txBody>
+          <a:bodyPr lIns="0" tIns="0" rIns="0" bIns="0" anchor="t" anchorCtr="0">
+            <a:noAutofit/>
+          </a:bodyPr>
+          <a:lstStyle/>
+          <a:p>
+            <a:pPr marL="0" marR="0" lvl="0" indent="0" algn="l" rtl="0">
+              <a:spcBef>
+                <a:spcPts val="0"/>
+              </a:spcBef>
+              <a:buSzPct val="25000"/>
+              <a:buNone/>
+            </a:pPr>
+            <a:r>
+              <a:rPr lang="en-GB" sz="1400">
+                <a:solidFill>
+                  <a:srgbClr val="E36C09"/>
+                </a:solidFill>
+                <a:latin typeface="Calibri"/>
+                <a:ea typeface="Calibri"/>
+                <a:cs typeface="Calibri"/>
+                <a:sym typeface="Calibri"/>
+              </a:rPr>
+              <a:t>Save </a:t>
+            </a:r>
+            <a:br>
+              <a:rPr lang="en-GB" sz="1400">
+                <a:solidFill>
+                  <a:srgbClr val="E36C09"/>
+                </a:solidFill>
+                <a:latin typeface="Calibri"/>
+                <a:ea typeface="Calibri"/>
+                <a:cs typeface="Calibri"/>
+                <a:sym typeface="Calibri"/>
+              </a:rPr>
+            </a:br>
+            <a:r>
+              <a:rPr lang="en-GB" sz="1400">
+                <a:solidFill>
+                  <a:srgbClr val="E36C09"/>
+                </a:solidFill>
+                <a:latin typeface="Calibri"/>
+                <a:ea typeface="Calibri"/>
+                <a:cs typeface="Calibri"/>
+                <a:sym typeface="Calibri"/>
+              </a:rPr>
+              <a:t>to file</a:t>
+            </a:r>
+          </a:p>
+        </p:txBody>
+      </p:sp>
+      <p:cxnSp>
+        <p:nvCxnSpPr>
+          <p:cNvPr id="60" name="Shape 185"/>
+          <p:cNvCxnSpPr/>
+          <p:nvPr/>
+        </p:nvCxnSpPr>
+        <p:spPr>
+          <a:xfrm>
+            <a:off x="1304157" y="3881511"/>
+            <a:ext cx="1374803" cy="6892"/>
+          </a:xfrm>
+          <a:prstGeom prst="straightConnector1">
+            <a:avLst/>
+          </a:prstGeom>
+          <a:noFill/>
+          <a:ln w="19050" cap="flat" cmpd="sng">
+            <a:solidFill>
+              <a:srgbClr val="0070C0"/>
+            </a:solidFill>
+            <a:prstDash val="solid"/>
+            <a:round/>
+            <a:headEnd type="none" w="med" len="med"/>
+            <a:tailEnd type="stealth" w="lg" len="lg"/>
+          </a:ln>
+        </p:spPr>
+      </p:cxnSp>
+      <p:cxnSp>
+        <p:nvCxnSpPr>
+          <p:cNvPr id="62" name="Shape 206"/>
+          <p:cNvCxnSpPr/>
+          <p:nvPr/>
+        </p:nvCxnSpPr>
+        <p:spPr>
+          <a:xfrm>
+            <a:off x="6396669" y="3999233"/>
+            <a:ext cx="1449385" cy="23238"/>
+          </a:xfrm>
+          <a:prstGeom prst="straightConnector1">
+            <a:avLst/>
+          </a:prstGeom>
+          <a:noFill/>
+          <a:ln w="19050" cap="flat" cmpd="sng">
+            <a:solidFill>
+              <a:srgbClr val="31859B"/>
+            </a:solidFill>
+            <a:prstDash val="solid"/>
+            <a:round/>
+            <a:headEnd type="none" w="med" len="med"/>
+            <a:tailEnd type="stealth" w="lg" len="lg"/>
+          </a:ln>
+        </p:spPr>
+      </p:cxnSp>
+      <p:sp>
+        <p:nvSpPr>
+          <p:cNvPr id="64" name="Shape 184"/>
+          <p:cNvSpPr txBox="1"/>
+          <p:nvPr/>
+        </p:nvSpPr>
+        <p:spPr>
+          <a:xfrm>
+            <a:off x="7846054" y="3893045"/>
+            <a:ext cx="1424846" cy="161582"/>
+          </a:xfrm>
+          <a:prstGeom prst="rect">
+            <a:avLst/>
+          </a:prstGeom>
+          <a:noFill/>
+          <a:ln>
+            <a:noFill/>
+          </a:ln>
+        </p:spPr>
+        <p:txBody>
+          <a:bodyPr lIns="0" tIns="0" rIns="0" bIns="0" anchor="t" anchorCtr="0">
+            <a:noAutofit/>
+          </a:bodyPr>
+          <a:lstStyle/>
+          <a:p>
+            <a:pPr marL="0" marR="0" lvl="0" indent="0" algn="l" rtl="0">
+              <a:spcBef>
+                <a:spcPts val="0"/>
+              </a:spcBef>
+              <a:buSzPct val="25000"/>
+              <a:buNone/>
+            </a:pPr>
+            <a:r>
+              <a:rPr lang="en-GB" sz="1400" dirty="0" smtClean="0">
+                <a:solidFill>
+                  <a:srgbClr val="0070C0"/>
+                </a:solidFill>
+                <a:latin typeface="Calibri"/>
+                <a:ea typeface="Calibri"/>
+                <a:cs typeface="Calibri"/>
+                <a:sym typeface="Calibri"/>
+              </a:rPr>
+              <a:t>Application close</a:t>
+            </a:r>
+            <a:endParaRPr lang="en-GB" sz="1400" dirty="0">
+              <a:solidFill>
+                <a:srgbClr val="0070C0"/>
+              </a:solidFill>
+              <a:latin typeface="Calibri"/>
+              <a:ea typeface="Calibri"/>
+              <a:cs typeface="Calibri"/>
+              <a:sym typeface="Calibri"/>
+            </a:endParaRPr>
+          </a:p>
+        </p:txBody>
+      </p:sp>
+    </p:spTree>
+    <p:extLst>
+      <p:ext uri="{BB962C8B-B14F-4D97-AF65-F5344CB8AC3E}">
+        <p14:creationId xmlns:p14="http://schemas.microsoft.com/office/powerpoint/2010/main" val="3976100700"/>
+      </p:ext>
+    </p:extLst>
+  </p:cSld>
+  <p:clrMapOvr>
+    <a:masterClrMapping/>
+  </p:clrMapOvr>
+</p:sld>
+</file>
+
+<file path=ppt/slides/slide5.xml><?xml version="1.0" encoding="utf-8"?>
+<p:sld xmlns:a="http://schemas.openxmlformats.org/drawingml/2006/main" xmlns:r="http://schemas.openxmlformats.org/officeDocument/2006/relationships" xmlns:p="http://schemas.openxmlformats.org/presentationml/2006/main">
+  <p:cSld>
+    <p:spTree>
+      <p:nvGrpSpPr>
+        <p:cNvPr id="1" name="Shape 166"/>
+        <p:cNvGrpSpPr/>
+        <p:nvPr/>
+      </p:nvGrpSpPr>
+      <p:grpSpPr>
+        <a:xfrm>
+          <a:off x="0" y="0"/>
+          <a:ext cx="0" cy="0"/>
+          <a:chOff x="0" y="0"/>
+          <a:chExt cx="0" cy="0"/>
+        </a:xfrm>
+      </p:grpSpPr>
+      <p:sp>
+        <p:nvSpPr>
+          <p:cNvPr id="167" name="Shape 167"/>
+          <p:cNvSpPr/>
+          <p:nvPr/>
+        </p:nvSpPr>
+        <p:spPr>
+          <a:xfrm>
+            <a:off x="1111859" y="455944"/>
+            <a:ext cx="1093634" cy="260070"/>
+          </a:xfrm>
+          <a:prstGeom prst="rect">
+            <a:avLst/>
+          </a:prstGeom>
+          <a:solidFill>
+            <a:srgbClr val="00B050"/>
+          </a:solidFill>
+          <a:ln w="19050" cap="flat" cmpd="sng">
+            <a:solidFill>
+              <a:srgbClr val="00B050"/>
+            </a:solidFill>
+            <a:prstDash val="solid"/>
+            <a:round/>
+            <a:headEnd type="none" w="med" len="med"/>
+            <a:tailEnd type="none" w="med" len="med"/>
+          </a:ln>
+        </p:spPr>
+        <p:txBody>
+          <a:bodyPr lIns="91425" tIns="45700" rIns="91425" bIns="45700" anchor="ctr" anchorCtr="0">
+            <a:noAutofit/>
+          </a:bodyPr>
+          <a:lstStyle/>
+          <a:p>
+            <a:pPr marL="0" marR="0" lvl="0" indent="0" algn="ctr" rtl="0">
+              <a:spcBef>
+                <a:spcPts val="0"/>
+              </a:spcBef>
+              <a:buSzPct val="25000"/>
+              <a:buNone/>
+            </a:pPr>
+            <a:r>
+              <a:rPr lang="en-GB" sz="1600" b="0" i="0" u="none" strike="noStrike" cap="none">
+                <a:solidFill>
+                  <a:schemeClr val="lt1"/>
+                </a:solidFill>
+                <a:latin typeface="Calibri"/>
+                <a:ea typeface="Calibri"/>
+                <a:cs typeface="Calibri"/>
+                <a:sym typeface="Calibri"/>
+              </a:rPr>
+              <a:t>:UI</a:t>
+            </a:r>
+          </a:p>
+        </p:txBody>
+      </p:sp>
+      <p:cxnSp>
+        <p:nvCxnSpPr>
+          <p:cNvPr id="168" name="Shape 168"/>
+          <p:cNvCxnSpPr/>
+          <p:nvPr/>
+        </p:nvCxnSpPr>
+        <p:spPr>
+          <a:xfrm>
+            <a:off x="1658676" y="728697"/>
+            <a:ext cx="0" cy="1292294"/>
+          </a:xfrm>
+          <a:prstGeom prst="straightConnector1">
+            <a:avLst/>
+          </a:prstGeom>
+          <a:gradFill>
+            <a:gsLst>
+              <a:gs pos="0">
+                <a:srgbClr val="9FC3FF"/>
+              </a:gs>
+              <a:gs pos="35000">
+                <a:srgbClr val="BDD5FF"/>
+              </a:gs>
+              <a:gs pos="100000">
+                <a:srgbClr val="E4EEFF"/>
+              </a:gs>
+            </a:gsLst>
+            <a:lin ang="16200000" scaled="0"/>
+          </a:gradFill>
+          <a:ln w="19050" cap="flat" cmpd="sng">
+            <a:solidFill>
+              <a:srgbClr val="00B050"/>
+            </a:solidFill>
+            <a:prstDash val="dash"/>
+            <a:round/>
+            <a:headEnd type="none" w="med" len="med"/>
+            <a:tailEnd type="none" w="med" len="med"/>
+          </a:ln>
+        </p:spPr>
+      </p:cxnSp>
+      <p:sp>
+        <p:nvSpPr>
+          <p:cNvPr id="169" name="Shape 169"/>
+          <p:cNvSpPr/>
+          <p:nvPr/>
+        </p:nvSpPr>
+        <p:spPr>
+          <a:xfrm>
+            <a:off x="1586669" y="991718"/>
+            <a:ext cx="152399" cy="764932"/>
+          </a:xfrm>
+          <a:prstGeom prst="rect">
+            <a:avLst/>
+          </a:prstGeom>
+          <a:solidFill>
+            <a:srgbClr val="00B050"/>
+          </a:solidFill>
+          <a:ln w="9525" cap="flat" cmpd="sng">
+            <a:solidFill>
+              <a:srgbClr val="00B050"/>
+            </a:solidFill>
+            <a:prstDash val="solid"/>
+            <a:round/>
+            <a:headEnd type="none" w="med" len="med"/>
+            <a:tailEnd type="none" w="med" len="med"/>
+          </a:ln>
+        </p:spPr>
+        <p:txBody>
+          <a:bodyPr lIns="91425" tIns="45700" rIns="91425" bIns="45700" anchor="ctr" anchorCtr="0">
+            <a:noAutofit/>
+          </a:bodyPr>
+          <a:lstStyle/>
+          <a:p>
+            <a:pPr marL="0" marR="0" lvl="0" indent="0" algn="ctr" rtl="0">
+              <a:spcBef>
+                <a:spcPts val="0"/>
+              </a:spcBef>
+              <a:buNone/>
+            </a:pPr>
+            <a:endParaRPr sz="1400" b="0" i="0" u="none" strike="noStrike" cap="none">
+              <a:solidFill>
+                <a:schemeClr val="dk1"/>
+              </a:solidFill>
+              <a:latin typeface="Calibri"/>
+              <a:ea typeface="Calibri"/>
+              <a:cs typeface="Calibri"/>
+              <a:sym typeface="Calibri"/>
+            </a:endParaRPr>
+          </a:p>
+        </p:txBody>
+      </p:sp>
+      <p:grpSp>
+        <p:nvGrpSpPr>
+          <p:cNvPr id="170" name="Shape 170"/>
+          <p:cNvGrpSpPr/>
+          <p:nvPr/>
+        </p:nvGrpSpPr>
+        <p:grpSpPr>
+          <a:xfrm>
+            <a:off x="152400" y="400050"/>
+            <a:ext cx="324035" cy="430057"/>
+            <a:chOff x="3239900" y="4149080"/>
+            <a:chExt cx="648071" cy="1146819"/>
+          </a:xfrm>
+        </p:grpSpPr>
+        <p:sp>
+          <p:nvSpPr>
+            <p:cNvPr id="171" name="Shape 171"/>
+            <p:cNvSpPr/>
+            <p:nvPr/>
+          </p:nvSpPr>
+          <p:spPr>
+            <a:xfrm>
+              <a:off x="3419871" y="4149080"/>
+              <a:ext cx="288032" cy="288032"/>
+            </a:xfrm>
+            <a:prstGeom prst="flowChartConnector">
+              <a:avLst/>
+            </a:prstGeom>
+            <a:solidFill>
+              <a:srgbClr val="D8D8D8"/>
+            </a:solidFill>
+            <a:ln w="28575" cap="flat" cmpd="sng">
+              <a:solidFill>
+                <a:schemeClr val="dk1"/>
+              </a:solidFill>
+              <a:prstDash val="solid"/>
+              <a:round/>
+              <a:headEnd type="none" w="med" len="med"/>
+              <a:tailEnd type="none" w="med" len="med"/>
+            </a:ln>
+          </p:spPr>
+          <p:txBody>
+            <a:bodyPr lIns="91425" tIns="45700" rIns="91425" bIns="45700" anchor="ctr" anchorCtr="0">
+              <a:noAutofit/>
+            </a:bodyPr>
+            <a:lstStyle/>
+            <a:p>
+              <a:pPr marL="0" marR="0" lvl="0" indent="0" algn="ctr" rtl="0">
+                <a:spcBef>
+                  <a:spcPts val="0"/>
+                </a:spcBef>
+                <a:buNone/>
+              </a:pPr>
+              <a:endParaRPr sz="1800" b="0" i="0" u="none" strike="noStrike" cap="none">
+                <a:solidFill>
+                  <a:schemeClr val="dk1"/>
+                </a:solidFill>
+                <a:latin typeface="Calibri"/>
+                <a:ea typeface="Calibri"/>
+                <a:cs typeface="Calibri"/>
+                <a:sym typeface="Calibri"/>
+              </a:endParaRPr>
+            </a:p>
+          </p:txBody>
+        </p:sp>
+        <p:cxnSp>
+          <p:nvCxnSpPr>
+            <p:cNvPr id="172" name="Shape 172"/>
+            <p:cNvCxnSpPr>
+              <a:stCxn id="171" idx="4"/>
+            </p:cNvCxnSpPr>
+            <p:nvPr/>
+          </p:nvCxnSpPr>
+          <p:spPr>
+            <a:xfrm>
+              <a:off x="3563887" y="4437112"/>
+              <a:ext cx="0" cy="504000"/>
+            </a:xfrm>
+            <a:prstGeom prst="straightConnector1">
+              <a:avLst/>
+            </a:prstGeom>
+            <a:gradFill>
+              <a:gsLst>
+                <a:gs pos="0">
+                  <a:srgbClr val="C8B2E9"/>
+                </a:gs>
+                <a:gs pos="35000">
+                  <a:srgbClr val="D6CAED"/>
+                </a:gs>
+                <a:gs pos="100000">
+                  <a:srgbClr val="EFE8FA"/>
+                </a:gs>
+              </a:gsLst>
+              <a:lin ang="16200000" scaled="0"/>
+            </a:gradFill>
+            <a:ln w="28575" cap="flat" cmpd="sng">
+              <a:solidFill>
+                <a:schemeClr val="dk1"/>
+              </a:solidFill>
+              <a:prstDash val="solid"/>
+              <a:round/>
+              <a:headEnd type="none" w="med" len="med"/>
+              <a:tailEnd type="none" w="med" len="med"/>
+            </a:ln>
+          </p:spPr>
+        </p:cxnSp>
+        <p:sp>
+          <p:nvSpPr>
+            <p:cNvPr id="173" name="Shape 173"/>
+            <p:cNvSpPr/>
+            <p:nvPr/>
+          </p:nvSpPr>
+          <p:spPr>
+            <a:xfrm>
+              <a:off x="3324225" y="4933950"/>
+              <a:ext cx="479425" cy="361950"/>
+            </a:xfrm>
+            <a:custGeom>
+              <a:avLst/>
+              <a:gdLst/>
+              <a:ahLst/>
+              <a:cxnLst/>
+              <a:rect l="0" t="0" r="0" b="0"/>
+              <a:pathLst>
+                <a:path w="120000" h="120000" extrusionOk="0">
+                  <a:moveTo>
+                    <a:pt x="0" y="117894"/>
+                  </a:moveTo>
+                  <a:lnTo>
+                    <a:pt x="60397" y="0"/>
+                  </a:lnTo>
+                  <a:lnTo>
+                    <a:pt x="120000" y="120000"/>
+                  </a:lnTo>
+                </a:path>
+              </a:pathLst>
+            </a:custGeom>
+            <a:noFill/>
+            <a:ln w="28575" cap="flat" cmpd="sng">
+              <a:solidFill>
+                <a:schemeClr val="dk1"/>
+              </a:solidFill>
+              <a:prstDash val="solid"/>
+              <a:round/>
+              <a:headEnd type="none" w="med" len="med"/>
+              <a:tailEnd type="none" w="med" len="med"/>
+            </a:ln>
+          </p:spPr>
+          <p:txBody>
+            <a:bodyPr lIns="91425" tIns="45700" rIns="91425" bIns="45700" anchor="ctr" anchorCtr="0">
+              <a:noAutofit/>
+            </a:bodyPr>
+            <a:lstStyle/>
+            <a:p>
+              <a:pPr marL="0" marR="0" lvl="0" indent="0" algn="ctr" rtl="0">
+                <a:spcBef>
+                  <a:spcPts val="0"/>
+                </a:spcBef>
+                <a:buNone/>
+              </a:pPr>
+              <a:endParaRPr sz="1800" b="0" i="0" u="none" strike="noStrike" cap="none">
+                <a:solidFill>
+                  <a:schemeClr val="dk1"/>
+                </a:solidFill>
+                <a:latin typeface="Calibri"/>
+                <a:ea typeface="Calibri"/>
+                <a:cs typeface="Calibri"/>
+                <a:sym typeface="Calibri"/>
+              </a:endParaRPr>
+            </a:p>
+          </p:txBody>
+        </p:sp>
+        <p:cxnSp>
+          <p:nvCxnSpPr>
+            <p:cNvPr id="174" name="Shape 174"/>
+            <p:cNvCxnSpPr/>
+            <p:nvPr/>
+          </p:nvCxnSpPr>
+          <p:spPr>
+            <a:xfrm>
+              <a:off x="3239900" y="4509119"/>
+              <a:ext cx="648071" cy="0"/>
+            </a:xfrm>
+            <a:prstGeom prst="straightConnector1">
+              <a:avLst/>
+            </a:prstGeom>
+            <a:gradFill>
+              <a:gsLst>
+                <a:gs pos="0">
+                  <a:srgbClr val="C8B2E9"/>
+                </a:gs>
+                <a:gs pos="35000">
+                  <a:srgbClr val="D6CAED"/>
+                </a:gs>
+                <a:gs pos="100000">
+                  <a:srgbClr val="EFE8FA"/>
+                </a:gs>
+              </a:gsLst>
+              <a:lin ang="16200000" scaled="0"/>
+            </a:gradFill>
+            <a:ln w="28575" cap="flat" cmpd="sng">
+              <a:solidFill>
+                <a:schemeClr val="dk1"/>
+              </a:solidFill>
+              <a:prstDash val="solid"/>
+              <a:round/>
+              <a:headEnd type="none" w="med" len="med"/>
+              <a:tailEnd type="none" w="med" len="med"/>
+            </a:ln>
+          </p:spPr>
+        </p:cxnSp>
+      </p:grpSp>
+      <p:sp>
+        <p:nvSpPr>
+          <p:cNvPr id="175" name="Shape 175"/>
+          <p:cNvSpPr/>
+          <p:nvPr/>
+        </p:nvSpPr>
+        <p:spPr>
+          <a:xfrm>
+            <a:off x="2679623" y="420585"/>
+            <a:ext cx="1093634" cy="260070"/>
+          </a:xfrm>
+          <a:prstGeom prst="rect">
+            <a:avLst/>
+          </a:prstGeom>
+          <a:solidFill>
+            <a:srgbClr val="0070C0"/>
+          </a:solidFill>
+          <a:ln w="19050" cap="flat" cmpd="sng">
+            <a:solidFill>
+              <a:srgbClr val="0070C0"/>
+            </a:solidFill>
+            <a:prstDash val="solid"/>
+            <a:round/>
+            <a:headEnd type="none" w="med" len="med"/>
+            <a:tailEnd type="none" w="med" len="med"/>
+          </a:ln>
+        </p:spPr>
+        <p:txBody>
+          <a:bodyPr lIns="91425" tIns="45700" rIns="91425" bIns="45700" anchor="ctr" anchorCtr="0">
+            <a:noAutofit/>
+          </a:bodyPr>
+          <a:lstStyle/>
+          <a:p>
+            <a:pPr marL="0" marR="0" lvl="0" indent="0" algn="ctr" rtl="0">
+              <a:spcBef>
+                <a:spcPts val="0"/>
+              </a:spcBef>
+              <a:buSzPct val="25000"/>
+              <a:buNone/>
+            </a:pPr>
+            <a:r>
+              <a:rPr lang="en-GB" sz="1600" b="0" i="0" u="none" strike="noStrike" cap="none">
+                <a:solidFill>
+                  <a:schemeClr val="lt1"/>
+                </a:solidFill>
+                <a:latin typeface="Calibri"/>
+                <a:ea typeface="Calibri"/>
+                <a:cs typeface="Calibri"/>
+                <a:sym typeface="Calibri"/>
+              </a:rPr>
+              <a:t>:Logic</a:t>
+            </a:r>
+          </a:p>
+        </p:txBody>
+      </p:sp>
+      <p:cxnSp>
+        <p:nvCxnSpPr>
+          <p:cNvPr id="176" name="Shape 176"/>
+          <p:cNvCxnSpPr/>
+          <p:nvPr/>
+        </p:nvCxnSpPr>
+        <p:spPr>
+          <a:xfrm>
+            <a:off x="3220862" y="722904"/>
+            <a:ext cx="0" cy="1292294"/>
+          </a:xfrm>
+          <a:prstGeom prst="straightConnector1">
+            <a:avLst/>
+          </a:prstGeom>
+          <a:gradFill>
+            <a:gsLst>
+              <a:gs pos="0">
+                <a:srgbClr val="9FC3FF"/>
+              </a:gs>
+              <a:gs pos="35000">
+                <a:srgbClr val="BDD5FF"/>
+              </a:gs>
+              <a:gs pos="100000">
+                <a:srgbClr val="E4EEFF"/>
+              </a:gs>
+            </a:gsLst>
+            <a:lin ang="16200000" scaled="0"/>
+          </a:gradFill>
+          <a:ln w="19050" cap="flat" cmpd="sng">
+            <a:solidFill>
+              <a:srgbClr val="0070C0"/>
+            </a:solidFill>
+            <a:prstDash val="dash"/>
+            <a:round/>
+            <a:headEnd type="none" w="med" len="med"/>
+            <a:tailEnd type="none" w="med" len="med"/>
+          </a:ln>
+        </p:spPr>
+      </p:cxnSp>
+      <p:sp>
+        <p:nvSpPr>
+          <p:cNvPr id="177" name="Shape 177"/>
+          <p:cNvSpPr/>
+          <p:nvPr/>
+        </p:nvSpPr>
+        <p:spPr>
+          <a:xfrm>
+            <a:off x="3154433" y="1036983"/>
+            <a:ext cx="144016" cy="624393"/>
+          </a:xfrm>
+          <a:prstGeom prst="rect">
+            <a:avLst/>
+          </a:prstGeom>
+          <a:solidFill>
+            <a:srgbClr val="0070C0"/>
+          </a:solidFill>
+          <a:ln w="9525" cap="flat" cmpd="sng">
+            <a:solidFill>
+              <a:srgbClr val="0070C0"/>
+            </a:solidFill>
+            <a:prstDash val="solid"/>
+            <a:round/>
+            <a:headEnd type="none" w="med" len="med"/>
+            <a:tailEnd type="none" w="med" len="med"/>
+          </a:ln>
+        </p:spPr>
+        <p:txBody>
+          <a:bodyPr lIns="91425" tIns="45700" rIns="91425" bIns="45700" anchor="ctr" anchorCtr="0">
+            <a:noAutofit/>
+          </a:bodyPr>
+          <a:lstStyle/>
+          <a:p>
+            <a:pPr marL="0" marR="0" lvl="0" indent="0" algn="ctr" rtl="0">
+              <a:spcBef>
+                <a:spcPts val="0"/>
+              </a:spcBef>
+              <a:buNone/>
+            </a:pPr>
+            <a:endParaRPr sz="1400" b="0" i="0" u="none" strike="noStrike" cap="none">
+              <a:solidFill>
+                <a:schemeClr val="dk1"/>
+              </a:solidFill>
+              <a:latin typeface="Calibri"/>
+              <a:ea typeface="Calibri"/>
+              <a:cs typeface="Calibri"/>
+              <a:sym typeface="Calibri"/>
+            </a:endParaRPr>
+          </a:p>
+        </p:txBody>
+      </p:sp>
+      <p:sp>
+        <p:nvSpPr>
+          <p:cNvPr id="178" name="Shape 178"/>
+          <p:cNvSpPr/>
+          <p:nvPr/>
+        </p:nvSpPr>
+        <p:spPr>
+          <a:xfrm>
+            <a:off x="5723335" y="346976"/>
+            <a:ext cx="1093634" cy="260070"/>
+          </a:xfrm>
+          <a:prstGeom prst="rect">
+            <a:avLst/>
+          </a:prstGeom>
+          <a:solidFill>
+            <a:srgbClr val="7030A0"/>
+          </a:solidFill>
+          <a:ln w="19050" cap="flat" cmpd="sng">
+            <a:solidFill>
+              <a:srgbClr val="7030A0"/>
+            </a:solidFill>
+            <a:prstDash val="solid"/>
+            <a:round/>
+            <a:headEnd type="none" w="med" len="med"/>
+            <a:tailEnd type="none" w="med" len="med"/>
+          </a:ln>
+        </p:spPr>
+        <p:txBody>
+          <a:bodyPr lIns="91425" tIns="45700" rIns="91425" bIns="45700" anchor="ctr" anchorCtr="0">
+            <a:noAutofit/>
+          </a:bodyPr>
+          <a:lstStyle/>
+          <a:p>
+            <a:pPr marL="0" marR="0" lvl="0" indent="0" algn="ctr" rtl="0">
+              <a:spcBef>
+                <a:spcPts val="0"/>
+              </a:spcBef>
+              <a:buSzPct val="25000"/>
+              <a:buNone/>
+            </a:pPr>
+            <a:r>
+              <a:rPr lang="en-GB" sz="1600" b="0" i="0" u="none" strike="noStrike" cap="none" dirty="0">
+                <a:solidFill>
+                  <a:schemeClr val="lt1"/>
+                </a:solidFill>
+                <a:latin typeface="Calibri"/>
+                <a:ea typeface="Calibri"/>
+                <a:cs typeface="Calibri"/>
+                <a:sym typeface="Calibri"/>
+              </a:rPr>
+              <a:t>:Model</a:t>
+            </a:r>
+          </a:p>
+        </p:txBody>
+      </p:sp>
+      <p:cxnSp>
+        <p:nvCxnSpPr>
+          <p:cNvPr id="179" name="Shape 179"/>
+          <p:cNvCxnSpPr/>
+          <p:nvPr/>
+        </p:nvCxnSpPr>
+        <p:spPr>
+          <a:xfrm>
+            <a:off x="6256425" y="619729"/>
+            <a:ext cx="0" cy="1292294"/>
+          </a:xfrm>
+          <a:prstGeom prst="straightConnector1">
+            <a:avLst/>
+          </a:prstGeom>
+          <a:gradFill>
+            <a:gsLst>
+              <a:gs pos="0">
+                <a:srgbClr val="9FC3FF"/>
+              </a:gs>
+              <a:gs pos="35000">
+                <a:srgbClr val="BDD5FF"/>
+              </a:gs>
+              <a:gs pos="100000">
+                <a:srgbClr val="E4EEFF"/>
+              </a:gs>
+            </a:gsLst>
+            <a:lin ang="16200000" scaled="0"/>
+          </a:gradFill>
+          <a:ln w="19050" cap="flat" cmpd="sng">
+            <a:solidFill>
+              <a:srgbClr val="7030A0"/>
+            </a:solidFill>
+            <a:prstDash val="dash"/>
+            <a:round/>
+            <a:headEnd type="none" w="med" len="med"/>
+            <a:tailEnd type="none" w="med" len="med"/>
+          </a:ln>
+        </p:spPr>
+      </p:cxnSp>
+      <p:sp>
+        <p:nvSpPr>
+          <p:cNvPr id="180" name="Shape 180"/>
+          <p:cNvSpPr/>
+          <p:nvPr/>
+        </p:nvSpPr>
+        <p:spPr>
+          <a:xfrm>
+            <a:off x="6196624" y="1044838"/>
+            <a:ext cx="142006" cy="488545"/>
+          </a:xfrm>
+          <a:prstGeom prst="rect">
+            <a:avLst/>
+          </a:prstGeom>
+          <a:solidFill>
+            <a:srgbClr val="7030A0"/>
+          </a:solidFill>
+          <a:ln w="9525" cap="flat" cmpd="sng">
+            <a:solidFill>
+              <a:srgbClr val="7030A0"/>
+            </a:solidFill>
+            <a:prstDash val="solid"/>
+            <a:round/>
+            <a:headEnd type="none" w="med" len="med"/>
+            <a:tailEnd type="none" w="med" len="med"/>
+          </a:ln>
+        </p:spPr>
+        <p:txBody>
+          <a:bodyPr lIns="91425" tIns="45700" rIns="91425" bIns="45700" anchor="ctr" anchorCtr="0">
+            <a:noAutofit/>
+          </a:bodyPr>
+          <a:lstStyle/>
+          <a:p>
+            <a:pPr marL="0" marR="0" lvl="0" indent="0" algn="ctr" rtl="0">
+              <a:spcBef>
+                <a:spcPts val="0"/>
+              </a:spcBef>
+              <a:buNone/>
+            </a:pPr>
+            <a:endParaRPr sz="1400" b="0" i="0" u="none" strike="noStrike" cap="none">
+              <a:solidFill>
+                <a:schemeClr val="dk1"/>
+              </a:solidFill>
+              <a:latin typeface="Calibri"/>
+              <a:ea typeface="Calibri"/>
+              <a:cs typeface="Calibri"/>
+              <a:sym typeface="Calibri"/>
+            </a:endParaRPr>
+          </a:p>
+        </p:txBody>
+      </p:sp>
+      <p:cxnSp>
+        <p:nvCxnSpPr>
+          <p:cNvPr id="181" name="Shape 181"/>
+          <p:cNvCxnSpPr/>
+          <p:nvPr/>
+        </p:nvCxnSpPr>
+        <p:spPr>
+          <a:xfrm>
+            <a:off x="466818" y="994484"/>
+            <a:ext cx="1119850" cy="0"/>
+          </a:xfrm>
+          <a:prstGeom prst="straightConnector1">
+            <a:avLst/>
+          </a:prstGeom>
+          <a:noFill/>
+          <a:ln w="19050" cap="flat" cmpd="sng">
+            <a:solidFill>
+              <a:schemeClr val="dk1"/>
+            </a:solidFill>
+            <a:prstDash val="solid"/>
+            <a:round/>
+            <a:headEnd type="none" w="med" len="med"/>
+            <a:tailEnd type="stealth" w="lg" len="lg"/>
+          </a:ln>
+        </p:spPr>
+      </p:cxnSp>
+      <p:sp>
+        <p:nvSpPr>
+          <p:cNvPr id="182" name="Shape 182"/>
+          <p:cNvSpPr txBox="1"/>
+          <p:nvPr/>
+        </p:nvSpPr>
+        <p:spPr>
+          <a:xfrm>
+            <a:off x="466818" y="1009409"/>
+            <a:ext cx="860170" cy="161582"/>
+          </a:xfrm>
+          <a:prstGeom prst="rect">
+            <a:avLst/>
+          </a:prstGeom>
+          <a:noFill/>
+          <a:ln>
+            <a:noFill/>
+          </a:ln>
+        </p:spPr>
+        <p:txBody>
+          <a:bodyPr lIns="0" tIns="0" rIns="0" bIns="0" anchor="t" anchorCtr="0">
+            <a:noAutofit/>
+          </a:bodyPr>
+          <a:lstStyle/>
+          <a:p>
+            <a:pPr marL="0" marR="0" lvl="0" indent="0" algn="l" rtl="0">
+              <a:spcBef>
+                <a:spcPts val="0"/>
+              </a:spcBef>
+              <a:buSzPct val="25000"/>
+              <a:buNone/>
+            </a:pPr>
+            <a:r>
+              <a:rPr lang="en-GB" sz="1400" b="0" i="0" u="none" strike="noStrike" cap="none" dirty="0" smtClean="0">
+                <a:solidFill>
+                  <a:schemeClr val="dk1"/>
+                </a:solidFill>
+                <a:latin typeface="Calibri"/>
+                <a:ea typeface="Calibri"/>
+                <a:cs typeface="Calibri"/>
+                <a:sym typeface="Calibri"/>
+              </a:rPr>
+              <a:t>clear</a:t>
+            </a:r>
+            <a:endParaRPr lang="en-GB" sz="1400" b="0" i="0" u="none" strike="noStrike" cap="none" dirty="0">
+              <a:solidFill>
+                <a:schemeClr val="dk1"/>
+              </a:solidFill>
+              <a:latin typeface="Calibri"/>
+              <a:ea typeface="Calibri"/>
+              <a:cs typeface="Calibri"/>
+              <a:sym typeface="Calibri"/>
+            </a:endParaRPr>
+          </a:p>
+        </p:txBody>
+      </p:sp>
+      <p:cxnSp>
+        <p:nvCxnSpPr>
+          <p:cNvPr id="183" name="Shape 183"/>
+          <p:cNvCxnSpPr/>
+          <p:nvPr/>
+        </p:nvCxnSpPr>
+        <p:spPr>
+          <a:xfrm>
+            <a:off x="1739068" y="1075109"/>
+            <a:ext cx="1406982" cy="15091"/>
+          </a:xfrm>
+          <a:prstGeom prst="straightConnector1">
+            <a:avLst/>
+          </a:prstGeom>
+          <a:noFill/>
+          <a:ln w="19050" cap="flat" cmpd="sng">
+            <a:solidFill>
+              <a:srgbClr val="00B050"/>
+            </a:solidFill>
+            <a:prstDash val="solid"/>
+            <a:round/>
+            <a:headEnd type="none" w="med" len="med"/>
+            <a:tailEnd type="stealth" w="lg" len="lg"/>
+          </a:ln>
+        </p:spPr>
+      </p:cxnSp>
+      <p:sp>
+        <p:nvSpPr>
+          <p:cNvPr id="184" name="Shape 184"/>
+          <p:cNvSpPr txBox="1"/>
+          <p:nvPr/>
+        </p:nvSpPr>
+        <p:spPr>
+          <a:xfrm>
+            <a:off x="1828608" y="1115872"/>
+            <a:ext cx="1424846" cy="161582"/>
+          </a:xfrm>
+          <a:prstGeom prst="rect">
+            <a:avLst/>
+          </a:prstGeom>
+          <a:noFill/>
+          <a:ln>
+            <a:noFill/>
+          </a:ln>
+        </p:spPr>
+        <p:txBody>
+          <a:bodyPr lIns="0" tIns="0" rIns="0" bIns="0" anchor="t" anchorCtr="0">
+            <a:noAutofit/>
+          </a:bodyPr>
+          <a:lstStyle/>
+          <a:p>
+            <a:pPr marL="0" marR="0" lvl="0" indent="0" algn="l" rtl="0">
+              <a:spcBef>
+                <a:spcPts val="0"/>
+              </a:spcBef>
+              <a:buSzPct val="25000"/>
+              <a:buNone/>
+            </a:pPr>
+            <a:r>
+              <a:rPr lang="en-GB" sz="1400" dirty="0">
+                <a:solidFill>
+                  <a:srgbClr val="0070C0"/>
+                </a:solidFill>
+                <a:latin typeface="Calibri"/>
+                <a:ea typeface="Calibri"/>
+                <a:cs typeface="Calibri"/>
+                <a:sym typeface="Calibri"/>
+              </a:rPr>
+              <a:t>execute</a:t>
+            </a:r>
+            <a:r>
+              <a:rPr lang="en-GB" sz="1400" dirty="0" smtClean="0">
+                <a:solidFill>
+                  <a:srgbClr val="0070C0"/>
+                </a:solidFill>
+                <a:latin typeface="Calibri"/>
+                <a:ea typeface="Calibri"/>
+                <a:cs typeface="Calibri"/>
+                <a:sym typeface="Calibri"/>
+              </a:rPr>
+              <a:t>(“clear”)</a:t>
+            </a:r>
+            <a:endParaRPr lang="en-GB" sz="1400" dirty="0">
+              <a:solidFill>
+                <a:srgbClr val="0070C0"/>
+              </a:solidFill>
+              <a:latin typeface="Calibri"/>
+              <a:ea typeface="Calibri"/>
+              <a:cs typeface="Calibri"/>
+              <a:sym typeface="Calibri"/>
+            </a:endParaRPr>
+          </a:p>
+        </p:txBody>
+      </p:sp>
+      <p:cxnSp>
+        <p:nvCxnSpPr>
+          <p:cNvPr id="185" name="Shape 185"/>
+          <p:cNvCxnSpPr/>
+          <p:nvPr/>
+        </p:nvCxnSpPr>
+        <p:spPr>
+          <a:xfrm flipV="1">
+            <a:off x="3249519" y="1096962"/>
+            <a:ext cx="2875096" cy="12683"/>
+          </a:xfrm>
+          <a:prstGeom prst="straightConnector1">
+            <a:avLst/>
+          </a:prstGeom>
+          <a:noFill/>
+          <a:ln w="19050" cap="flat" cmpd="sng">
+            <a:solidFill>
+              <a:srgbClr val="0070C0"/>
+            </a:solidFill>
+            <a:prstDash val="solid"/>
+            <a:round/>
+            <a:headEnd type="none" w="med" len="med"/>
+            <a:tailEnd type="stealth" w="lg" len="lg"/>
+          </a:ln>
+        </p:spPr>
+      </p:cxnSp>
+      <p:sp>
+        <p:nvSpPr>
+          <p:cNvPr id="186" name="Shape 186"/>
+          <p:cNvSpPr txBox="1"/>
+          <p:nvPr/>
+        </p:nvSpPr>
+        <p:spPr>
+          <a:xfrm>
+            <a:off x="3356208" y="1252156"/>
+            <a:ext cx="2833482" cy="281227"/>
+          </a:xfrm>
+          <a:prstGeom prst="rect">
+            <a:avLst/>
+          </a:prstGeom>
+          <a:noFill/>
+          <a:ln>
+            <a:noFill/>
+          </a:ln>
+        </p:spPr>
+        <p:txBody>
+          <a:bodyPr lIns="0" tIns="0" rIns="0" bIns="0" anchor="t" anchorCtr="0">
+            <a:noAutofit/>
+          </a:bodyPr>
+          <a:lstStyle/>
+          <a:p>
+            <a:pPr lvl="0">
+              <a:buSzPct val="25000"/>
+            </a:pPr>
+            <a:r>
+              <a:rPr lang="en-GB" dirty="0" err="1">
+                <a:solidFill>
+                  <a:srgbClr val="7030A0"/>
+                </a:solidFill>
+                <a:latin typeface="Calibri"/>
+                <a:ea typeface="Calibri"/>
+                <a:cs typeface="Calibri"/>
+                <a:sym typeface="Calibri"/>
+              </a:rPr>
+              <a:t>resetData</a:t>
+            </a:r>
+            <a:r>
+              <a:rPr lang="en-GB" dirty="0">
+                <a:solidFill>
+                  <a:srgbClr val="7030A0"/>
+                </a:solidFill>
+                <a:latin typeface="Calibri"/>
+                <a:ea typeface="Calibri"/>
+                <a:cs typeface="Calibri"/>
+                <a:sym typeface="Calibri"/>
+              </a:rPr>
+              <a:t>(</a:t>
+            </a:r>
+            <a:r>
+              <a:rPr lang="en-GB" dirty="0" err="1">
+                <a:solidFill>
+                  <a:srgbClr val="7030A0"/>
+                </a:solidFill>
+                <a:latin typeface="Calibri"/>
+                <a:ea typeface="Calibri"/>
+                <a:cs typeface="Calibri"/>
+                <a:sym typeface="Calibri"/>
+              </a:rPr>
+              <a:t>TaskList.getEmptyTaskList</a:t>
+            </a:r>
+            <a:r>
+              <a:rPr lang="en-GB" dirty="0" smtClean="0">
+                <a:solidFill>
+                  <a:srgbClr val="7030A0"/>
+                </a:solidFill>
+                <a:latin typeface="Calibri"/>
+                <a:ea typeface="Calibri"/>
+                <a:cs typeface="Calibri"/>
+                <a:sym typeface="Calibri"/>
+              </a:rPr>
+              <a:t>())</a:t>
+            </a:r>
+            <a:endParaRPr lang="en-GB" sz="1400" dirty="0">
+              <a:solidFill>
+                <a:srgbClr val="7030A0"/>
+              </a:solidFill>
+              <a:latin typeface="Calibri"/>
+              <a:ea typeface="Calibri"/>
+              <a:cs typeface="Calibri"/>
+              <a:sym typeface="Calibri"/>
+            </a:endParaRPr>
+          </a:p>
+        </p:txBody>
+      </p:sp>
+      <p:sp>
+        <p:nvSpPr>
+          <p:cNvPr id="187" name="Shape 187"/>
+          <p:cNvSpPr txBox="1"/>
+          <p:nvPr/>
+        </p:nvSpPr>
+        <p:spPr>
+          <a:xfrm>
+            <a:off x="6439573" y="1014357"/>
+            <a:ext cx="2168210" cy="223890"/>
+          </a:xfrm>
+          <a:prstGeom prst="rect">
+            <a:avLst/>
+          </a:prstGeom>
+          <a:noFill/>
+          <a:ln>
+            <a:noFill/>
+          </a:ln>
+        </p:spPr>
+        <p:txBody>
+          <a:bodyPr lIns="0" tIns="0" rIns="0" bIns="0" anchor="t" anchorCtr="0">
+            <a:noAutofit/>
+          </a:bodyPr>
+          <a:lstStyle/>
+          <a:p>
+            <a:pPr lvl="0">
+              <a:buSzPct val="25000"/>
+            </a:pPr>
+            <a:r>
+              <a:rPr lang="en-GB" dirty="0" err="1">
+                <a:solidFill>
+                  <a:srgbClr val="31859B"/>
+                </a:solidFill>
+                <a:latin typeface="Calibri"/>
+                <a:ea typeface="Calibri"/>
+                <a:cs typeface="Calibri"/>
+                <a:sym typeface="Calibri"/>
+              </a:rPr>
+              <a:t>resetData</a:t>
+            </a:r>
+            <a:r>
+              <a:rPr lang="en-GB" dirty="0">
+                <a:solidFill>
+                  <a:srgbClr val="31859B"/>
+                </a:solidFill>
+                <a:latin typeface="Calibri"/>
+                <a:ea typeface="Calibri"/>
+                <a:cs typeface="Calibri"/>
+                <a:sym typeface="Calibri"/>
+              </a:rPr>
+              <a:t>(</a:t>
+            </a:r>
+            <a:r>
+              <a:rPr lang="en-GB" dirty="0" err="1">
+                <a:solidFill>
+                  <a:srgbClr val="31859B"/>
+                </a:solidFill>
+                <a:latin typeface="Calibri"/>
+                <a:ea typeface="Calibri"/>
+                <a:cs typeface="Calibri"/>
+                <a:sym typeface="Calibri"/>
+              </a:rPr>
+              <a:t>newData</a:t>
+            </a:r>
+            <a:r>
+              <a:rPr lang="en-GB" dirty="0">
+                <a:solidFill>
+                  <a:srgbClr val="31859B"/>
+                </a:solidFill>
+                <a:latin typeface="Calibri"/>
+                <a:ea typeface="Calibri"/>
+                <a:cs typeface="Calibri"/>
+                <a:sym typeface="Calibri"/>
+              </a:rPr>
+              <a:t>)</a:t>
+            </a:r>
+            <a:endParaRPr lang="en-GB" sz="1400" dirty="0">
+              <a:solidFill>
+                <a:srgbClr val="31859B"/>
+              </a:solidFill>
+              <a:latin typeface="Calibri"/>
+              <a:ea typeface="Calibri"/>
+              <a:cs typeface="Calibri"/>
+              <a:sym typeface="Calibri"/>
+            </a:endParaRPr>
+          </a:p>
+        </p:txBody>
+      </p:sp>
+      <p:cxnSp>
+        <p:nvCxnSpPr>
+          <p:cNvPr id="188" name="Shape 188"/>
+          <p:cNvCxnSpPr/>
+          <p:nvPr/>
+        </p:nvCxnSpPr>
+        <p:spPr>
+          <a:xfrm>
+            <a:off x="3282092" y="1561109"/>
+            <a:ext cx="2965357" cy="13671"/>
+          </a:xfrm>
+          <a:prstGeom prst="straightConnector1">
+            <a:avLst/>
+          </a:prstGeom>
+          <a:noFill/>
+          <a:ln w="19050" cap="flat" cmpd="sng">
+            <a:solidFill>
+              <a:srgbClr val="7030A0"/>
+            </a:solidFill>
+            <a:prstDash val="dash"/>
+            <a:round/>
+            <a:headEnd type="stealth" w="lg" len="lg"/>
+            <a:tailEnd type="none" w="med" len="med"/>
+          </a:ln>
+        </p:spPr>
+      </p:cxnSp>
+      <p:cxnSp>
+        <p:nvCxnSpPr>
+          <p:cNvPr id="189" name="Shape 189"/>
+          <p:cNvCxnSpPr/>
+          <p:nvPr/>
+        </p:nvCxnSpPr>
+        <p:spPr>
+          <a:xfrm flipV="1">
+            <a:off x="1747451" y="1617163"/>
+            <a:ext cx="1353553" cy="11141"/>
+          </a:xfrm>
+          <a:prstGeom prst="straightConnector1">
+            <a:avLst/>
+          </a:prstGeom>
+          <a:noFill/>
+          <a:ln w="19050" cap="flat" cmpd="sng">
+            <a:solidFill>
+              <a:srgbClr val="0070C0"/>
+            </a:solidFill>
+            <a:prstDash val="dash"/>
+            <a:round/>
+            <a:headEnd type="stealth" w="lg" len="lg"/>
+            <a:tailEnd type="none" w="med" len="med"/>
+          </a:ln>
+        </p:spPr>
+      </p:cxnSp>
+      <p:cxnSp>
+        <p:nvCxnSpPr>
+          <p:cNvPr id="190" name="Shape 190"/>
+          <p:cNvCxnSpPr/>
+          <p:nvPr/>
+        </p:nvCxnSpPr>
+        <p:spPr>
+          <a:xfrm>
+            <a:off x="390617" y="1756651"/>
+            <a:ext cx="1196051" cy="0"/>
+          </a:xfrm>
+          <a:prstGeom prst="straightConnector1">
+            <a:avLst/>
+          </a:prstGeom>
+          <a:noFill/>
+          <a:ln w="19050" cap="flat" cmpd="sng">
+            <a:solidFill>
+              <a:srgbClr val="00B050"/>
+            </a:solidFill>
+            <a:prstDash val="dash"/>
+            <a:round/>
+            <a:headEnd type="stealth" w="lg" len="lg"/>
+            <a:tailEnd type="none" w="med" len="med"/>
+          </a:ln>
+        </p:spPr>
+      </p:cxnSp>
+      <p:sp>
+        <p:nvSpPr>
+          <p:cNvPr id="191" name="Shape 191"/>
+          <p:cNvSpPr/>
+          <p:nvPr/>
+        </p:nvSpPr>
+        <p:spPr>
+          <a:xfrm>
+            <a:off x="7778013" y="340431"/>
+            <a:ext cx="1371599" cy="260070"/>
+          </a:xfrm>
+          <a:prstGeom prst="rect">
+            <a:avLst/>
+          </a:prstGeom>
+          <a:solidFill>
+            <a:srgbClr val="31859B"/>
+          </a:solidFill>
+          <a:ln w="19050" cap="flat" cmpd="sng">
+            <a:solidFill>
+              <a:srgbClr val="31859B"/>
+            </a:solidFill>
+            <a:prstDash val="solid"/>
+            <a:round/>
+            <a:headEnd type="none" w="med" len="med"/>
+            <a:tailEnd type="none" w="med" len="med"/>
+          </a:ln>
+        </p:spPr>
+        <p:txBody>
+          <a:bodyPr lIns="91425" tIns="45700" rIns="91425" bIns="45700" anchor="ctr" anchorCtr="0">
+            <a:noAutofit/>
+          </a:bodyPr>
+          <a:lstStyle/>
+          <a:p>
+            <a:pPr lvl="0" algn="ctr">
+              <a:buSzPct val="25000"/>
+            </a:pPr>
+            <a:r>
+              <a:rPr lang="en-GB" sz="1600" dirty="0">
+                <a:solidFill>
+                  <a:schemeClr val="lt1"/>
+                </a:solidFill>
+                <a:latin typeface="Calibri"/>
+                <a:ea typeface="Calibri"/>
+                <a:cs typeface="Calibri"/>
+                <a:sym typeface="Calibri"/>
+              </a:rPr>
+              <a:t>:</a:t>
+            </a:r>
+            <a:r>
+              <a:rPr lang="en-GB" sz="1600">
+                <a:solidFill>
+                  <a:schemeClr val="lt1"/>
+                </a:solidFill>
+                <a:latin typeface="Calibri"/>
+                <a:ea typeface="Calibri"/>
+                <a:cs typeface="Calibri"/>
+                <a:sym typeface="Calibri"/>
+              </a:rPr>
+              <a:t>TaskList</a:t>
+            </a:r>
+            <a:endParaRPr lang="en-GB" sz="1600" dirty="0">
+              <a:solidFill>
+                <a:schemeClr val="lt1"/>
+              </a:solidFill>
+              <a:latin typeface="Calibri"/>
+              <a:ea typeface="Calibri"/>
+              <a:cs typeface="Calibri"/>
+              <a:sym typeface="Calibri"/>
+            </a:endParaRPr>
+          </a:p>
+        </p:txBody>
+      </p:sp>
+      <p:cxnSp>
+        <p:nvCxnSpPr>
+          <p:cNvPr id="192" name="Shape 192"/>
+          <p:cNvCxnSpPr/>
+          <p:nvPr/>
+        </p:nvCxnSpPr>
+        <p:spPr>
+          <a:xfrm>
+            <a:off x="8463812" y="619729"/>
+            <a:ext cx="0" cy="1292294"/>
+          </a:xfrm>
+          <a:prstGeom prst="straightConnector1">
+            <a:avLst/>
+          </a:prstGeom>
+          <a:gradFill>
+            <a:gsLst>
+              <a:gs pos="0">
+                <a:srgbClr val="9FC3FF"/>
+              </a:gs>
+              <a:gs pos="35000">
+                <a:srgbClr val="BDD5FF"/>
+              </a:gs>
+              <a:gs pos="100000">
+                <a:srgbClr val="E4EEFF"/>
+              </a:gs>
+            </a:gsLst>
+            <a:lin ang="16200000" scaled="0"/>
+          </a:gradFill>
+          <a:ln w="19050" cap="flat" cmpd="sng">
+            <a:solidFill>
+              <a:srgbClr val="31859B"/>
+            </a:solidFill>
+            <a:prstDash val="dash"/>
+            <a:round/>
+            <a:headEnd type="none" w="med" len="med"/>
+            <a:tailEnd type="none" w="med" len="med"/>
+          </a:ln>
+        </p:spPr>
+      </p:cxnSp>
+      <p:sp>
+        <p:nvSpPr>
+          <p:cNvPr id="193" name="Shape 193"/>
+          <p:cNvSpPr/>
+          <p:nvPr/>
+        </p:nvSpPr>
+        <p:spPr>
+          <a:xfrm>
+            <a:off x="8422473" y="1241594"/>
+            <a:ext cx="142006" cy="132590"/>
+          </a:xfrm>
+          <a:prstGeom prst="rect">
+            <a:avLst/>
+          </a:prstGeom>
+          <a:solidFill>
+            <a:srgbClr val="31859B"/>
+          </a:solidFill>
+          <a:ln w="9525" cap="flat" cmpd="sng">
+            <a:solidFill>
+              <a:srgbClr val="31859B"/>
+            </a:solidFill>
+            <a:prstDash val="solid"/>
+            <a:round/>
+            <a:headEnd type="none" w="med" len="med"/>
+            <a:tailEnd type="none" w="med" len="med"/>
+          </a:ln>
+        </p:spPr>
+        <p:txBody>
+          <a:bodyPr lIns="91425" tIns="45700" rIns="91425" bIns="45700" anchor="ctr" anchorCtr="0">
+            <a:noAutofit/>
+          </a:bodyPr>
+          <a:lstStyle/>
+          <a:p>
+            <a:pPr marL="0" marR="0" lvl="0" indent="0" algn="ctr" rtl="0">
+              <a:spcBef>
+                <a:spcPts val="0"/>
+              </a:spcBef>
+              <a:buNone/>
+            </a:pPr>
+            <a:endParaRPr sz="1400">
+              <a:solidFill>
+                <a:schemeClr val="dk1"/>
+              </a:solidFill>
+              <a:latin typeface="Calibri"/>
+              <a:ea typeface="Calibri"/>
+              <a:cs typeface="Calibri"/>
+              <a:sym typeface="Calibri"/>
+            </a:endParaRPr>
+          </a:p>
+        </p:txBody>
+      </p:sp>
+      <p:cxnSp>
+        <p:nvCxnSpPr>
+          <p:cNvPr id="194" name="Shape 194"/>
+          <p:cNvCxnSpPr/>
+          <p:nvPr/>
+        </p:nvCxnSpPr>
+        <p:spPr>
+          <a:xfrm>
+            <a:off x="6398837" y="1269454"/>
+            <a:ext cx="1998239" cy="8000"/>
+          </a:xfrm>
+          <a:prstGeom prst="straightConnector1">
+            <a:avLst/>
+          </a:prstGeom>
+          <a:noFill/>
+          <a:ln w="19050" cap="flat" cmpd="sng">
+            <a:solidFill>
+              <a:srgbClr val="7030A0"/>
+            </a:solidFill>
+            <a:prstDash val="solid"/>
+            <a:round/>
+            <a:headEnd type="none" w="med" len="med"/>
+            <a:tailEnd type="stealth" w="lg" len="lg"/>
+          </a:ln>
+        </p:spPr>
+      </p:cxnSp>
+      <p:cxnSp>
+        <p:nvCxnSpPr>
+          <p:cNvPr id="195" name="Shape 195"/>
+          <p:cNvCxnSpPr/>
+          <p:nvPr/>
+        </p:nvCxnSpPr>
+        <p:spPr>
+          <a:xfrm>
+            <a:off x="6398837" y="1392769"/>
+            <a:ext cx="1998239" cy="0"/>
+          </a:xfrm>
+          <a:prstGeom prst="straightConnector1">
+            <a:avLst/>
+          </a:prstGeom>
+          <a:noFill/>
+          <a:ln w="19050" cap="flat" cmpd="sng">
+            <a:solidFill>
+              <a:srgbClr val="31859B"/>
+            </a:solidFill>
+            <a:prstDash val="dash"/>
+            <a:round/>
+            <a:headEnd type="stealth" w="lg" len="lg"/>
+            <a:tailEnd type="none" w="med" len="med"/>
+          </a:ln>
+        </p:spPr>
+      </p:cxnSp>
+      <p:sp>
+        <p:nvSpPr>
+          <p:cNvPr id="196" name="Shape 196"/>
+          <p:cNvSpPr/>
+          <p:nvPr/>
+        </p:nvSpPr>
+        <p:spPr>
+          <a:xfrm>
+            <a:off x="7370178" y="3208741"/>
+            <a:ext cx="1093634" cy="260070"/>
+          </a:xfrm>
+          <a:prstGeom prst="rect">
+            <a:avLst/>
+          </a:prstGeom>
+          <a:solidFill>
+            <a:srgbClr val="E36C09"/>
+          </a:solidFill>
+          <a:ln w="19050" cap="flat" cmpd="sng">
+            <a:solidFill>
+              <a:srgbClr val="E36C09"/>
+            </a:solidFill>
+            <a:prstDash val="solid"/>
+            <a:round/>
+            <a:headEnd type="none" w="med" len="med"/>
+            <a:tailEnd type="none" w="med" len="med"/>
+          </a:ln>
+        </p:spPr>
+        <p:txBody>
+          <a:bodyPr lIns="91425" tIns="45700" rIns="91425" bIns="45700" anchor="ctr" anchorCtr="0">
+            <a:noAutofit/>
+          </a:bodyPr>
+          <a:lstStyle/>
+          <a:p>
+            <a:pPr marL="0" marR="0" lvl="0" indent="0" algn="ctr" rtl="0">
+              <a:spcBef>
+                <a:spcPts val="0"/>
+              </a:spcBef>
+              <a:buSzPct val="25000"/>
+              <a:buNone/>
+            </a:pPr>
+            <a:r>
+              <a:rPr lang="en-GB" sz="1600">
+                <a:solidFill>
+                  <a:schemeClr val="lt1"/>
+                </a:solidFill>
+                <a:latin typeface="Calibri"/>
+                <a:ea typeface="Calibri"/>
+                <a:cs typeface="Calibri"/>
+                <a:sym typeface="Calibri"/>
+              </a:rPr>
+              <a:t>:Storage</a:t>
+            </a:r>
+          </a:p>
+        </p:txBody>
+      </p:sp>
+      <p:cxnSp>
+        <p:nvCxnSpPr>
+          <p:cNvPr id="197" name="Shape 197"/>
+          <p:cNvCxnSpPr/>
+          <p:nvPr/>
+        </p:nvCxnSpPr>
+        <p:spPr>
+          <a:xfrm>
+            <a:off x="7916995" y="3481494"/>
+            <a:ext cx="0" cy="1292294"/>
+          </a:xfrm>
+          <a:prstGeom prst="straightConnector1">
+            <a:avLst/>
+          </a:prstGeom>
+          <a:gradFill>
+            <a:gsLst>
+              <a:gs pos="0">
+                <a:srgbClr val="9FC3FF"/>
+              </a:gs>
+              <a:gs pos="35000">
+                <a:srgbClr val="BDD5FF"/>
+              </a:gs>
+              <a:gs pos="100000">
+                <a:srgbClr val="E4EEFF"/>
+              </a:gs>
+            </a:gsLst>
+            <a:lin ang="16200000" scaled="0"/>
+          </a:gradFill>
+          <a:ln w="19050" cap="flat" cmpd="sng">
+            <a:solidFill>
+              <a:srgbClr val="E36C09"/>
+            </a:solidFill>
+            <a:prstDash val="dash"/>
+            <a:round/>
+            <a:headEnd type="none" w="med" len="med"/>
+            <a:tailEnd type="none" w="med" len="med"/>
+          </a:ln>
+        </p:spPr>
+      </p:cxnSp>
+      <p:sp>
+        <p:nvSpPr>
+          <p:cNvPr id="198" name="Shape 198"/>
+          <p:cNvSpPr/>
+          <p:nvPr/>
+        </p:nvSpPr>
+        <p:spPr>
+          <a:xfrm>
+            <a:off x="7844986" y="4001746"/>
+            <a:ext cx="124478" cy="215556"/>
+          </a:xfrm>
+          <a:prstGeom prst="rect">
+            <a:avLst/>
+          </a:prstGeom>
+          <a:solidFill>
+            <a:srgbClr val="E36C09"/>
+          </a:solidFill>
+          <a:ln w="9525" cap="flat" cmpd="sng">
+            <a:solidFill>
+              <a:srgbClr val="E36C09"/>
+            </a:solidFill>
+            <a:prstDash val="solid"/>
+            <a:round/>
+            <a:headEnd type="none" w="med" len="med"/>
+            <a:tailEnd type="none" w="med" len="med"/>
+          </a:ln>
+        </p:spPr>
+        <p:txBody>
+          <a:bodyPr lIns="91425" tIns="45700" rIns="91425" bIns="45700" anchor="ctr" anchorCtr="0">
+            <a:noAutofit/>
+          </a:bodyPr>
+          <a:lstStyle/>
+          <a:p>
+            <a:pPr marL="0" marR="0" lvl="0" indent="0" algn="ctr" rtl="0">
+              <a:spcBef>
+                <a:spcPts val="0"/>
+              </a:spcBef>
+              <a:buNone/>
+            </a:pPr>
+            <a:endParaRPr sz="1400">
+              <a:solidFill>
+                <a:schemeClr val="dk1"/>
+              </a:solidFill>
+              <a:latin typeface="Calibri"/>
+              <a:ea typeface="Calibri"/>
+              <a:cs typeface="Calibri"/>
+              <a:sym typeface="Calibri"/>
+            </a:endParaRPr>
+          </a:p>
+        </p:txBody>
+      </p:sp>
+      <p:sp>
+        <p:nvSpPr>
+          <p:cNvPr id="199" name="Shape 199"/>
+          <p:cNvSpPr txBox="1"/>
+          <p:nvPr/>
+        </p:nvSpPr>
+        <p:spPr>
+          <a:xfrm>
+            <a:off x="1810093" y="3598255"/>
+            <a:ext cx="2716634" cy="161582"/>
+          </a:xfrm>
+          <a:prstGeom prst="rect">
+            <a:avLst/>
+          </a:prstGeom>
+          <a:noFill/>
+          <a:ln>
+            <a:noFill/>
+          </a:ln>
+        </p:spPr>
+        <p:txBody>
+          <a:bodyPr lIns="0" tIns="0" rIns="0" bIns="0" anchor="t" anchorCtr="0">
+            <a:noAutofit/>
+          </a:bodyPr>
+          <a:lstStyle/>
+          <a:p>
+            <a:pPr marL="0" marR="0" lvl="0" indent="0" algn="l" rtl="0">
+              <a:spcBef>
+                <a:spcPts val="0"/>
+              </a:spcBef>
+              <a:buSzPct val="25000"/>
+              <a:buNone/>
+            </a:pPr>
+            <a:r>
+              <a:rPr lang="en-GB" sz="1400">
+                <a:solidFill>
+                  <a:srgbClr val="31859B"/>
+                </a:solidFill>
+                <a:latin typeface="Calibri"/>
+                <a:ea typeface="Calibri"/>
+                <a:cs typeface="Calibri"/>
+                <a:sym typeface="Calibri"/>
+              </a:rPr>
+              <a:t>post(</a:t>
+            </a:r>
+            <a:r>
+              <a:rPr lang="en-GB">
+                <a:solidFill>
+                  <a:srgbClr val="31859B"/>
+                </a:solidFill>
+                <a:latin typeface="Calibri"/>
+                <a:ea typeface="Calibri"/>
+                <a:cs typeface="Calibri"/>
+                <a:sym typeface="Calibri"/>
+              </a:rPr>
+              <a:t>TaskList</a:t>
+            </a:r>
+            <a:r>
+              <a:rPr lang="en-GB" sz="1400">
+                <a:solidFill>
+                  <a:srgbClr val="31859B"/>
+                </a:solidFill>
+                <a:latin typeface="Calibri"/>
+                <a:ea typeface="Calibri"/>
+                <a:cs typeface="Calibri"/>
+                <a:sym typeface="Calibri"/>
+              </a:rPr>
+              <a:t>ChangedEvent)</a:t>
+            </a:r>
+          </a:p>
+        </p:txBody>
+      </p:sp>
+      <p:cxnSp>
+        <p:nvCxnSpPr>
+          <p:cNvPr id="200" name="Shape 200"/>
+          <p:cNvCxnSpPr/>
+          <p:nvPr/>
+        </p:nvCxnSpPr>
+        <p:spPr>
+          <a:xfrm rot="10800000">
+            <a:off x="4526729" y="4217303"/>
+            <a:ext cx="3383941" cy="0"/>
+          </a:xfrm>
+          <a:prstGeom prst="straightConnector1">
+            <a:avLst/>
+          </a:prstGeom>
+          <a:noFill/>
+          <a:ln w="19050" cap="flat" cmpd="sng">
+            <a:solidFill>
+              <a:srgbClr val="E36C09"/>
+            </a:solidFill>
+            <a:prstDash val="dash"/>
+            <a:round/>
+            <a:headEnd type="none" w="med" len="med"/>
+            <a:tailEnd type="stealth" w="lg" len="lg"/>
+          </a:ln>
+        </p:spPr>
+      </p:cxnSp>
+      <p:sp>
+        <p:nvSpPr>
+          <p:cNvPr id="201" name="Shape 201"/>
+          <p:cNvSpPr/>
+          <p:nvPr/>
+        </p:nvSpPr>
+        <p:spPr>
+          <a:xfrm>
+            <a:off x="3791146" y="3221424"/>
+            <a:ext cx="1371599" cy="260070"/>
+          </a:xfrm>
+          <a:prstGeom prst="rect">
+            <a:avLst/>
+          </a:prstGeom>
+          <a:solidFill>
+            <a:srgbClr val="31859B"/>
+          </a:solidFill>
+          <a:ln w="19050" cap="flat" cmpd="sng">
+            <a:solidFill>
+              <a:srgbClr val="31859B"/>
+            </a:solidFill>
+            <a:prstDash val="solid"/>
+            <a:round/>
+            <a:headEnd type="none" w="med" len="med"/>
+            <a:tailEnd type="none" w="med" len="med"/>
+          </a:ln>
+        </p:spPr>
+        <p:txBody>
+          <a:bodyPr lIns="91425" tIns="45700" rIns="91425" bIns="45700" anchor="ctr" anchorCtr="0">
+            <a:noAutofit/>
+          </a:bodyPr>
+          <a:lstStyle/>
+          <a:p>
+            <a:pPr marL="0" marR="0" lvl="0" indent="0" algn="ctr" rtl="0">
+              <a:spcBef>
+                <a:spcPts val="0"/>
+              </a:spcBef>
+              <a:buSzPct val="25000"/>
+              <a:buNone/>
+            </a:pPr>
+            <a:r>
+              <a:rPr lang="en-GB" sz="1600" dirty="0">
+                <a:solidFill>
+                  <a:schemeClr val="lt1"/>
+                </a:solidFill>
+                <a:latin typeface="Calibri"/>
+                <a:ea typeface="Calibri"/>
+                <a:cs typeface="Calibri"/>
+                <a:sym typeface="Calibri"/>
+              </a:rPr>
+              <a:t>:EventsCenter</a:t>
+            </a:r>
+          </a:p>
+        </p:txBody>
+      </p:sp>
+      <p:cxnSp>
+        <p:nvCxnSpPr>
+          <p:cNvPr id="202" name="Shape 202"/>
+          <p:cNvCxnSpPr/>
+          <p:nvPr/>
+        </p:nvCxnSpPr>
+        <p:spPr>
+          <a:xfrm>
+            <a:off x="4456730" y="3486215"/>
+            <a:ext cx="0" cy="1292294"/>
+          </a:xfrm>
+          <a:prstGeom prst="straightConnector1">
+            <a:avLst/>
+          </a:prstGeom>
+          <a:gradFill>
+            <a:gsLst>
+              <a:gs pos="0">
+                <a:srgbClr val="9FC3FF"/>
+              </a:gs>
+              <a:gs pos="35000">
+                <a:srgbClr val="BDD5FF"/>
+              </a:gs>
+              <a:gs pos="100000">
+                <a:srgbClr val="E4EEFF"/>
+              </a:gs>
+            </a:gsLst>
+            <a:lin ang="16200000" scaled="0"/>
+          </a:gradFill>
+          <a:ln w="19050" cap="flat" cmpd="sng">
+            <a:solidFill>
+              <a:srgbClr val="31859B"/>
+            </a:solidFill>
+            <a:prstDash val="dash"/>
+            <a:round/>
+            <a:headEnd type="none" w="med" len="med"/>
+            <a:tailEnd type="none" w="med" len="med"/>
+          </a:ln>
+        </p:spPr>
+      </p:cxnSp>
+      <p:sp>
+        <p:nvSpPr>
+          <p:cNvPr id="203" name="Shape 203"/>
+          <p:cNvSpPr/>
+          <p:nvPr/>
+        </p:nvSpPr>
+        <p:spPr>
+          <a:xfrm>
+            <a:off x="4384723" y="3803414"/>
+            <a:ext cx="142006" cy="777567"/>
+          </a:xfrm>
+          <a:prstGeom prst="rect">
+            <a:avLst/>
+          </a:prstGeom>
+          <a:solidFill>
+            <a:srgbClr val="31859B"/>
+          </a:solidFill>
+          <a:ln w="9525" cap="flat" cmpd="sng">
+            <a:solidFill>
+              <a:srgbClr val="31859B"/>
+            </a:solidFill>
+            <a:prstDash val="solid"/>
+            <a:round/>
+            <a:headEnd type="none" w="med" len="med"/>
+            <a:tailEnd type="none" w="med" len="med"/>
+          </a:ln>
+        </p:spPr>
+        <p:txBody>
+          <a:bodyPr lIns="91425" tIns="45700" rIns="91425" bIns="45700" anchor="ctr" anchorCtr="0">
+            <a:noAutofit/>
+          </a:bodyPr>
+          <a:lstStyle/>
+          <a:p>
+            <a:pPr marL="0" marR="0" lvl="0" indent="0" algn="ctr" rtl="0">
+              <a:spcBef>
+                <a:spcPts val="0"/>
+              </a:spcBef>
+              <a:buNone/>
+            </a:pPr>
+            <a:endParaRPr sz="1400">
+              <a:solidFill>
+                <a:schemeClr val="dk1"/>
+              </a:solidFill>
+              <a:latin typeface="Calibri"/>
+              <a:ea typeface="Calibri"/>
+              <a:cs typeface="Calibri"/>
+              <a:sym typeface="Calibri"/>
+            </a:endParaRPr>
+          </a:p>
+        </p:txBody>
+      </p:sp>
+      <p:cxnSp>
+        <p:nvCxnSpPr>
+          <p:cNvPr id="204" name="Shape 204"/>
+          <p:cNvCxnSpPr/>
+          <p:nvPr/>
+        </p:nvCxnSpPr>
+        <p:spPr>
+          <a:xfrm>
+            <a:off x="3078928" y="3803414"/>
+            <a:ext cx="1295400" cy="0"/>
+          </a:xfrm>
+          <a:prstGeom prst="straightConnector1">
+            <a:avLst/>
+          </a:prstGeom>
+          <a:noFill/>
+          <a:ln w="19050" cap="flat" cmpd="sng">
+            <a:solidFill>
+              <a:srgbClr val="7030A0"/>
+            </a:solidFill>
+            <a:prstDash val="solid"/>
+            <a:round/>
+            <a:headEnd type="none" w="med" len="med"/>
+            <a:tailEnd type="stealth" w="lg" len="lg"/>
+          </a:ln>
+        </p:spPr>
+      </p:cxnSp>
+      <p:cxnSp>
+        <p:nvCxnSpPr>
+          <p:cNvPr id="205" name="Shape 205"/>
+          <p:cNvCxnSpPr/>
+          <p:nvPr/>
+        </p:nvCxnSpPr>
+        <p:spPr>
+          <a:xfrm>
+            <a:off x="2975641" y="4580982"/>
+            <a:ext cx="1448754" cy="0"/>
+          </a:xfrm>
+          <a:prstGeom prst="straightConnector1">
+            <a:avLst/>
+          </a:prstGeom>
+          <a:noFill/>
+          <a:ln w="19050" cap="flat" cmpd="sng">
+            <a:solidFill>
+              <a:srgbClr val="31859B"/>
+            </a:solidFill>
+            <a:prstDash val="dash"/>
+            <a:round/>
+            <a:headEnd type="stealth" w="lg" len="lg"/>
+            <a:tailEnd type="none" w="med" len="med"/>
+          </a:ln>
+        </p:spPr>
+      </p:cxnSp>
+      <p:cxnSp>
+        <p:nvCxnSpPr>
+          <p:cNvPr id="206" name="Shape 206"/>
+          <p:cNvCxnSpPr/>
+          <p:nvPr/>
+        </p:nvCxnSpPr>
+        <p:spPr>
+          <a:xfrm>
+            <a:off x="4526728" y="4005760"/>
+            <a:ext cx="3318258" cy="0"/>
+          </a:xfrm>
+          <a:prstGeom prst="straightConnector1">
+            <a:avLst/>
+          </a:prstGeom>
+          <a:noFill/>
+          <a:ln w="19050" cap="flat" cmpd="sng">
+            <a:solidFill>
+              <a:srgbClr val="31859B"/>
+            </a:solidFill>
+            <a:prstDash val="solid"/>
+            <a:round/>
+            <a:headEnd type="none" w="med" len="med"/>
+            <a:tailEnd type="stealth" w="lg" len="lg"/>
+          </a:ln>
+        </p:spPr>
+      </p:cxnSp>
+      <p:sp>
+        <p:nvSpPr>
+          <p:cNvPr id="207" name="Shape 207"/>
+          <p:cNvSpPr txBox="1"/>
+          <p:nvPr/>
+        </p:nvSpPr>
+        <p:spPr>
+          <a:xfrm>
+            <a:off x="5036330" y="3799433"/>
+            <a:ext cx="2659869" cy="161582"/>
+          </a:xfrm>
+          <a:prstGeom prst="rect">
+            <a:avLst/>
+          </a:prstGeom>
+          <a:noFill/>
+          <a:ln>
+            <a:noFill/>
+          </a:ln>
+        </p:spPr>
+        <p:txBody>
+          <a:bodyPr lIns="0" tIns="0" rIns="0" bIns="0" anchor="t" anchorCtr="0">
+            <a:noAutofit/>
+          </a:bodyPr>
+          <a:lstStyle/>
+          <a:p>
+            <a:pPr marL="0" marR="0" lvl="0" indent="0" algn="l" rtl="0">
+              <a:spcBef>
+                <a:spcPts val="0"/>
+              </a:spcBef>
+              <a:buSzPct val="25000"/>
+              <a:buNone/>
+            </a:pPr>
+            <a:r>
+              <a:rPr lang="en-GB" sz="1400">
+                <a:solidFill>
+                  <a:srgbClr val="E36C09"/>
+                </a:solidFill>
+                <a:latin typeface="Calibri"/>
+                <a:ea typeface="Calibri"/>
+                <a:cs typeface="Calibri"/>
+                <a:sym typeface="Calibri"/>
+              </a:rPr>
+              <a:t>handle</a:t>
+            </a:r>
+            <a:r>
+              <a:rPr lang="en-GB">
+                <a:solidFill>
+                  <a:srgbClr val="E36C09"/>
+                </a:solidFill>
+                <a:latin typeface="Calibri"/>
+                <a:ea typeface="Calibri"/>
+                <a:cs typeface="Calibri"/>
+                <a:sym typeface="Calibri"/>
+              </a:rPr>
+              <a:t>TaskList</a:t>
+            </a:r>
+            <a:r>
+              <a:rPr lang="en-GB" sz="1400">
+                <a:solidFill>
+                  <a:srgbClr val="E36C09"/>
+                </a:solidFill>
+                <a:latin typeface="Calibri"/>
+                <a:ea typeface="Calibri"/>
+                <a:cs typeface="Calibri"/>
+                <a:sym typeface="Calibri"/>
+              </a:rPr>
+              <a:t>ChangedEvent()</a:t>
+            </a:r>
+          </a:p>
+        </p:txBody>
+      </p:sp>
+      <p:cxnSp>
+        <p:nvCxnSpPr>
+          <p:cNvPr id="208" name="Shape 208"/>
+          <p:cNvCxnSpPr/>
+          <p:nvPr/>
+        </p:nvCxnSpPr>
+        <p:spPr>
+          <a:xfrm flipH="1">
+            <a:off x="314393" y="824753"/>
+            <a:ext cx="23" cy="1199003"/>
+          </a:xfrm>
+          <a:prstGeom prst="straightConnector1">
+            <a:avLst/>
+          </a:prstGeom>
+          <a:gradFill>
+            <a:gsLst>
+              <a:gs pos="0">
+                <a:srgbClr val="9FC3FF"/>
+              </a:gs>
+              <a:gs pos="35000">
+                <a:srgbClr val="BDD5FF"/>
+              </a:gs>
+              <a:gs pos="100000">
+                <a:srgbClr val="E4EEFF"/>
+              </a:gs>
+            </a:gsLst>
+            <a:lin ang="16200000" scaled="0"/>
+          </a:gradFill>
+          <a:ln w="19050" cap="flat" cmpd="sng">
+            <a:solidFill>
+              <a:schemeClr val="dk1"/>
+            </a:solidFill>
+            <a:prstDash val="dash"/>
+            <a:round/>
+            <a:headEnd type="none" w="med" len="med"/>
+            <a:tailEnd type="none" w="med" len="med"/>
+          </a:ln>
+        </p:spPr>
+      </p:cxnSp>
+      <p:sp>
+        <p:nvSpPr>
+          <p:cNvPr id="209" name="Shape 209"/>
+          <p:cNvSpPr/>
+          <p:nvPr/>
+        </p:nvSpPr>
+        <p:spPr>
+          <a:xfrm>
+            <a:off x="721633" y="3208741"/>
+            <a:ext cx="1093634" cy="260070"/>
+          </a:xfrm>
+          <a:prstGeom prst="rect">
+            <a:avLst/>
+          </a:prstGeom>
+          <a:solidFill>
+            <a:srgbClr val="00B050"/>
+          </a:solidFill>
+          <a:ln w="19050" cap="flat" cmpd="sng">
+            <a:solidFill>
+              <a:srgbClr val="00B050"/>
+            </a:solidFill>
+            <a:prstDash val="solid"/>
+            <a:round/>
+            <a:headEnd type="none" w="med" len="med"/>
+            <a:tailEnd type="none" w="med" len="med"/>
+          </a:ln>
+        </p:spPr>
+        <p:txBody>
+          <a:bodyPr lIns="91425" tIns="45700" rIns="91425" bIns="45700" anchor="ctr" anchorCtr="0">
+            <a:noAutofit/>
+          </a:bodyPr>
+          <a:lstStyle/>
+          <a:p>
+            <a:pPr marL="0" marR="0" lvl="0" indent="0" algn="ctr" rtl="0">
+              <a:spcBef>
+                <a:spcPts val="0"/>
+              </a:spcBef>
+              <a:buSzPct val="25000"/>
+              <a:buNone/>
+            </a:pPr>
+            <a:r>
+              <a:rPr lang="en-GB" sz="1600">
+                <a:solidFill>
+                  <a:schemeClr val="lt1"/>
+                </a:solidFill>
+                <a:latin typeface="Calibri"/>
+                <a:ea typeface="Calibri"/>
+                <a:cs typeface="Calibri"/>
+                <a:sym typeface="Calibri"/>
+              </a:rPr>
+              <a:t>:UI</a:t>
+            </a:r>
+          </a:p>
+        </p:txBody>
+      </p:sp>
+      <p:cxnSp>
+        <p:nvCxnSpPr>
+          <p:cNvPr id="210" name="Shape 210"/>
+          <p:cNvCxnSpPr/>
+          <p:nvPr/>
+        </p:nvCxnSpPr>
+        <p:spPr>
+          <a:xfrm>
+            <a:off x="1268450" y="3481494"/>
+            <a:ext cx="0" cy="1292294"/>
+          </a:xfrm>
+          <a:prstGeom prst="straightConnector1">
+            <a:avLst/>
+          </a:prstGeom>
+          <a:gradFill>
+            <a:gsLst>
+              <a:gs pos="0">
+                <a:srgbClr val="9FC3FF"/>
+              </a:gs>
+              <a:gs pos="35000">
+                <a:srgbClr val="BDD5FF"/>
+              </a:gs>
+              <a:gs pos="100000">
+                <a:srgbClr val="E4EEFF"/>
+              </a:gs>
+            </a:gsLst>
+            <a:lin ang="16200000" scaled="0"/>
+          </a:gradFill>
+          <a:ln w="19050" cap="flat" cmpd="sng">
+            <a:solidFill>
+              <a:srgbClr val="00B050"/>
+            </a:solidFill>
+            <a:prstDash val="dash"/>
+            <a:round/>
+            <a:headEnd type="none" w="med" len="med"/>
+            <a:tailEnd type="none" w="med" len="med"/>
+          </a:ln>
+        </p:spPr>
+      </p:cxnSp>
+      <p:sp>
+        <p:nvSpPr>
+          <p:cNvPr id="211" name="Shape 211"/>
+          <p:cNvSpPr/>
+          <p:nvPr/>
+        </p:nvSpPr>
+        <p:spPr>
+          <a:xfrm>
+            <a:off x="1196442" y="4252853"/>
+            <a:ext cx="130545" cy="204846"/>
+          </a:xfrm>
+          <a:prstGeom prst="rect">
+            <a:avLst/>
+          </a:prstGeom>
+          <a:solidFill>
+            <a:srgbClr val="00B050"/>
+          </a:solidFill>
+          <a:ln w="9525" cap="flat" cmpd="sng">
+            <a:solidFill>
+              <a:srgbClr val="00B050"/>
+            </a:solidFill>
+            <a:prstDash val="solid"/>
+            <a:round/>
+            <a:headEnd type="none" w="med" len="med"/>
+            <a:tailEnd type="none" w="med" len="med"/>
+          </a:ln>
+        </p:spPr>
+        <p:txBody>
+          <a:bodyPr lIns="91425" tIns="45700" rIns="91425" bIns="45700" anchor="ctr" anchorCtr="0">
+            <a:noAutofit/>
+          </a:bodyPr>
+          <a:lstStyle/>
+          <a:p>
+            <a:pPr marL="0" marR="0" lvl="0" indent="0" algn="ctr" rtl="0">
+              <a:spcBef>
+                <a:spcPts val="0"/>
+              </a:spcBef>
+              <a:buNone/>
+            </a:pPr>
+            <a:endParaRPr sz="1400">
+              <a:solidFill>
+                <a:schemeClr val="dk1"/>
+              </a:solidFill>
+              <a:latin typeface="Calibri"/>
+              <a:ea typeface="Calibri"/>
+              <a:cs typeface="Calibri"/>
+              <a:sym typeface="Calibri"/>
+            </a:endParaRPr>
+          </a:p>
+        </p:txBody>
+      </p:sp>
+      <p:cxnSp>
+        <p:nvCxnSpPr>
+          <p:cNvPr id="212" name="Shape 212"/>
+          <p:cNvCxnSpPr/>
+          <p:nvPr/>
+        </p:nvCxnSpPr>
+        <p:spPr>
+          <a:xfrm rot="10800000">
+            <a:off x="1348843" y="4457700"/>
+            <a:ext cx="3061842" cy="0"/>
+          </a:xfrm>
+          <a:prstGeom prst="straightConnector1">
+            <a:avLst/>
+          </a:prstGeom>
+          <a:noFill/>
+          <a:ln w="19050" cap="flat" cmpd="sng">
+            <a:solidFill>
+              <a:srgbClr val="00B050"/>
+            </a:solidFill>
+            <a:prstDash val="dash"/>
+            <a:round/>
+            <a:headEnd type="stealth" w="lg" len="lg"/>
+            <a:tailEnd type="none" w="med" len="med"/>
+          </a:ln>
+        </p:spPr>
+      </p:cxnSp>
+      <p:cxnSp>
+        <p:nvCxnSpPr>
+          <p:cNvPr id="213" name="Shape 213"/>
+          <p:cNvCxnSpPr/>
+          <p:nvPr/>
+        </p:nvCxnSpPr>
+        <p:spPr>
+          <a:xfrm>
+            <a:off x="1348842" y="4252853"/>
+            <a:ext cx="3061841" cy="0"/>
+          </a:xfrm>
+          <a:prstGeom prst="straightConnector1">
+            <a:avLst/>
+          </a:prstGeom>
+          <a:noFill/>
+          <a:ln w="19050" cap="flat" cmpd="sng">
+            <a:solidFill>
+              <a:srgbClr val="31859B"/>
+            </a:solidFill>
+            <a:prstDash val="solid"/>
+            <a:round/>
+            <a:headEnd type="stealth" w="lg" len="lg"/>
+            <a:tailEnd type="none" w="med" len="med"/>
+          </a:ln>
+        </p:spPr>
+      </p:cxnSp>
+      <p:sp>
+        <p:nvSpPr>
+          <p:cNvPr id="214" name="Shape 214"/>
+          <p:cNvSpPr txBox="1"/>
+          <p:nvPr/>
+        </p:nvSpPr>
+        <p:spPr>
+          <a:xfrm>
+            <a:off x="1416275" y="4046526"/>
+            <a:ext cx="2659869" cy="161582"/>
+          </a:xfrm>
+          <a:prstGeom prst="rect">
+            <a:avLst/>
+          </a:prstGeom>
+          <a:noFill/>
+          <a:ln>
+            <a:noFill/>
+          </a:ln>
+        </p:spPr>
+        <p:txBody>
+          <a:bodyPr lIns="0" tIns="0" rIns="0" bIns="0" anchor="t" anchorCtr="0">
+            <a:noAutofit/>
+          </a:bodyPr>
+          <a:lstStyle/>
+          <a:p>
+            <a:pPr marL="0" marR="0" lvl="0" indent="0" algn="l" rtl="0">
+              <a:spcBef>
+                <a:spcPts val="0"/>
+              </a:spcBef>
+              <a:buSzPct val="25000"/>
+              <a:buNone/>
+            </a:pPr>
+            <a:r>
+              <a:rPr lang="en-GB" sz="1400">
+                <a:solidFill>
+                  <a:srgbClr val="00B050"/>
+                </a:solidFill>
+                <a:latin typeface="Calibri"/>
+                <a:ea typeface="Calibri"/>
+                <a:cs typeface="Calibri"/>
+                <a:sym typeface="Calibri"/>
+              </a:rPr>
+              <a:t>handle</a:t>
+            </a:r>
+            <a:r>
+              <a:rPr lang="en-GB">
+                <a:solidFill>
+                  <a:srgbClr val="00B050"/>
+                </a:solidFill>
+                <a:latin typeface="Calibri"/>
+                <a:ea typeface="Calibri"/>
+                <a:cs typeface="Calibri"/>
+                <a:sym typeface="Calibri"/>
+              </a:rPr>
+              <a:t>TaskList</a:t>
+            </a:r>
+            <a:r>
+              <a:rPr lang="en-GB" sz="1400">
+                <a:solidFill>
+                  <a:srgbClr val="00B050"/>
+                </a:solidFill>
+                <a:latin typeface="Calibri"/>
+                <a:ea typeface="Calibri"/>
+                <a:cs typeface="Calibri"/>
+                <a:sym typeface="Calibri"/>
+              </a:rPr>
+              <a:t>ChangedEvent()</a:t>
+            </a:r>
+          </a:p>
+        </p:txBody>
+      </p:sp>
+      <p:grpSp>
+        <p:nvGrpSpPr>
+          <p:cNvPr id="215" name="Shape 215"/>
+          <p:cNvGrpSpPr/>
+          <p:nvPr/>
+        </p:nvGrpSpPr>
+        <p:grpSpPr>
+          <a:xfrm>
+            <a:off x="1010860" y="4177876"/>
+            <a:ext cx="234622" cy="233701"/>
+            <a:chOff x="1010860" y="5570502"/>
+            <a:chExt cx="234622" cy="311601"/>
+          </a:xfrm>
+        </p:grpSpPr>
+        <p:sp>
+          <p:nvSpPr>
+            <p:cNvPr id="216" name="Shape 216"/>
+            <p:cNvSpPr/>
+            <p:nvPr/>
+          </p:nvSpPr>
+          <p:spPr>
+            <a:xfrm rot="-8199002">
+              <a:off x="1028134" y="5612032"/>
+              <a:ext cx="167451" cy="116879"/>
+            </a:xfrm>
+            <a:custGeom>
+              <a:avLst/>
+              <a:gdLst/>
+              <a:ahLst/>
+              <a:cxnLst/>
+              <a:rect l="0" t="0" r="0" b="0"/>
+              <a:pathLst>
+                <a:path w="120000" h="120000" extrusionOk="0">
+                  <a:moveTo>
+                    <a:pt x="0" y="23038"/>
+                  </a:moveTo>
+                  <a:cubicBezTo>
+                    <a:pt x="31821" y="7955"/>
+                    <a:pt x="63642" y="-7126"/>
+                    <a:pt x="83225" y="3646"/>
+                  </a:cubicBezTo>
+                  <a:cubicBezTo>
+                    <a:pt x="102807" y="14420"/>
+                    <a:pt x="128101" y="68287"/>
+                    <a:pt x="117494" y="87679"/>
+                  </a:cubicBezTo>
+                  <a:cubicBezTo>
+                    <a:pt x="106887" y="107071"/>
+                    <a:pt x="63234" y="113535"/>
+                    <a:pt x="19582" y="120000"/>
+                  </a:cubicBezTo>
+                </a:path>
+              </a:pathLst>
+            </a:custGeom>
+            <a:noFill/>
+            <a:ln w="19050" cap="flat" cmpd="sng">
+              <a:solidFill>
+                <a:srgbClr val="00B050"/>
+              </a:solidFill>
+              <a:prstDash val="solid"/>
+              <a:round/>
+              <a:headEnd type="none" w="med" len="med"/>
+              <a:tailEnd type="none" w="med" len="med"/>
+            </a:ln>
+          </p:spPr>
+          <p:txBody>
+            <a:bodyPr lIns="91425" tIns="45700" rIns="91425" bIns="45700" anchor="ctr" anchorCtr="0">
+              <a:noAutofit/>
+            </a:bodyPr>
+            <a:lstStyle/>
+            <a:p>
+              <a:pPr marL="0" marR="0" lvl="0" indent="0" algn="ctr" rtl="0">
+                <a:spcBef>
+                  <a:spcPts val="0"/>
+                </a:spcBef>
+                <a:buNone/>
+              </a:pPr>
+              <a:endParaRPr sz="1800">
+                <a:solidFill>
+                  <a:schemeClr val="dk1"/>
+                </a:solidFill>
+                <a:latin typeface="Calibri"/>
+                <a:ea typeface="Calibri"/>
+                <a:cs typeface="Calibri"/>
+                <a:sym typeface="Calibri"/>
+              </a:endParaRPr>
+            </a:p>
+          </p:txBody>
+        </p:sp>
+        <p:sp>
+          <p:nvSpPr>
+            <p:cNvPr id="217" name="Shape 217"/>
+            <p:cNvSpPr/>
+            <p:nvPr/>
+          </p:nvSpPr>
+          <p:spPr>
+            <a:xfrm>
+              <a:off x="1147403" y="5712512"/>
+              <a:ext cx="98080" cy="169591"/>
+            </a:xfrm>
+            <a:prstGeom prst="rect">
+              <a:avLst/>
+            </a:prstGeom>
+            <a:solidFill>
+              <a:srgbClr val="00B050"/>
+            </a:solidFill>
+            <a:ln w="9525" cap="flat" cmpd="sng">
+              <a:solidFill>
+                <a:schemeClr val="lt1"/>
+              </a:solidFill>
+              <a:prstDash val="solid"/>
+              <a:round/>
+              <a:headEnd type="none" w="med" len="med"/>
+              <a:tailEnd type="none" w="med" len="med"/>
+            </a:ln>
+          </p:spPr>
+          <p:txBody>
+            <a:bodyPr lIns="91425" tIns="45700" rIns="91425" bIns="45700" anchor="ctr" anchorCtr="0">
+              <a:noAutofit/>
+            </a:bodyPr>
+            <a:lstStyle/>
+            <a:p>
+              <a:pPr marL="0" marR="0" lvl="0" indent="0" algn="ctr" rtl="0">
+                <a:spcBef>
+                  <a:spcPts val="0"/>
+                </a:spcBef>
+                <a:buNone/>
+              </a:pPr>
+              <a:endParaRPr sz="1400">
+                <a:solidFill>
+                  <a:schemeClr val="dk1"/>
+                </a:solidFill>
+                <a:latin typeface="Calibri"/>
+                <a:ea typeface="Calibri"/>
+                <a:cs typeface="Calibri"/>
+                <a:sym typeface="Calibri"/>
+              </a:endParaRPr>
+            </a:p>
+          </p:txBody>
+        </p:sp>
+      </p:grpSp>
+      <p:sp>
+        <p:nvSpPr>
+          <p:cNvPr id="218" name="Shape 218"/>
+          <p:cNvSpPr txBox="1"/>
+          <p:nvPr/>
+        </p:nvSpPr>
+        <p:spPr>
+          <a:xfrm>
+            <a:off x="194561" y="4083428"/>
+            <a:ext cx="794081" cy="323165"/>
+          </a:xfrm>
+          <a:prstGeom prst="rect">
+            <a:avLst/>
+          </a:prstGeom>
+          <a:noFill/>
+          <a:ln>
+            <a:noFill/>
+          </a:ln>
+        </p:spPr>
+        <p:txBody>
+          <a:bodyPr lIns="0" tIns="0" rIns="0" bIns="0" anchor="t" anchorCtr="0">
+            <a:noAutofit/>
+          </a:bodyPr>
+          <a:lstStyle/>
+          <a:p>
+            <a:pPr marL="0" marR="0" lvl="0" indent="0" algn="r" rtl="0">
+              <a:spcBef>
+                <a:spcPts val="0"/>
+              </a:spcBef>
+              <a:buSzPct val="25000"/>
+              <a:buNone/>
+            </a:pPr>
+            <a:r>
+              <a:rPr lang="en-GB" sz="1400">
+                <a:solidFill>
+                  <a:srgbClr val="00B050"/>
+                </a:solidFill>
+                <a:latin typeface="Calibri"/>
+                <a:ea typeface="Calibri"/>
+                <a:cs typeface="Calibri"/>
+                <a:sym typeface="Calibri"/>
+              </a:rPr>
+              <a:t>Update status bar</a:t>
+            </a:r>
+          </a:p>
+        </p:txBody>
+      </p:sp>
+      <p:grpSp>
+        <p:nvGrpSpPr>
+          <p:cNvPr id="219" name="Shape 219"/>
+          <p:cNvGrpSpPr/>
+          <p:nvPr/>
+        </p:nvGrpSpPr>
+        <p:grpSpPr>
+          <a:xfrm flipH="1">
+            <a:off x="7936841" y="3970599"/>
+            <a:ext cx="234622" cy="233701"/>
+            <a:chOff x="1010860" y="5570502"/>
+            <a:chExt cx="234622" cy="311601"/>
+          </a:xfrm>
+        </p:grpSpPr>
+        <p:sp>
+          <p:nvSpPr>
+            <p:cNvPr id="220" name="Shape 220"/>
+            <p:cNvSpPr/>
+            <p:nvPr/>
+          </p:nvSpPr>
+          <p:spPr>
+            <a:xfrm rot="-8199002">
+              <a:off x="1028134" y="5612032"/>
+              <a:ext cx="167451" cy="116879"/>
+            </a:xfrm>
+            <a:custGeom>
+              <a:avLst/>
+              <a:gdLst/>
+              <a:ahLst/>
+              <a:cxnLst/>
+              <a:rect l="0" t="0" r="0" b="0"/>
+              <a:pathLst>
+                <a:path w="120000" h="120000" extrusionOk="0">
+                  <a:moveTo>
+                    <a:pt x="0" y="23038"/>
+                  </a:moveTo>
+                  <a:cubicBezTo>
+                    <a:pt x="31821" y="7955"/>
+                    <a:pt x="63642" y="-7126"/>
+                    <a:pt x="83225" y="3646"/>
+                  </a:cubicBezTo>
+                  <a:cubicBezTo>
+                    <a:pt x="102807" y="14420"/>
+                    <a:pt x="128101" y="68287"/>
+                    <a:pt x="117494" y="87679"/>
+                  </a:cubicBezTo>
+                  <a:cubicBezTo>
+                    <a:pt x="106887" y="107071"/>
+                    <a:pt x="63234" y="113535"/>
+                    <a:pt x="19582" y="120000"/>
+                  </a:cubicBezTo>
+                </a:path>
+              </a:pathLst>
+            </a:custGeom>
+            <a:noFill/>
+            <a:ln w="19050" cap="flat" cmpd="sng">
+              <a:solidFill>
+                <a:srgbClr val="E36C09"/>
+              </a:solidFill>
+              <a:prstDash val="solid"/>
+              <a:round/>
+              <a:headEnd type="none" w="med" len="med"/>
+              <a:tailEnd type="none" w="med" len="med"/>
+            </a:ln>
+          </p:spPr>
+          <p:txBody>
+            <a:bodyPr lIns="91425" tIns="45700" rIns="91425" bIns="45700" anchor="ctr" anchorCtr="0">
+              <a:noAutofit/>
+            </a:bodyPr>
+            <a:lstStyle/>
+            <a:p>
+              <a:pPr marL="0" marR="0" lvl="0" indent="0" algn="ctr" rtl="0">
+                <a:spcBef>
+                  <a:spcPts val="0"/>
+                </a:spcBef>
+                <a:buNone/>
+              </a:pPr>
+              <a:endParaRPr sz="1800">
+                <a:solidFill>
+                  <a:schemeClr val="dk1"/>
+                </a:solidFill>
+                <a:latin typeface="Calibri"/>
+                <a:ea typeface="Calibri"/>
+                <a:cs typeface="Calibri"/>
+                <a:sym typeface="Calibri"/>
+              </a:endParaRPr>
+            </a:p>
+          </p:txBody>
+        </p:sp>
+        <p:sp>
+          <p:nvSpPr>
+            <p:cNvPr id="221" name="Shape 221"/>
+            <p:cNvSpPr/>
+            <p:nvPr/>
+          </p:nvSpPr>
+          <p:spPr>
+            <a:xfrm>
+              <a:off x="1147403" y="5712512"/>
+              <a:ext cx="98080" cy="169591"/>
+            </a:xfrm>
+            <a:prstGeom prst="rect">
+              <a:avLst/>
+            </a:prstGeom>
+            <a:solidFill>
+              <a:srgbClr val="E36C09"/>
+            </a:solidFill>
+            <a:ln w="9525" cap="flat" cmpd="sng">
+              <a:solidFill>
+                <a:schemeClr val="lt1"/>
+              </a:solidFill>
+              <a:prstDash val="solid"/>
+              <a:round/>
+              <a:headEnd type="none" w="med" len="med"/>
+              <a:tailEnd type="none" w="med" len="med"/>
+            </a:ln>
+          </p:spPr>
+          <p:txBody>
+            <a:bodyPr lIns="91425" tIns="45700" rIns="91425" bIns="45700" anchor="ctr" anchorCtr="0">
+              <a:noAutofit/>
+            </a:bodyPr>
+            <a:lstStyle/>
+            <a:p>
+              <a:pPr marL="0" marR="0" lvl="0" indent="0" algn="ctr" rtl="0">
+                <a:spcBef>
+                  <a:spcPts val="0"/>
+                </a:spcBef>
+                <a:buNone/>
+              </a:pPr>
+              <a:endParaRPr sz="1400">
+                <a:solidFill>
+                  <a:schemeClr val="dk1"/>
+                </a:solidFill>
+                <a:latin typeface="Calibri"/>
+                <a:ea typeface="Calibri"/>
+                <a:cs typeface="Calibri"/>
+                <a:sym typeface="Calibri"/>
+              </a:endParaRPr>
+            </a:p>
+          </p:txBody>
+        </p:sp>
+      </p:grpSp>
+      <p:sp>
+        <p:nvSpPr>
+          <p:cNvPr id="222" name="Shape 222"/>
+          <p:cNvSpPr txBox="1"/>
+          <p:nvPr/>
+        </p:nvSpPr>
+        <p:spPr>
+          <a:xfrm>
+            <a:off x="8223953" y="3885744"/>
+            <a:ext cx="539046" cy="323165"/>
+          </a:xfrm>
+          <a:prstGeom prst="rect">
+            <a:avLst/>
+          </a:prstGeom>
+          <a:noFill/>
+          <a:ln>
+            <a:noFill/>
+          </a:ln>
+        </p:spPr>
+        <p:txBody>
+          <a:bodyPr lIns="0" tIns="0" rIns="0" bIns="0" anchor="t" anchorCtr="0">
+            <a:noAutofit/>
+          </a:bodyPr>
+          <a:lstStyle/>
+          <a:p>
+            <a:pPr marL="0" marR="0" lvl="0" indent="0" algn="l" rtl="0">
+              <a:spcBef>
+                <a:spcPts val="0"/>
+              </a:spcBef>
+              <a:buSzPct val="25000"/>
+              <a:buNone/>
+            </a:pPr>
+            <a:r>
+              <a:rPr lang="en-GB" sz="1400">
+                <a:solidFill>
+                  <a:srgbClr val="E36C09"/>
+                </a:solidFill>
+                <a:latin typeface="Calibri"/>
+                <a:ea typeface="Calibri"/>
+                <a:cs typeface="Calibri"/>
+                <a:sym typeface="Calibri"/>
+              </a:rPr>
+              <a:t>Save </a:t>
+            </a:r>
+            <a:br>
+              <a:rPr lang="en-GB" sz="1400">
+                <a:solidFill>
+                  <a:srgbClr val="E36C09"/>
+                </a:solidFill>
+                <a:latin typeface="Calibri"/>
+                <a:ea typeface="Calibri"/>
+                <a:cs typeface="Calibri"/>
+                <a:sym typeface="Calibri"/>
+              </a:rPr>
+            </a:br>
+            <a:r>
+              <a:rPr lang="en-GB" sz="1400">
+                <a:solidFill>
+                  <a:srgbClr val="E36C09"/>
+                </a:solidFill>
+                <a:latin typeface="Calibri"/>
+                <a:ea typeface="Calibri"/>
+                <a:cs typeface="Calibri"/>
+                <a:sym typeface="Calibri"/>
+              </a:rPr>
+              <a:t>to file</a:t>
+            </a:r>
+          </a:p>
+        </p:txBody>
+      </p:sp>
+    </p:spTree>
+    <p:extLst>
+      <p:ext uri="{BB962C8B-B14F-4D97-AF65-F5344CB8AC3E}">
+        <p14:creationId xmlns:p14="http://schemas.microsoft.com/office/powerpoint/2010/main" val="3186323954"/>
+      </p:ext>
+    </p:extLst>
+  </p:cSld>
+  <p:clrMapOvr>
+    <a:masterClrMapping/>
+  </p:clrMapOvr>
+</p:sld>
+</file>
+
+<file path=ppt/slides/slide6.xml><?xml version="1.0" encoding="utf-8"?>
+<p:sld xmlns:a="http://schemas.openxmlformats.org/drawingml/2006/main" xmlns:r="http://schemas.openxmlformats.org/officeDocument/2006/relationships" xmlns:p="http://schemas.openxmlformats.org/presentationml/2006/main">
+  <p:cSld>
+    <p:spTree>
+      <p:nvGrpSpPr>
         <p:cNvPr id="1" name="Shape 226"/>
         <p:cNvGrpSpPr/>
         <p:nvPr/>
@@ -20732,7 +25802,7 @@
 </p:sld>
 </file>
 
-<file path=ppt/slides/slide5.xml><?xml version="1.0" encoding="utf-8"?>
+<file path=ppt/slides/slide7.xml><?xml version="1.0" encoding="utf-8"?>
 <p:sld xmlns:a="http://schemas.openxmlformats.org/drawingml/2006/main" xmlns:r="http://schemas.openxmlformats.org/officeDocument/2006/relationships" xmlns:p="http://schemas.openxmlformats.org/presentationml/2006/main">
   <p:cSld>
     <p:spTree>
@@ -22770,7 +27840,7 @@
 </p:sld>
 </file>
 
-<file path=ppt/slides/slide6.xml><?xml version="1.0" encoding="utf-8"?>
+<file path=ppt/slides/slide8.xml><?xml version="1.0" encoding="utf-8"?>
 <p:sld xmlns:a="http://schemas.openxmlformats.org/drawingml/2006/main" xmlns:r="http://schemas.openxmlformats.org/officeDocument/2006/relationships" xmlns:p="http://schemas.openxmlformats.org/presentationml/2006/main">
   <p:cSld>
     <p:spTree>
@@ -25129,7 +30199,7 @@
 </p:sld>
 </file>
 
-<file path=ppt/slides/slide7.xml><?xml version="1.0" encoding="utf-8"?>
+<file path=ppt/slides/slide9.xml><?xml version="1.0" encoding="utf-8"?>
 <p:sld xmlns:a="http://schemas.openxmlformats.org/drawingml/2006/main" xmlns:r="http://schemas.openxmlformats.org/officeDocument/2006/relationships" xmlns:p="http://schemas.openxmlformats.org/presentationml/2006/main">
   <p:cSld>
     <p:spTree>
@@ -26501,357 +31571,6 @@
           </a:ln>
         </p:spPr>
       </p:cxnSp>
-    </p:spTree>
-  </p:cSld>
-  <p:clrMapOvr>
-    <a:masterClrMapping/>
-  </p:clrMapOvr>
-</p:sld>
-</file>
-
-<file path=ppt/slides/slide8.xml><?xml version="1.0" encoding="utf-8"?>
-<p:sld xmlns:a="http://schemas.openxmlformats.org/drawingml/2006/main" xmlns:r="http://schemas.openxmlformats.org/officeDocument/2006/relationships" xmlns:p="http://schemas.openxmlformats.org/presentationml/2006/main">
-  <p:cSld>
-    <p:spTree>
-      <p:nvGrpSpPr>
-        <p:cNvPr id="1" name="Shape 389"/>
-        <p:cNvGrpSpPr/>
-        <p:nvPr/>
-      </p:nvGrpSpPr>
-      <p:grpSpPr>
-        <a:xfrm>
-          <a:off x="0" y="0"/>
-          <a:ext cx="0" cy="0"/>
-          <a:chOff x="0" y="0"/>
-          <a:chExt cx="0" cy="0"/>
-        </a:xfrm>
-      </p:grpSpPr>
-      <p:sp>
-        <p:nvSpPr>
-          <p:cNvPr id="390" name="Shape 390"/>
-          <p:cNvSpPr/>
-          <p:nvPr/>
-        </p:nvSpPr>
-        <p:spPr>
-          <a:xfrm>
-            <a:off x="990600" y="514350"/>
-            <a:ext cx="7315200" cy="4114799"/>
-          </a:xfrm>
-          <a:prstGeom prst="rect">
-            <a:avLst/>
-          </a:prstGeom>
-          <a:solidFill>
-            <a:schemeClr val="accent1"/>
-          </a:solidFill>
-          <a:ln w="25400" cap="flat" cmpd="sng">
-            <a:solidFill>
-              <a:srgbClr val="395E89"/>
-            </a:solidFill>
-            <a:prstDash val="solid"/>
-            <a:round/>
-            <a:headEnd type="none" w="med" len="med"/>
-            <a:tailEnd type="none" w="med" len="med"/>
-          </a:ln>
-        </p:spPr>
-        <p:txBody>
-          <a:bodyPr lIns="91425" tIns="45700" rIns="91425" bIns="45700" anchor="ctr" anchorCtr="0">
-            <a:noAutofit/>
-          </a:bodyPr>
-          <a:lstStyle/>
-          <a:p>
-            <a:pPr marL="0" marR="0" lvl="0" indent="0" algn="ctr" rtl="0">
-              <a:spcBef>
-                <a:spcPts val="0"/>
-              </a:spcBef>
-              <a:buNone/>
-            </a:pPr>
-            <a:endParaRPr sz="1800">
-              <a:solidFill>
-                <a:schemeClr val="lt1"/>
-              </a:solidFill>
-              <a:latin typeface="Calibri"/>
-              <a:ea typeface="Calibri"/>
-              <a:cs typeface="Calibri"/>
-              <a:sym typeface="Calibri"/>
-            </a:endParaRPr>
-          </a:p>
-        </p:txBody>
-      </p:sp>
-      <p:sp>
-        <p:nvSpPr>
-          <p:cNvPr id="391" name="Shape 391"/>
-          <p:cNvSpPr/>
-          <p:nvPr/>
-        </p:nvSpPr>
-        <p:spPr>
-          <a:xfrm>
-            <a:off x="1066800" y="971549"/>
-            <a:ext cx="2362200" cy="2358894"/>
-          </a:xfrm>
-          <a:prstGeom prst="rect">
-            <a:avLst/>
-          </a:prstGeom>
-          <a:solidFill>
-            <a:schemeClr val="accent2"/>
-          </a:solidFill>
-          <a:ln w="25400" cap="flat" cmpd="sng">
-            <a:solidFill>
-              <a:srgbClr val="8C3A38"/>
-            </a:solidFill>
-            <a:prstDash val="solid"/>
-            <a:round/>
-            <a:headEnd type="none" w="med" len="med"/>
-            <a:tailEnd type="none" w="med" len="med"/>
-          </a:ln>
-        </p:spPr>
-        <p:txBody>
-          <a:bodyPr lIns="91425" tIns="45700" rIns="91425" bIns="45700" anchor="ctr" anchorCtr="0">
-            <a:noAutofit/>
-          </a:bodyPr>
-          <a:lstStyle/>
-          <a:p>
-            <a:pPr marL="0" marR="0" lvl="0" indent="0" algn="ctr" rtl="0">
-              <a:spcBef>
-                <a:spcPts val="0"/>
-              </a:spcBef>
-              <a:buSzPct val="25000"/>
-              <a:buNone/>
-            </a:pPr>
-            <a:r>
-              <a:rPr lang="en-GB" sz="3200">
-                <a:solidFill>
-                  <a:schemeClr val="lt1"/>
-                </a:solidFill>
-                <a:latin typeface="Calibri"/>
-                <a:ea typeface="Calibri"/>
-                <a:cs typeface="Calibri"/>
-                <a:sym typeface="Calibri"/>
-              </a:rPr>
-              <a:t>Task Display</a:t>
-            </a:r>
-          </a:p>
-        </p:txBody>
-      </p:sp>
-      <p:sp>
-        <p:nvSpPr>
-          <p:cNvPr id="392" name="Shape 392"/>
-          <p:cNvSpPr/>
-          <p:nvPr/>
-        </p:nvSpPr>
-        <p:spPr>
-          <a:xfrm>
-            <a:off x="1066800" y="4041905"/>
-            <a:ext cx="2362200" cy="514349"/>
-          </a:xfrm>
-          <a:prstGeom prst="rect">
-            <a:avLst/>
-          </a:prstGeom>
-          <a:solidFill>
-            <a:schemeClr val="dk2"/>
-          </a:solidFill>
-          <a:ln w="25400" cap="flat" cmpd="sng">
-            <a:solidFill>
-              <a:srgbClr val="718840"/>
-            </a:solidFill>
-            <a:prstDash val="solid"/>
-            <a:round/>
-            <a:headEnd type="none" w="med" len="med"/>
-            <a:tailEnd type="none" w="med" len="med"/>
-          </a:ln>
-        </p:spPr>
-        <p:txBody>
-          <a:bodyPr lIns="91425" tIns="45700" rIns="91425" bIns="45700" anchor="ctr" anchorCtr="0">
-            <a:noAutofit/>
-          </a:bodyPr>
-          <a:lstStyle/>
-          <a:p>
-            <a:pPr marL="0" marR="0" lvl="0" indent="0" algn="ctr" rtl="0">
-              <a:spcBef>
-                <a:spcPts val="0"/>
-              </a:spcBef>
-              <a:buSzPct val="25000"/>
-              <a:buNone/>
-            </a:pPr>
-            <a:r>
-              <a:rPr lang="en-GB" sz="2400">
-                <a:solidFill>
-                  <a:schemeClr val="lt1"/>
-                </a:solidFill>
-                <a:latin typeface="Calibri"/>
-                <a:ea typeface="Calibri"/>
-                <a:cs typeface="Calibri"/>
-                <a:sym typeface="Calibri"/>
-              </a:rPr>
-              <a:t># Task Completed</a:t>
-            </a:r>
-          </a:p>
-        </p:txBody>
-      </p:sp>
-      <p:sp>
-        <p:nvSpPr>
-          <p:cNvPr id="393" name="Shape 393"/>
-          <p:cNvSpPr/>
-          <p:nvPr/>
-        </p:nvSpPr>
-        <p:spPr>
-          <a:xfrm>
-            <a:off x="1066800" y="571500"/>
-            <a:ext cx="7162799" cy="342900"/>
-          </a:xfrm>
-          <a:prstGeom prst="rect">
-            <a:avLst/>
-          </a:prstGeom>
-          <a:solidFill>
-            <a:schemeClr val="accent4"/>
-          </a:solidFill>
-          <a:ln w="25400" cap="flat" cmpd="sng">
-            <a:solidFill>
-              <a:srgbClr val="5D4876"/>
-            </a:solidFill>
-            <a:prstDash val="solid"/>
-            <a:round/>
-            <a:headEnd type="none" w="med" len="med"/>
-            <a:tailEnd type="none" w="med" len="med"/>
-          </a:ln>
-        </p:spPr>
-        <p:txBody>
-          <a:bodyPr lIns="91425" tIns="45700" rIns="91425" bIns="45700" anchor="ctr" anchorCtr="0">
-            <a:noAutofit/>
-          </a:bodyPr>
-          <a:lstStyle/>
-          <a:p>
-            <a:pPr marL="0" marR="0" lvl="0" indent="0" algn="ctr" rtl="0">
-              <a:spcBef>
-                <a:spcPts val="0"/>
-              </a:spcBef>
-              <a:buSzPct val="25000"/>
-              <a:buNone/>
-            </a:pPr>
-            <a:r>
-              <a:rPr lang="en-GB" sz="3200">
-                <a:solidFill>
-                  <a:schemeClr val="lt1"/>
-                </a:solidFill>
-                <a:latin typeface="Calibri"/>
-                <a:ea typeface="Calibri"/>
-                <a:cs typeface="Calibri"/>
-                <a:sym typeface="Calibri"/>
-              </a:rPr>
-              <a:t>CLI</a:t>
-            </a:r>
-          </a:p>
-        </p:txBody>
-      </p:sp>
-      <p:sp>
-        <p:nvSpPr>
-          <p:cNvPr id="394" name="Shape 394"/>
-          <p:cNvSpPr/>
-          <p:nvPr/>
-        </p:nvSpPr>
-        <p:spPr>
-          <a:xfrm>
-            <a:off x="3581400" y="971550"/>
-            <a:ext cx="4648199" cy="3600450"/>
-          </a:xfrm>
-          <a:prstGeom prst="rect">
-            <a:avLst/>
-          </a:prstGeom>
-          <a:solidFill>
-            <a:schemeClr val="accent5"/>
-          </a:solidFill>
-          <a:ln w="25400" cap="flat" cmpd="sng">
-            <a:solidFill>
-              <a:srgbClr val="367D90"/>
-            </a:solidFill>
-            <a:prstDash val="solid"/>
-            <a:round/>
-            <a:headEnd type="none" w="med" len="med"/>
-            <a:tailEnd type="none" w="med" len="med"/>
-          </a:ln>
-        </p:spPr>
-        <p:txBody>
-          <a:bodyPr lIns="91425" tIns="45700" rIns="91425" bIns="45700" anchor="ctr" anchorCtr="0">
-            <a:noAutofit/>
-          </a:bodyPr>
-          <a:lstStyle/>
-          <a:p>
-            <a:pPr marL="0" marR="0" lvl="0" indent="0" algn="ctr" rtl="0">
-              <a:spcBef>
-                <a:spcPts val="0"/>
-              </a:spcBef>
-              <a:buSzPct val="25000"/>
-              <a:buNone/>
-            </a:pPr>
-            <a:r>
-              <a:rPr lang="en-GB" sz="3200">
-                <a:solidFill>
-                  <a:schemeClr val="lt1"/>
-                </a:solidFill>
-                <a:latin typeface="Calibri"/>
-                <a:ea typeface="Calibri"/>
-                <a:cs typeface="Calibri"/>
-                <a:sym typeface="Calibri"/>
-              </a:rPr>
-              <a:t>Display</a:t>
-            </a:r>
-          </a:p>
-        </p:txBody>
-      </p:sp>
-      <p:sp>
-        <p:nvSpPr>
-          <p:cNvPr id="395" name="Shape 395"/>
-          <p:cNvSpPr/>
-          <p:nvPr/>
-        </p:nvSpPr>
-        <p:spPr>
-          <a:xfrm>
-            <a:off x="1066800" y="3429000"/>
-            <a:ext cx="2362200" cy="514349"/>
-          </a:xfrm>
-          <a:prstGeom prst="rect">
-            <a:avLst/>
-          </a:prstGeom>
-          <a:solidFill>
-            <a:schemeClr val="dk2"/>
-          </a:solidFill>
-          <a:ln w="25400" cap="flat" cmpd="sng">
-            <a:solidFill>
-              <a:srgbClr val="718840"/>
-            </a:solidFill>
-            <a:prstDash val="solid"/>
-            <a:round/>
-            <a:headEnd type="none" w="med" len="med"/>
-            <a:tailEnd type="none" w="med" len="med"/>
-          </a:ln>
-        </p:spPr>
-        <p:txBody>
-          <a:bodyPr lIns="91425" tIns="45700" rIns="91425" bIns="45700" anchor="ctr" anchorCtr="0">
-            <a:noAutofit/>
-          </a:bodyPr>
-          <a:lstStyle/>
-          <a:p>
-            <a:pPr marL="0" marR="0" lvl="0" indent="0" algn="ctr" rtl="0">
-              <a:spcBef>
-                <a:spcPts val="0"/>
-              </a:spcBef>
-              <a:buSzPct val="25000"/>
-              <a:buNone/>
-            </a:pPr>
-            <a:r>
-              <a:rPr lang="en-GB" sz="2400">
-                <a:solidFill>
-                  <a:schemeClr val="lt1"/>
-                </a:solidFill>
-                <a:latin typeface="Calibri"/>
-                <a:ea typeface="Calibri"/>
-                <a:cs typeface="Calibri"/>
-                <a:sym typeface="Calibri"/>
-              </a:rPr>
-              <a:t># Task Left</a:t>
-            </a:r>
-          </a:p>
-        </p:txBody>
-      </p:sp>
     </p:spTree>
   </p:cSld>
   <p:clrMapOvr>
